--- a/презентация.pptx
+++ b/презентация.pptx
@@ -119,10 +119,10 @@
   </p:defaultTextStyle>
   <p:extLst>
     <p:ext uri="{EFAFB233-063F-42B5-8137-9DF3F51BA10A}">
-      <p15:sldGuideLst xmlns:p15="http://schemas.microsoft.com/office/powerpoint/2012/main" xmlns=""/>
+      <p15:sldGuideLst xmlns="" xmlns:p15="http://schemas.microsoft.com/office/powerpoint/2012/main"/>
     </p:ext>
     <p:ext uri="{2D200454-40CA-4A62-9FC3-DE9A4176ACB9}">
-      <p15:notesGuideLst xmlns:p15="http://schemas.microsoft.com/office/powerpoint/2012/main" xmlns=""/>
+      <p15:notesGuideLst xmlns="" xmlns:p15="http://schemas.microsoft.com/office/powerpoint/2012/main"/>
     </p:ext>
   </p:extLst>
 </p:presentation>
@@ -167,7 +167,7 @@
           <p:cNvPr id="2" name="Header Placeholder 1">
             <a:extLst>
               <a:ext uri="{FF2B5EF4-FFF2-40B4-BE49-F238E27FC236}">
-                <a16:creationId xmlns:a16="http://schemas.microsoft.com/office/drawing/2014/main" xmlns="" id="{25A1D659-9682-BE2B-7FE8-67902A12441F}"/>
+                <a16:creationId xmlns="" xmlns:a16="http://schemas.microsoft.com/office/drawing/2014/main" id="{25A1D659-9682-BE2B-7FE8-67902A12441F}"/>
               </a:ext>
             </a:extLst>
           </p:cNvPr>
@@ -204,7 +204,7 @@
           <p:cNvPr id="3" name="Date Placeholder 2">
             <a:extLst>
               <a:ext uri="{FF2B5EF4-FFF2-40B4-BE49-F238E27FC236}">
-                <a16:creationId xmlns:a16="http://schemas.microsoft.com/office/drawing/2014/main" xmlns="" id="{4DC9DD43-96CB-5A3C-DDAC-DDED88E71848}"/>
+                <a16:creationId xmlns="" xmlns:a16="http://schemas.microsoft.com/office/drawing/2014/main" id="{4DC9DD43-96CB-5A3C-DDAC-DDED88E71848}"/>
               </a:ext>
             </a:extLst>
           </p:cNvPr>
@@ -245,7 +245,7 @@
           <p:cNvPr id="4" name="Footer Placeholder 3">
             <a:extLst>
               <a:ext uri="{FF2B5EF4-FFF2-40B4-BE49-F238E27FC236}">
-                <a16:creationId xmlns:a16="http://schemas.microsoft.com/office/drawing/2014/main" xmlns="" id="{244C9BD9-497A-49AE-566B-AE7A53D6FC90}"/>
+                <a16:creationId xmlns="" xmlns:a16="http://schemas.microsoft.com/office/drawing/2014/main" id="{244C9BD9-497A-49AE-566B-AE7A53D6FC90}"/>
               </a:ext>
             </a:extLst>
           </p:cNvPr>
@@ -282,7 +282,7 @@
           <p:cNvPr id="5" name="Slide Number Placeholder 4">
             <a:extLst>
               <a:ext uri="{FF2B5EF4-FFF2-40B4-BE49-F238E27FC236}">
-                <a16:creationId xmlns:a16="http://schemas.microsoft.com/office/drawing/2014/main" xmlns="" id="{246ABFDD-E1A7-7283-43F9-290FFE047FB6}"/>
+                <a16:creationId xmlns="" xmlns:a16="http://schemas.microsoft.com/office/drawing/2014/main" id="{246ABFDD-E1A7-7283-43F9-290FFE047FB6}"/>
               </a:ext>
             </a:extLst>
           </p:cNvPr>
@@ -1372,10 +1372,10 @@
           <p:cNvPr id="4" name="Graphic 3">
             <a:extLst>
               <a:ext uri="{FF2B5EF4-FFF2-40B4-BE49-F238E27FC236}">
-                <a16:creationId xmlns:a16="http://schemas.microsoft.com/office/drawing/2014/main" xmlns="" id="{BED105B8-FA74-BFE4-E87B-952F8C9E1878}"/>
+                <a16:creationId xmlns="" xmlns:a16="http://schemas.microsoft.com/office/drawing/2014/main" id="{BED105B8-FA74-BFE4-E87B-952F8C9E1878}"/>
               </a:ext>
               <a:ext uri="{C183D7F6-B498-43B3-948B-1728B52AA6E4}">
-                <adec:decorative xmlns:adec="http://schemas.microsoft.com/office/drawing/2017/decorative" xmlns="" val="1"/>
+                <adec:decorative xmlns="" xmlns:adec="http://schemas.microsoft.com/office/drawing/2017/decorative" val="1"/>
               </a:ext>
             </a:extLst>
           </p:cNvPr>
@@ -1391,7 +1391,7 @@
                 <a14:useLocalDpi xmlns:a14="http://schemas.microsoft.com/office/drawing/2010/main" val="0"/>
               </a:ext>
               <a:ext uri="{96DAC541-7B7A-43D3-8B79-37D633B846F1}">
-                <asvg:svgBlip xmlns:asvg="http://schemas.microsoft.com/office/drawing/2016/SVG/main" xmlns="" r:embed="rId3"/>
+                <asvg:svgBlip xmlns="" xmlns:asvg="http://schemas.microsoft.com/office/drawing/2016/SVG/main" r:embed="rId3"/>
               </a:ext>
             </a:extLst>
           </a:blip>
@@ -1414,10 +1414,10 @@
           <p:cNvPr id="5" name="Graphic 4">
             <a:extLst>
               <a:ext uri="{FF2B5EF4-FFF2-40B4-BE49-F238E27FC236}">
-                <a16:creationId xmlns:a16="http://schemas.microsoft.com/office/drawing/2014/main" xmlns="" id="{350CAB61-2CE4-1544-7C29-56035B106E3B}"/>
+                <a16:creationId xmlns="" xmlns:a16="http://schemas.microsoft.com/office/drawing/2014/main" id="{350CAB61-2CE4-1544-7C29-56035B106E3B}"/>
               </a:ext>
               <a:ext uri="{C183D7F6-B498-43B3-948B-1728B52AA6E4}">
-                <adec:decorative xmlns:adec="http://schemas.microsoft.com/office/drawing/2017/decorative" xmlns="" val="1"/>
+                <adec:decorative xmlns="" xmlns:adec="http://schemas.microsoft.com/office/drawing/2017/decorative" val="1"/>
               </a:ext>
             </a:extLst>
           </p:cNvPr>
@@ -1433,7 +1433,7 @@
                 <a14:useLocalDpi xmlns:a14="http://schemas.microsoft.com/office/drawing/2010/main" val="0"/>
               </a:ext>
               <a:ext uri="{96DAC541-7B7A-43D3-8B79-37D633B846F1}">
-                <asvg:svgBlip xmlns:asvg="http://schemas.microsoft.com/office/drawing/2016/SVG/main" xmlns="" r:embed="rId5"/>
+                <asvg:svgBlip xmlns="" xmlns:asvg="http://schemas.microsoft.com/office/drawing/2016/SVG/main" r:embed="rId5"/>
               </a:ext>
             </a:extLst>
           </a:blip>
@@ -1456,10 +1456,10 @@
           <p:cNvPr id="6" name="Rounded Rectangle 5">
             <a:extLst>
               <a:ext uri="{FF2B5EF4-FFF2-40B4-BE49-F238E27FC236}">
-                <a16:creationId xmlns:a16="http://schemas.microsoft.com/office/drawing/2014/main" xmlns="" id="{F7F0F132-0A38-0910-9F59-FD05608FD910}"/>
+                <a16:creationId xmlns="" xmlns:a16="http://schemas.microsoft.com/office/drawing/2014/main" id="{F7F0F132-0A38-0910-9F59-FD05608FD910}"/>
               </a:ext>
               <a:ext uri="{C183D7F6-B498-43B3-948B-1728B52AA6E4}">
-                <adec:decorative xmlns:adec="http://schemas.microsoft.com/office/drawing/2017/decorative" xmlns="" val="1"/>
+                <adec:decorative xmlns="" xmlns:adec="http://schemas.microsoft.com/office/drawing/2017/decorative" val="1"/>
               </a:ext>
             </a:extLst>
           </p:cNvPr>
@@ -1513,10 +1513,10 @@
           <p:cNvPr id="8" name="Freeform 19">
             <a:extLst>
               <a:ext uri="{FF2B5EF4-FFF2-40B4-BE49-F238E27FC236}">
-                <a16:creationId xmlns:a16="http://schemas.microsoft.com/office/drawing/2014/main" xmlns="" id="{0EB495D4-165D-1D97-941A-DF6328D17FEF}"/>
+                <a16:creationId xmlns="" xmlns:a16="http://schemas.microsoft.com/office/drawing/2014/main" id="{0EB495D4-165D-1D97-941A-DF6328D17FEF}"/>
               </a:ext>
               <a:ext uri="{C183D7F6-B498-43B3-948B-1728B52AA6E4}">
-                <adec:decorative xmlns:adec="http://schemas.microsoft.com/office/drawing/2017/decorative" xmlns="" val="1"/>
+                <adec:decorative xmlns="" xmlns:adec="http://schemas.microsoft.com/office/drawing/2017/decorative" val="1"/>
               </a:ext>
             </a:extLst>
           </p:cNvPr>
@@ -1646,10 +1646,10 @@
           <p:cNvPr id="9" name="Freeform 17">
             <a:extLst>
               <a:ext uri="{FF2B5EF4-FFF2-40B4-BE49-F238E27FC236}">
-                <a16:creationId xmlns:a16="http://schemas.microsoft.com/office/drawing/2014/main" xmlns="" id="{FEC3CAC6-583F-07D1-4F38-5C4AFAA6D248}"/>
+                <a16:creationId xmlns="" xmlns:a16="http://schemas.microsoft.com/office/drawing/2014/main" id="{FEC3CAC6-583F-07D1-4F38-5C4AFAA6D248}"/>
               </a:ext>
               <a:ext uri="{C183D7F6-B498-43B3-948B-1728B52AA6E4}">
-                <adec:decorative xmlns:adec="http://schemas.microsoft.com/office/drawing/2017/decorative" xmlns="" val="1"/>
+                <adec:decorative xmlns="" xmlns:adec="http://schemas.microsoft.com/office/drawing/2017/decorative" val="1"/>
               </a:ext>
             </a:extLst>
           </p:cNvPr>
@@ -1779,10 +1779,10 @@
           <p:cNvPr id="12" name="Rounded Rectangle 15">
             <a:extLst>
               <a:ext uri="{FF2B5EF4-FFF2-40B4-BE49-F238E27FC236}">
-                <a16:creationId xmlns:a16="http://schemas.microsoft.com/office/drawing/2014/main" xmlns="" id="{A8EE820E-E5BD-B48E-CD48-33690FF1E30B}"/>
+                <a16:creationId xmlns="" xmlns:a16="http://schemas.microsoft.com/office/drawing/2014/main" id="{A8EE820E-E5BD-B48E-CD48-33690FF1E30B}"/>
               </a:ext>
               <a:ext uri="{C183D7F6-B498-43B3-948B-1728B52AA6E4}">
-                <adec:decorative xmlns:adec="http://schemas.microsoft.com/office/drawing/2017/decorative" xmlns="" val="1"/>
+                <adec:decorative xmlns="" xmlns:adec="http://schemas.microsoft.com/office/drawing/2017/decorative" val="1"/>
               </a:ext>
             </a:extLst>
           </p:cNvPr>
@@ -1836,7 +1836,7 @@
           <p:cNvPr id="2" name="Title 1">
             <a:extLst>
               <a:ext uri="{FF2B5EF4-FFF2-40B4-BE49-F238E27FC236}">
-                <a16:creationId xmlns:a16="http://schemas.microsoft.com/office/drawing/2014/main" xmlns="" id="{494248F2-5264-4601-AA0B-6C092F77F2DD}"/>
+                <a16:creationId xmlns="" xmlns:a16="http://schemas.microsoft.com/office/drawing/2014/main" id="{494248F2-5264-4601-AA0B-6C092F77F2DD}"/>
               </a:ext>
             </a:extLst>
           </p:cNvPr>
@@ -1878,7 +1878,7 @@
           <p:cNvPr id="14" name="Picture Placeholder 13">
             <a:extLst>
               <a:ext uri="{FF2B5EF4-FFF2-40B4-BE49-F238E27FC236}">
-                <a16:creationId xmlns:a16="http://schemas.microsoft.com/office/drawing/2014/main" xmlns="" id="{1F678F28-657B-EB5D-2122-E904530003C6}"/>
+                <a16:creationId xmlns="" xmlns:a16="http://schemas.microsoft.com/office/drawing/2014/main" id="{1F678F28-657B-EB5D-2122-E904530003C6}"/>
               </a:ext>
             </a:extLst>
           </p:cNvPr>
@@ -1952,7 +1952,7 @@
           <p:cNvPr id="2" name="Title 1">
             <a:extLst>
               <a:ext uri="{FF2B5EF4-FFF2-40B4-BE49-F238E27FC236}">
-                <a16:creationId xmlns:a16="http://schemas.microsoft.com/office/drawing/2014/main" xmlns="" id="{3CD97974-B93C-4C96-B3F6-F69E3D6DE6CA}"/>
+                <a16:creationId xmlns="" xmlns:a16="http://schemas.microsoft.com/office/drawing/2014/main" id="{3CD97974-B93C-4C96-B3F6-F69E3D6DE6CA}"/>
               </a:ext>
             </a:extLst>
           </p:cNvPr>
@@ -1991,7 +1991,7 @@
           <p:cNvPr id="7" name="Table Placeholder 6">
             <a:extLst>
               <a:ext uri="{FF2B5EF4-FFF2-40B4-BE49-F238E27FC236}">
-                <a16:creationId xmlns:a16="http://schemas.microsoft.com/office/drawing/2014/main" xmlns="" id="{5F1C082A-519B-82D4-8400-4B8B18A60894}"/>
+                <a16:creationId xmlns="" xmlns:a16="http://schemas.microsoft.com/office/drawing/2014/main" id="{5F1C082A-519B-82D4-8400-4B8B18A60894}"/>
               </a:ext>
             </a:extLst>
           </p:cNvPr>
@@ -2051,7 +2051,7 @@
           <p:cNvPr id="3" name="Footer Placeholder 2">
             <a:extLst>
               <a:ext uri="{FF2B5EF4-FFF2-40B4-BE49-F238E27FC236}">
-                <a16:creationId xmlns:a16="http://schemas.microsoft.com/office/drawing/2014/main" xmlns="" id="{225DE1B4-D56F-A334-1150-6F7C080AD43B}"/>
+                <a16:creationId xmlns="" xmlns:a16="http://schemas.microsoft.com/office/drawing/2014/main" id="{225DE1B4-D56F-A334-1150-6F7C080AD43B}"/>
               </a:ext>
             </a:extLst>
           </p:cNvPr>
@@ -2080,7 +2080,7 @@
           <p:cNvPr id="4" name="Slide Number Placeholder 3">
             <a:extLst>
               <a:ext uri="{FF2B5EF4-FFF2-40B4-BE49-F238E27FC236}">
-                <a16:creationId xmlns:a16="http://schemas.microsoft.com/office/drawing/2014/main" xmlns="" id="{1306C784-B849-5F60-F6DC-9FBFD28ABE86}"/>
+                <a16:creationId xmlns="" xmlns:a16="http://schemas.microsoft.com/office/drawing/2014/main" id="{1306C784-B849-5F60-F6DC-9FBFD28ABE86}"/>
               </a:ext>
             </a:extLst>
           </p:cNvPr>
@@ -2140,10 +2140,10 @@
           <p:cNvPr id="3" name="Rounded Rectangle 4">
             <a:extLst>
               <a:ext uri="{FF2B5EF4-FFF2-40B4-BE49-F238E27FC236}">
-                <a16:creationId xmlns:a16="http://schemas.microsoft.com/office/drawing/2014/main" xmlns="" id="{6BC515DB-7B1C-3370-8F50-08B8416EB09F}"/>
+                <a16:creationId xmlns="" xmlns:a16="http://schemas.microsoft.com/office/drawing/2014/main" id="{6BC515DB-7B1C-3370-8F50-08B8416EB09F}"/>
               </a:ext>
               <a:ext uri="{C183D7F6-B498-43B3-948B-1728B52AA6E4}">
-                <adec:decorative xmlns:adec="http://schemas.microsoft.com/office/drawing/2017/decorative" xmlns="" val="1"/>
+                <adec:decorative xmlns="" xmlns:adec="http://schemas.microsoft.com/office/drawing/2017/decorative" val="1"/>
               </a:ext>
             </a:extLst>
           </p:cNvPr>
@@ -2197,10 +2197,10 @@
           <p:cNvPr id="7" name="Freeform 1">
             <a:extLst>
               <a:ext uri="{FF2B5EF4-FFF2-40B4-BE49-F238E27FC236}">
-                <a16:creationId xmlns:a16="http://schemas.microsoft.com/office/drawing/2014/main" xmlns="" id="{0D15194A-4B0C-6147-8FF2-BB4E50ECC1F5}"/>
+                <a16:creationId xmlns="" xmlns:a16="http://schemas.microsoft.com/office/drawing/2014/main" id="{0D15194A-4B0C-6147-8FF2-BB4E50ECC1F5}"/>
               </a:ext>
               <a:ext uri="{C183D7F6-B498-43B3-948B-1728B52AA6E4}">
-                <adec:decorative xmlns:adec="http://schemas.microsoft.com/office/drawing/2017/decorative" xmlns="" val="1"/>
+                <adec:decorative xmlns="" xmlns:adec="http://schemas.microsoft.com/office/drawing/2017/decorative" val="1"/>
               </a:ext>
             </a:extLst>
           </p:cNvPr>
@@ -2300,10 +2300,10 @@
           <p:cNvPr id="10" name="Graphic 9">
             <a:extLst>
               <a:ext uri="{FF2B5EF4-FFF2-40B4-BE49-F238E27FC236}">
-                <a16:creationId xmlns:a16="http://schemas.microsoft.com/office/drawing/2014/main" xmlns="" id="{7008052E-C579-D93A-9B03-CA08D7460F9B}"/>
+                <a16:creationId xmlns="" xmlns:a16="http://schemas.microsoft.com/office/drawing/2014/main" id="{7008052E-C579-D93A-9B03-CA08D7460F9B}"/>
               </a:ext>
               <a:ext uri="{C183D7F6-B498-43B3-948B-1728B52AA6E4}">
-                <adec:decorative xmlns:adec="http://schemas.microsoft.com/office/drawing/2017/decorative" xmlns="" val="1"/>
+                <adec:decorative xmlns="" xmlns:adec="http://schemas.microsoft.com/office/drawing/2017/decorative" val="1"/>
               </a:ext>
             </a:extLst>
           </p:cNvPr>
@@ -2319,7 +2319,7 @@
                 <a14:useLocalDpi xmlns:a14="http://schemas.microsoft.com/office/drawing/2010/main" val="0"/>
               </a:ext>
               <a:ext uri="{96DAC541-7B7A-43D3-8B79-37D633B846F1}">
-                <asvg:svgBlip xmlns:asvg="http://schemas.microsoft.com/office/drawing/2016/SVG/main" xmlns="" r:embed="rId3"/>
+                <asvg:svgBlip xmlns="" xmlns:asvg="http://schemas.microsoft.com/office/drawing/2016/SVG/main" r:embed="rId3"/>
               </a:ext>
             </a:extLst>
           </a:blip>
@@ -2341,10 +2341,10 @@
           <p:cNvPr id="16" name="Freeform 3">
             <a:extLst>
               <a:ext uri="{FF2B5EF4-FFF2-40B4-BE49-F238E27FC236}">
-                <a16:creationId xmlns:a16="http://schemas.microsoft.com/office/drawing/2014/main" xmlns="" id="{F2EC93D7-B6B6-D315-CBAC-F2062C650B68}"/>
+                <a16:creationId xmlns="" xmlns:a16="http://schemas.microsoft.com/office/drawing/2014/main" id="{F2EC93D7-B6B6-D315-CBAC-F2062C650B68}"/>
               </a:ext>
               <a:ext uri="{C183D7F6-B498-43B3-948B-1728B52AA6E4}">
-                <adec:decorative xmlns:adec="http://schemas.microsoft.com/office/drawing/2017/decorative" xmlns="" val="1"/>
+                <adec:decorative xmlns="" xmlns:adec="http://schemas.microsoft.com/office/drawing/2017/decorative" val="1"/>
               </a:ext>
             </a:extLst>
           </p:cNvPr>
@@ -2471,7 +2471,7 @@
           <p:cNvPr id="2" name="Title 1">
             <a:extLst>
               <a:ext uri="{FF2B5EF4-FFF2-40B4-BE49-F238E27FC236}">
-                <a16:creationId xmlns:a16="http://schemas.microsoft.com/office/drawing/2014/main" xmlns="" id="{494248F2-5264-4601-AA0B-6C092F77F2DD}"/>
+                <a16:creationId xmlns="" xmlns:a16="http://schemas.microsoft.com/office/drawing/2014/main" id="{494248F2-5264-4601-AA0B-6C092F77F2DD}"/>
               </a:ext>
             </a:extLst>
           </p:cNvPr>
@@ -2510,7 +2510,7 @@
           <p:cNvPr id="30" name="Picture Placeholder 29">
             <a:extLst>
               <a:ext uri="{FF2B5EF4-FFF2-40B4-BE49-F238E27FC236}">
-                <a16:creationId xmlns:a16="http://schemas.microsoft.com/office/drawing/2014/main" xmlns="" id="{4E53CBB4-E97E-0645-ABD7-E16233BA0541}"/>
+                <a16:creationId xmlns="" xmlns:a16="http://schemas.microsoft.com/office/drawing/2014/main" id="{4E53CBB4-E97E-0645-ABD7-E16233BA0541}"/>
               </a:ext>
             </a:extLst>
           </p:cNvPr>
@@ -2693,7 +2693,7 @@
           <p:cNvPr id="31" name="Freeform: Shape 30">
             <a:extLst>
               <a:ext uri="{FF2B5EF4-FFF2-40B4-BE49-F238E27FC236}">
-                <a16:creationId xmlns:a16="http://schemas.microsoft.com/office/drawing/2014/main" xmlns="" id="{2DB6AD51-A029-8ED4-DB6D-6563C25C9280}"/>
+                <a16:creationId xmlns="" xmlns:a16="http://schemas.microsoft.com/office/drawing/2014/main" id="{2DB6AD51-A029-8ED4-DB6D-6563C25C9280}"/>
               </a:ext>
             </a:extLst>
           </p:cNvPr>
@@ -2888,10 +2888,10 @@
           <p:cNvPr id="4" name="Graphic 3">
             <a:extLst>
               <a:ext uri="{FF2B5EF4-FFF2-40B4-BE49-F238E27FC236}">
-                <a16:creationId xmlns:a16="http://schemas.microsoft.com/office/drawing/2014/main" xmlns="" id="{A240BB4C-6B8F-357F-ED6F-F587D1FE7DE7}"/>
+                <a16:creationId xmlns="" xmlns:a16="http://schemas.microsoft.com/office/drawing/2014/main" id="{A240BB4C-6B8F-357F-ED6F-F587D1FE7DE7}"/>
               </a:ext>
               <a:ext uri="{C183D7F6-B498-43B3-948B-1728B52AA6E4}">
-                <adec:decorative xmlns:adec="http://schemas.microsoft.com/office/drawing/2017/decorative" xmlns="" val="1"/>
+                <adec:decorative xmlns="" xmlns:adec="http://schemas.microsoft.com/office/drawing/2017/decorative" val="1"/>
               </a:ext>
             </a:extLst>
           </p:cNvPr>
@@ -2907,7 +2907,7 @@
                 <a14:useLocalDpi xmlns:a14="http://schemas.microsoft.com/office/drawing/2010/main" val="0"/>
               </a:ext>
               <a:ext uri="{96DAC541-7B7A-43D3-8B79-37D633B846F1}">
-                <asvg:svgBlip xmlns:asvg="http://schemas.microsoft.com/office/drawing/2016/SVG/main" xmlns="" r:embed="rId3"/>
+                <asvg:svgBlip xmlns="" xmlns:asvg="http://schemas.microsoft.com/office/drawing/2016/SVG/main" r:embed="rId3"/>
               </a:ext>
             </a:extLst>
           </a:blip>
@@ -2929,10 +2929,10 @@
           <p:cNvPr id="5" name="Freeform 5">
             <a:extLst>
               <a:ext uri="{FF2B5EF4-FFF2-40B4-BE49-F238E27FC236}">
-                <a16:creationId xmlns:a16="http://schemas.microsoft.com/office/drawing/2014/main" xmlns="" id="{EC29CEAF-3197-2C9C-F10A-BC9C1D5E707E}"/>
+                <a16:creationId xmlns="" xmlns:a16="http://schemas.microsoft.com/office/drawing/2014/main" id="{EC29CEAF-3197-2C9C-F10A-BC9C1D5E707E}"/>
               </a:ext>
               <a:ext uri="{C183D7F6-B498-43B3-948B-1728B52AA6E4}">
-                <adec:decorative xmlns:adec="http://schemas.microsoft.com/office/drawing/2017/decorative" xmlns="" val="1"/>
+                <adec:decorative xmlns="" xmlns:adec="http://schemas.microsoft.com/office/drawing/2017/decorative" val="1"/>
               </a:ext>
             </a:extLst>
           </p:cNvPr>
@@ -3044,10 +3044,10 @@
           <p:cNvPr id="6" name="Rounded Rectangle 6">
             <a:extLst>
               <a:ext uri="{FF2B5EF4-FFF2-40B4-BE49-F238E27FC236}">
-                <a16:creationId xmlns:a16="http://schemas.microsoft.com/office/drawing/2014/main" xmlns="" id="{990D998F-6A53-4D78-E05B-B6F861387F05}"/>
+                <a16:creationId xmlns="" xmlns:a16="http://schemas.microsoft.com/office/drawing/2014/main" id="{990D998F-6A53-4D78-E05B-B6F861387F05}"/>
               </a:ext>
               <a:ext uri="{C183D7F6-B498-43B3-948B-1728B52AA6E4}">
-                <adec:decorative xmlns:adec="http://schemas.microsoft.com/office/drawing/2017/decorative" xmlns="" val="1"/>
+                <adec:decorative xmlns="" xmlns:adec="http://schemas.microsoft.com/office/drawing/2017/decorative" val="1"/>
               </a:ext>
             </a:extLst>
           </p:cNvPr>
@@ -3101,7 +3101,7 @@
           <p:cNvPr id="2" name="Title 1">
             <a:extLst>
               <a:ext uri="{FF2B5EF4-FFF2-40B4-BE49-F238E27FC236}">
-                <a16:creationId xmlns:a16="http://schemas.microsoft.com/office/drawing/2014/main" xmlns="" id="{3CD97974-B93C-4C96-B3F6-F69E3D6DE6CA}"/>
+                <a16:creationId xmlns="" xmlns:a16="http://schemas.microsoft.com/office/drawing/2014/main" id="{3CD97974-B93C-4C96-B3F6-F69E3D6DE6CA}"/>
               </a:ext>
             </a:extLst>
           </p:cNvPr>
@@ -3140,7 +3140,7 @@
           <p:cNvPr id="3" name="Content Placeholder 2">
             <a:extLst>
               <a:ext uri="{FF2B5EF4-FFF2-40B4-BE49-F238E27FC236}">
-                <a16:creationId xmlns:a16="http://schemas.microsoft.com/office/drawing/2014/main" xmlns="" id="{8A6FC6F2-80B4-49A7-9448-33FE2DF0E967}"/>
+                <a16:creationId xmlns="" xmlns:a16="http://schemas.microsoft.com/office/drawing/2014/main" id="{8A6FC6F2-80B4-49A7-9448-33FE2DF0E967}"/>
               </a:ext>
             </a:extLst>
           </p:cNvPr>
@@ -3275,7 +3275,7 @@
           <p:cNvPr id="15" name="Content Placeholder 2">
             <a:extLst>
               <a:ext uri="{FF2B5EF4-FFF2-40B4-BE49-F238E27FC236}">
-                <a16:creationId xmlns:a16="http://schemas.microsoft.com/office/drawing/2014/main" xmlns="" id="{F92E9A95-2BF4-99BE-F73A-A74D783CE446}"/>
+                <a16:creationId xmlns="" xmlns:a16="http://schemas.microsoft.com/office/drawing/2014/main" id="{F92E9A95-2BF4-99BE-F73A-A74D783CE446}"/>
               </a:ext>
             </a:extLst>
           </p:cNvPr>
@@ -3409,7 +3409,7 @@
           <p:cNvPr id="7" name="Footer Placeholder 6">
             <a:extLst>
               <a:ext uri="{FF2B5EF4-FFF2-40B4-BE49-F238E27FC236}">
-                <a16:creationId xmlns:a16="http://schemas.microsoft.com/office/drawing/2014/main" xmlns="" id="{2565D73C-F16A-968B-391B-24CB7EEB3F1B}"/>
+                <a16:creationId xmlns="" xmlns:a16="http://schemas.microsoft.com/office/drawing/2014/main" id="{2565D73C-F16A-968B-391B-24CB7EEB3F1B}"/>
               </a:ext>
             </a:extLst>
           </p:cNvPr>
@@ -3438,7 +3438,7 @@
           <p:cNvPr id="8" name="Slide Number Placeholder 7">
             <a:extLst>
               <a:ext uri="{FF2B5EF4-FFF2-40B4-BE49-F238E27FC236}">
-                <a16:creationId xmlns:a16="http://schemas.microsoft.com/office/drawing/2014/main" xmlns="" id="{BCDC7A41-1D00-F1B1-08B5-F7E01122C58C}"/>
+                <a16:creationId xmlns="" xmlns:a16="http://schemas.microsoft.com/office/drawing/2014/main" id="{BCDC7A41-1D00-F1B1-08B5-F7E01122C58C}"/>
               </a:ext>
             </a:extLst>
           </p:cNvPr>
@@ -3498,10 +3498,10 @@
           <p:cNvPr id="9" name="Graphic 8">
             <a:extLst>
               <a:ext uri="{FF2B5EF4-FFF2-40B4-BE49-F238E27FC236}">
-                <a16:creationId xmlns:a16="http://schemas.microsoft.com/office/drawing/2014/main" xmlns="" id="{E00F4D10-3ADA-D113-BD21-4AB95DE7F60E}"/>
+                <a16:creationId xmlns="" xmlns:a16="http://schemas.microsoft.com/office/drawing/2014/main" id="{E00F4D10-3ADA-D113-BD21-4AB95DE7F60E}"/>
               </a:ext>
               <a:ext uri="{C183D7F6-B498-43B3-948B-1728B52AA6E4}">
-                <adec:decorative xmlns:adec="http://schemas.microsoft.com/office/drawing/2017/decorative" xmlns="" val="1"/>
+                <adec:decorative xmlns="" xmlns:adec="http://schemas.microsoft.com/office/drawing/2017/decorative" val="1"/>
               </a:ext>
             </a:extLst>
           </p:cNvPr>
@@ -3517,7 +3517,7 @@
                 <a14:useLocalDpi xmlns:a14="http://schemas.microsoft.com/office/drawing/2010/main" val="0"/>
               </a:ext>
               <a:ext uri="{96DAC541-7B7A-43D3-8B79-37D633B846F1}">
-                <asvg:svgBlip xmlns:asvg="http://schemas.microsoft.com/office/drawing/2016/SVG/main" xmlns="" r:embed="rId3"/>
+                <asvg:svgBlip xmlns="" xmlns:asvg="http://schemas.microsoft.com/office/drawing/2016/SVG/main" r:embed="rId3"/>
               </a:ext>
             </a:extLst>
           </a:blip>
@@ -3539,10 +3539,10 @@
           <p:cNvPr id="4" name="Freeform 10">
             <a:extLst>
               <a:ext uri="{FF2B5EF4-FFF2-40B4-BE49-F238E27FC236}">
-                <a16:creationId xmlns:a16="http://schemas.microsoft.com/office/drawing/2014/main" xmlns="" id="{BDBCB359-3984-96FE-AB0E-B343069078E9}"/>
+                <a16:creationId xmlns="" xmlns:a16="http://schemas.microsoft.com/office/drawing/2014/main" id="{BDBCB359-3984-96FE-AB0E-B343069078E9}"/>
               </a:ext>
               <a:ext uri="{C183D7F6-B498-43B3-948B-1728B52AA6E4}">
-                <adec:decorative xmlns:adec="http://schemas.microsoft.com/office/drawing/2017/decorative" xmlns="" val="1"/>
+                <adec:decorative xmlns="" xmlns:adec="http://schemas.microsoft.com/office/drawing/2017/decorative" val="1"/>
               </a:ext>
             </a:extLst>
           </p:cNvPr>
@@ -3680,10 +3680,10 @@
           <p:cNvPr id="5" name="Freeform 8">
             <a:extLst>
               <a:ext uri="{FF2B5EF4-FFF2-40B4-BE49-F238E27FC236}">
-                <a16:creationId xmlns:a16="http://schemas.microsoft.com/office/drawing/2014/main" xmlns="" id="{5E68A3D6-C483-F214-27BA-8B35BF732B19}"/>
+                <a16:creationId xmlns="" xmlns:a16="http://schemas.microsoft.com/office/drawing/2014/main" id="{5E68A3D6-C483-F214-27BA-8B35BF732B19}"/>
               </a:ext>
               <a:ext uri="{C183D7F6-B498-43B3-948B-1728B52AA6E4}">
-                <adec:decorative xmlns:adec="http://schemas.microsoft.com/office/drawing/2017/decorative" xmlns="" val="1"/>
+                <adec:decorative xmlns="" xmlns:adec="http://schemas.microsoft.com/office/drawing/2017/decorative" val="1"/>
               </a:ext>
             </a:extLst>
           </p:cNvPr>
@@ -3813,10 +3813,10 @@
           <p:cNvPr id="6" name="Graphic 5">
             <a:extLst>
               <a:ext uri="{FF2B5EF4-FFF2-40B4-BE49-F238E27FC236}">
-                <a16:creationId xmlns:a16="http://schemas.microsoft.com/office/drawing/2014/main" xmlns="" id="{DE2FBD89-DA8F-ADF1-13DC-2B2C87C370D2}"/>
+                <a16:creationId xmlns="" xmlns:a16="http://schemas.microsoft.com/office/drawing/2014/main" id="{DE2FBD89-DA8F-ADF1-13DC-2B2C87C370D2}"/>
               </a:ext>
               <a:ext uri="{C183D7F6-B498-43B3-948B-1728B52AA6E4}">
-                <adec:decorative xmlns:adec="http://schemas.microsoft.com/office/drawing/2017/decorative" xmlns="" val="1"/>
+                <adec:decorative xmlns="" xmlns:adec="http://schemas.microsoft.com/office/drawing/2017/decorative" val="1"/>
               </a:ext>
             </a:extLst>
           </p:cNvPr>
@@ -3832,7 +3832,7 @@
                 <a14:useLocalDpi xmlns:a14="http://schemas.microsoft.com/office/drawing/2010/main" val="0"/>
               </a:ext>
               <a:ext uri="{96DAC541-7B7A-43D3-8B79-37D633B846F1}">
-                <asvg:svgBlip xmlns:asvg="http://schemas.microsoft.com/office/drawing/2016/SVG/main" xmlns="" r:embed="rId5"/>
+                <asvg:svgBlip xmlns="" xmlns:asvg="http://schemas.microsoft.com/office/drawing/2016/SVG/main" r:embed="rId5"/>
               </a:ext>
             </a:extLst>
           </a:blip>
@@ -3854,7 +3854,7 @@
           <p:cNvPr id="2" name="Title 1">
             <a:extLst>
               <a:ext uri="{FF2B5EF4-FFF2-40B4-BE49-F238E27FC236}">
-                <a16:creationId xmlns:a16="http://schemas.microsoft.com/office/drawing/2014/main" xmlns="" id="{3CD97974-B93C-4C96-B3F6-F69E3D6DE6CA}"/>
+                <a16:creationId xmlns="" xmlns:a16="http://schemas.microsoft.com/office/drawing/2014/main" id="{3CD97974-B93C-4C96-B3F6-F69E3D6DE6CA}"/>
               </a:ext>
             </a:extLst>
           </p:cNvPr>
@@ -3890,7 +3890,7 @@
           <p:cNvPr id="10" name="Picture Placeholder 8">
             <a:extLst>
               <a:ext uri="{FF2B5EF4-FFF2-40B4-BE49-F238E27FC236}">
-                <a16:creationId xmlns:a16="http://schemas.microsoft.com/office/drawing/2014/main" xmlns="" id="{DC8F6DBF-00CE-377D-5D93-8039CDB5B3A6}"/>
+                <a16:creationId xmlns="" xmlns:a16="http://schemas.microsoft.com/office/drawing/2014/main" id="{DC8F6DBF-00CE-377D-5D93-8039CDB5B3A6}"/>
               </a:ext>
             </a:extLst>
           </p:cNvPr>
@@ -4145,7 +4145,7 @@
           <p:cNvPr id="3" name="Content Placeholder 2">
             <a:extLst>
               <a:ext uri="{FF2B5EF4-FFF2-40B4-BE49-F238E27FC236}">
-                <a16:creationId xmlns:a16="http://schemas.microsoft.com/office/drawing/2014/main" xmlns="" id="{8A6FC6F2-80B4-49A7-9448-33FE2DF0E967}"/>
+                <a16:creationId xmlns="" xmlns:a16="http://schemas.microsoft.com/office/drawing/2014/main" id="{8A6FC6F2-80B4-49A7-9448-33FE2DF0E967}"/>
               </a:ext>
             </a:extLst>
           </p:cNvPr>
@@ -4267,7 +4267,7 @@
           <p:cNvPr id="11" name="Circle: Hollow 10">
             <a:extLst>
               <a:ext uri="{FF2B5EF4-FFF2-40B4-BE49-F238E27FC236}">
-                <a16:creationId xmlns:a16="http://schemas.microsoft.com/office/drawing/2014/main" xmlns="" id="{B2F8D782-06EC-940C-F17F-0CED2CF68886}"/>
+                <a16:creationId xmlns="" xmlns:a16="http://schemas.microsoft.com/office/drawing/2014/main" id="{B2F8D782-06EC-940C-F17F-0CED2CF68886}"/>
               </a:ext>
             </a:extLst>
           </p:cNvPr>
@@ -4325,7 +4325,7 @@
           <p:cNvPr id="7" name="Footer Placeholder 6">
             <a:extLst>
               <a:ext uri="{FF2B5EF4-FFF2-40B4-BE49-F238E27FC236}">
-                <a16:creationId xmlns:a16="http://schemas.microsoft.com/office/drawing/2014/main" xmlns="" id="{F42E7812-2B15-FAFC-B703-798C9302B2EF}"/>
+                <a16:creationId xmlns="" xmlns:a16="http://schemas.microsoft.com/office/drawing/2014/main" id="{F42E7812-2B15-FAFC-B703-798C9302B2EF}"/>
               </a:ext>
             </a:extLst>
           </p:cNvPr>
@@ -4354,7 +4354,7 @@
           <p:cNvPr id="8" name="Slide Number Placeholder 7">
             <a:extLst>
               <a:ext uri="{FF2B5EF4-FFF2-40B4-BE49-F238E27FC236}">
-                <a16:creationId xmlns:a16="http://schemas.microsoft.com/office/drawing/2014/main" xmlns="" id="{CDDCB7C6-FF8A-F130-CFBB-79DEA452A51C}"/>
+                <a16:creationId xmlns="" xmlns:a16="http://schemas.microsoft.com/office/drawing/2014/main" id="{CDDCB7C6-FF8A-F130-CFBB-79DEA452A51C}"/>
               </a:ext>
             </a:extLst>
           </p:cNvPr>
@@ -4414,7 +4414,7 @@
           <p:cNvPr id="2" name="Title 1">
             <a:extLst>
               <a:ext uri="{FF2B5EF4-FFF2-40B4-BE49-F238E27FC236}">
-                <a16:creationId xmlns:a16="http://schemas.microsoft.com/office/drawing/2014/main" xmlns="" id="{20B5ED18-7A07-47F1-8056-CD86B076AFE2}"/>
+                <a16:creationId xmlns="" xmlns:a16="http://schemas.microsoft.com/office/drawing/2014/main" id="{20B5ED18-7A07-47F1-8056-CD86B076AFE2}"/>
               </a:ext>
             </a:extLst>
           </p:cNvPr>
@@ -4442,7 +4442,7 @@
           <p:cNvPr id="3" name="Footer Placeholder 2">
             <a:extLst>
               <a:ext uri="{FF2B5EF4-FFF2-40B4-BE49-F238E27FC236}">
-                <a16:creationId xmlns:a16="http://schemas.microsoft.com/office/drawing/2014/main" xmlns="" id="{05EC44D7-9AAD-F106-CAD2-04794BDF76E3}"/>
+                <a16:creationId xmlns="" xmlns:a16="http://schemas.microsoft.com/office/drawing/2014/main" id="{05EC44D7-9AAD-F106-CAD2-04794BDF76E3}"/>
               </a:ext>
             </a:extLst>
           </p:cNvPr>
@@ -4471,7 +4471,7 @@
           <p:cNvPr id="6" name="Slide Number Placeholder 5">
             <a:extLst>
               <a:ext uri="{FF2B5EF4-FFF2-40B4-BE49-F238E27FC236}">
-                <a16:creationId xmlns:a16="http://schemas.microsoft.com/office/drawing/2014/main" xmlns="" id="{91F7369F-CCA5-249D-9978-6BEE7F7AA740}"/>
+                <a16:creationId xmlns="" xmlns:a16="http://schemas.microsoft.com/office/drawing/2014/main" id="{91F7369F-CCA5-249D-9978-6BEE7F7AA740}"/>
               </a:ext>
             </a:extLst>
           </p:cNvPr>
@@ -4531,7 +4531,7 @@
           <p:cNvPr id="2" name="Footer Placeholder 1">
             <a:extLst>
               <a:ext uri="{FF2B5EF4-FFF2-40B4-BE49-F238E27FC236}">
-                <a16:creationId xmlns:a16="http://schemas.microsoft.com/office/drawing/2014/main" xmlns="" id="{13BFC298-BCBF-9536-D950-DEB35893F370}"/>
+                <a16:creationId xmlns="" xmlns:a16="http://schemas.microsoft.com/office/drawing/2014/main" id="{13BFC298-BCBF-9536-D950-DEB35893F370}"/>
               </a:ext>
             </a:extLst>
           </p:cNvPr>
@@ -4560,7 +4560,7 @@
           <p:cNvPr id="5" name="Slide Number Placeholder 4">
             <a:extLst>
               <a:ext uri="{FF2B5EF4-FFF2-40B4-BE49-F238E27FC236}">
-                <a16:creationId xmlns:a16="http://schemas.microsoft.com/office/drawing/2014/main" xmlns="" id="{D39FBDF3-67E1-9C77-E43E-2F80B364EEFC}"/>
+                <a16:creationId xmlns="" xmlns:a16="http://schemas.microsoft.com/office/drawing/2014/main" id="{D39FBDF3-67E1-9C77-E43E-2F80B364EEFC}"/>
               </a:ext>
             </a:extLst>
           </p:cNvPr>
@@ -4620,10 +4620,10 @@
           <p:cNvPr id="10" name="Rounded Rectangle 9">
             <a:extLst>
               <a:ext uri="{FF2B5EF4-FFF2-40B4-BE49-F238E27FC236}">
-                <a16:creationId xmlns:a16="http://schemas.microsoft.com/office/drawing/2014/main" xmlns="" id="{959CC860-7AD2-181E-8740-F1A23EEF8BDC}"/>
+                <a16:creationId xmlns="" xmlns:a16="http://schemas.microsoft.com/office/drawing/2014/main" id="{959CC860-7AD2-181E-8740-F1A23EEF8BDC}"/>
               </a:ext>
               <a:ext uri="{C183D7F6-B498-43B3-948B-1728B52AA6E4}">
-                <adec:decorative xmlns:adec="http://schemas.microsoft.com/office/drawing/2017/decorative" xmlns="" val="1"/>
+                <adec:decorative xmlns="" xmlns:adec="http://schemas.microsoft.com/office/drawing/2017/decorative" val="1"/>
               </a:ext>
             </a:extLst>
           </p:cNvPr>
@@ -4677,10 +4677,10 @@
           <p:cNvPr id="11" name="Graphic 10">
             <a:extLst>
               <a:ext uri="{FF2B5EF4-FFF2-40B4-BE49-F238E27FC236}">
-                <a16:creationId xmlns:a16="http://schemas.microsoft.com/office/drawing/2014/main" xmlns="" id="{7281C8DE-1CE0-D1C2-FDF9-18B9C3D69E28}"/>
+                <a16:creationId xmlns="" xmlns:a16="http://schemas.microsoft.com/office/drawing/2014/main" id="{7281C8DE-1CE0-D1C2-FDF9-18B9C3D69E28}"/>
               </a:ext>
               <a:ext uri="{C183D7F6-B498-43B3-948B-1728B52AA6E4}">
-                <adec:decorative xmlns:adec="http://schemas.microsoft.com/office/drawing/2017/decorative" xmlns="" val="1"/>
+                <adec:decorative xmlns="" xmlns:adec="http://schemas.microsoft.com/office/drawing/2017/decorative" val="1"/>
               </a:ext>
             </a:extLst>
           </p:cNvPr>
@@ -4696,7 +4696,7 @@
                 <a14:useLocalDpi xmlns:a14="http://schemas.microsoft.com/office/drawing/2010/main" val="0"/>
               </a:ext>
               <a:ext uri="{96DAC541-7B7A-43D3-8B79-37D633B846F1}">
-                <asvg:svgBlip xmlns:asvg="http://schemas.microsoft.com/office/drawing/2016/SVG/main" xmlns="" r:embed="rId3"/>
+                <asvg:svgBlip xmlns="" xmlns:asvg="http://schemas.microsoft.com/office/drawing/2016/SVG/main" r:embed="rId3"/>
               </a:ext>
             </a:extLst>
           </a:blip>
@@ -4718,10 +4718,10 @@
           <p:cNvPr id="16" name="Rounded Rectangle 14">
             <a:extLst>
               <a:ext uri="{FF2B5EF4-FFF2-40B4-BE49-F238E27FC236}">
-                <a16:creationId xmlns:a16="http://schemas.microsoft.com/office/drawing/2014/main" xmlns="" id="{F2CFC212-BD96-550A-AC95-A514C6417141}"/>
+                <a16:creationId xmlns="" xmlns:a16="http://schemas.microsoft.com/office/drawing/2014/main" id="{F2CFC212-BD96-550A-AC95-A514C6417141}"/>
               </a:ext>
               <a:ext uri="{C183D7F6-B498-43B3-948B-1728B52AA6E4}">
-                <adec:decorative xmlns:adec="http://schemas.microsoft.com/office/drawing/2017/decorative" xmlns="" val="1"/>
+                <adec:decorative xmlns="" xmlns:adec="http://schemas.microsoft.com/office/drawing/2017/decorative" val="1"/>
               </a:ext>
             </a:extLst>
           </p:cNvPr>
@@ -4775,10 +4775,10 @@
           <p:cNvPr id="17" name="Freeform 15">
             <a:extLst>
               <a:ext uri="{FF2B5EF4-FFF2-40B4-BE49-F238E27FC236}">
-                <a16:creationId xmlns:a16="http://schemas.microsoft.com/office/drawing/2014/main" xmlns="" id="{F99AEEAC-FF4A-0E33-26A8-2D963A6BAC0D}"/>
+                <a16:creationId xmlns="" xmlns:a16="http://schemas.microsoft.com/office/drawing/2014/main" id="{F99AEEAC-FF4A-0E33-26A8-2D963A6BAC0D}"/>
               </a:ext>
               <a:ext uri="{C183D7F6-B498-43B3-948B-1728B52AA6E4}">
-                <adec:decorative xmlns:adec="http://schemas.microsoft.com/office/drawing/2017/decorative" xmlns="" val="1"/>
+                <adec:decorative xmlns="" xmlns:adec="http://schemas.microsoft.com/office/drawing/2017/decorative" val="1"/>
               </a:ext>
             </a:extLst>
           </p:cNvPr>
@@ -4908,7 +4908,7 @@
           <p:cNvPr id="2" name="Title 1">
             <a:extLst>
               <a:ext uri="{FF2B5EF4-FFF2-40B4-BE49-F238E27FC236}">
-                <a16:creationId xmlns:a16="http://schemas.microsoft.com/office/drawing/2014/main" xmlns="" id="{494248F2-5264-4601-AA0B-6C092F77F2DD}"/>
+                <a16:creationId xmlns="" xmlns:a16="http://schemas.microsoft.com/office/drawing/2014/main" id="{494248F2-5264-4601-AA0B-6C092F77F2DD}"/>
               </a:ext>
             </a:extLst>
           </p:cNvPr>
@@ -4947,7 +4947,7 @@
           <p:cNvPr id="41" name="Picture Placeholder 40">
             <a:extLst>
               <a:ext uri="{FF2B5EF4-FFF2-40B4-BE49-F238E27FC236}">
-                <a16:creationId xmlns:a16="http://schemas.microsoft.com/office/drawing/2014/main" xmlns="" id="{397632CB-D12B-61D5-AE6C-29B888CF5189}"/>
+                <a16:creationId xmlns="" xmlns:a16="http://schemas.microsoft.com/office/drawing/2014/main" id="{397632CB-D12B-61D5-AE6C-29B888CF5189}"/>
               </a:ext>
             </a:extLst>
           </p:cNvPr>
@@ -5283,7 +5283,7 @@
           <p:cNvPr id="15" name="Content Placeholder 2">
             <a:extLst>
               <a:ext uri="{FF2B5EF4-FFF2-40B4-BE49-F238E27FC236}">
-                <a16:creationId xmlns:a16="http://schemas.microsoft.com/office/drawing/2014/main" xmlns="" id="{673E1CDE-B1E9-C63B-80D3-45CB15FC2671}"/>
+                <a16:creationId xmlns="" xmlns:a16="http://schemas.microsoft.com/office/drawing/2014/main" id="{673E1CDE-B1E9-C63B-80D3-45CB15FC2671}"/>
               </a:ext>
             </a:extLst>
           </p:cNvPr>
@@ -5368,7 +5368,7 @@
           <p:cNvPr id="4" name="Circle: Hollow 3">
             <a:extLst>
               <a:ext uri="{FF2B5EF4-FFF2-40B4-BE49-F238E27FC236}">
-                <a16:creationId xmlns:a16="http://schemas.microsoft.com/office/drawing/2014/main" xmlns="" id="{BB9B4C44-DD5A-5344-2D5C-F08BAC8BD011}"/>
+                <a16:creationId xmlns="" xmlns:a16="http://schemas.microsoft.com/office/drawing/2014/main" id="{BB9B4C44-DD5A-5344-2D5C-F08BAC8BD011}"/>
               </a:ext>
             </a:extLst>
           </p:cNvPr>
@@ -5429,7 +5429,7 @@
           <p:cNvPr id="47" name="Freeform: Shape 46">
             <a:extLst>
               <a:ext uri="{FF2B5EF4-FFF2-40B4-BE49-F238E27FC236}">
-                <a16:creationId xmlns:a16="http://schemas.microsoft.com/office/drawing/2014/main" xmlns="" id="{7486F694-E877-CFAD-29E0-B4E6CBEFF61F}"/>
+                <a16:creationId xmlns="" xmlns:a16="http://schemas.microsoft.com/office/drawing/2014/main" id="{7486F694-E877-CFAD-29E0-B4E6CBEFF61F}"/>
               </a:ext>
             </a:extLst>
           </p:cNvPr>
@@ -5979,10 +5979,10 @@
           <p:cNvPr id="13" name="Graphic 12">
             <a:extLst>
               <a:ext uri="{FF2B5EF4-FFF2-40B4-BE49-F238E27FC236}">
-                <a16:creationId xmlns:a16="http://schemas.microsoft.com/office/drawing/2014/main" xmlns="" id="{5A99838A-BAEC-33DF-F234-3BE9E19DB860}"/>
+                <a16:creationId xmlns="" xmlns:a16="http://schemas.microsoft.com/office/drawing/2014/main" id="{5A99838A-BAEC-33DF-F234-3BE9E19DB860}"/>
               </a:ext>
               <a:ext uri="{C183D7F6-B498-43B3-948B-1728B52AA6E4}">
-                <adec:decorative xmlns:adec="http://schemas.microsoft.com/office/drawing/2017/decorative" xmlns="" val="1"/>
+                <adec:decorative xmlns="" xmlns:adec="http://schemas.microsoft.com/office/drawing/2017/decorative" val="1"/>
               </a:ext>
             </a:extLst>
           </p:cNvPr>
@@ -5998,7 +5998,7 @@
                 <a14:useLocalDpi xmlns:a14="http://schemas.microsoft.com/office/drawing/2010/main" val="0"/>
               </a:ext>
               <a:ext uri="{96DAC541-7B7A-43D3-8B79-37D633B846F1}">
-                <asvg:svgBlip xmlns:asvg="http://schemas.microsoft.com/office/drawing/2016/SVG/main" xmlns="" r:embed="rId3"/>
+                <asvg:svgBlip xmlns="" xmlns:asvg="http://schemas.microsoft.com/office/drawing/2016/SVG/main" r:embed="rId3"/>
               </a:ext>
             </a:extLst>
           </a:blip>
@@ -6020,10 +6020,10 @@
           <p:cNvPr id="14" name="Graphic 13">
             <a:extLst>
               <a:ext uri="{FF2B5EF4-FFF2-40B4-BE49-F238E27FC236}">
-                <a16:creationId xmlns:a16="http://schemas.microsoft.com/office/drawing/2014/main" xmlns="" id="{97F68367-2C07-B98F-1312-DE9F52974714}"/>
+                <a16:creationId xmlns="" xmlns:a16="http://schemas.microsoft.com/office/drawing/2014/main" id="{97F68367-2C07-B98F-1312-DE9F52974714}"/>
               </a:ext>
               <a:ext uri="{C183D7F6-B498-43B3-948B-1728B52AA6E4}">
-                <adec:decorative xmlns:adec="http://schemas.microsoft.com/office/drawing/2017/decorative" xmlns="" val="1"/>
+                <adec:decorative xmlns="" xmlns:adec="http://schemas.microsoft.com/office/drawing/2017/decorative" val="1"/>
               </a:ext>
             </a:extLst>
           </p:cNvPr>
@@ -6039,7 +6039,7 @@
                 <a14:useLocalDpi xmlns:a14="http://schemas.microsoft.com/office/drawing/2010/main" val="0"/>
               </a:ext>
               <a:ext uri="{96DAC541-7B7A-43D3-8B79-37D633B846F1}">
-                <asvg:svgBlip xmlns:asvg="http://schemas.microsoft.com/office/drawing/2016/SVG/main" xmlns="" r:embed="rId5"/>
+                <asvg:svgBlip xmlns="" xmlns:asvg="http://schemas.microsoft.com/office/drawing/2016/SVG/main" r:embed="rId5"/>
               </a:ext>
             </a:extLst>
           </a:blip>
@@ -6061,10 +6061,10 @@
           <p:cNvPr id="15" name="Freeform 5">
             <a:extLst>
               <a:ext uri="{FF2B5EF4-FFF2-40B4-BE49-F238E27FC236}">
-                <a16:creationId xmlns:a16="http://schemas.microsoft.com/office/drawing/2014/main" xmlns="" id="{EA4CF3B8-63C6-A7E6-1A16-A517CF1537E6}"/>
+                <a16:creationId xmlns="" xmlns:a16="http://schemas.microsoft.com/office/drawing/2014/main" id="{EA4CF3B8-63C6-A7E6-1A16-A517CF1537E6}"/>
               </a:ext>
               <a:ext uri="{C183D7F6-B498-43B3-948B-1728B52AA6E4}">
-                <adec:decorative xmlns:adec="http://schemas.microsoft.com/office/drawing/2017/decorative" xmlns="" val="1"/>
+                <adec:decorative xmlns="" xmlns:adec="http://schemas.microsoft.com/office/drawing/2017/decorative" val="1"/>
               </a:ext>
             </a:extLst>
           </p:cNvPr>
@@ -6176,10 +6176,10 @@
           <p:cNvPr id="16" name="Freeform 6">
             <a:extLst>
               <a:ext uri="{FF2B5EF4-FFF2-40B4-BE49-F238E27FC236}">
-                <a16:creationId xmlns:a16="http://schemas.microsoft.com/office/drawing/2014/main" xmlns="" id="{E30E2D33-308E-4256-37BE-DE3B6C51891A}"/>
+                <a16:creationId xmlns="" xmlns:a16="http://schemas.microsoft.com/office/drawing/2014/main" id="{E30E2D33-308E-4256-37BE-DE3B6C51891A}"/>
               </a:ext>
               <a:ext uri="{C183D7F6-B498-43B3-948B-1728B52AA6E4}">
-                <adec:decorative xmlns:adec="http://schemas.microsoft.com/office/drawing/2017/decorative" xmlns="" val="1"/>
+                <adec:decorative xmlns="" xmlns:adec="http://schemas.microsoft.com/office/drawing/2017/decorative" val="1"/>
               </a:ext>
             </a:extLst>
           </p:cNvPr>
@@ -6309,7 +6309,7 @@
           <p:cNvPr id="2" name="Title 1">
             <a:extLst>
               <a:ext uri="{FF2B5EF4-FFF2-40B4-BE49-F238E27FC236}">
-                <a16:creationId xmlns:a16="http://schemas.microsoft.com/office/drawing/2014/main" xmlns="" id="{3CD97974-B93C-4C96-B3F6-F69E3D6DE6CA}"/>
+                <a16:creationId xmlns="" xmlns:a16="http://schemas.microsoft.com/office/drawing/2014/main" id="{3CD97974-B93C-4C96-B3F6-F69E3D6DE6CA}"/>
               </a:ext>
             </a:extLst>
           </p:cNvPr>
@@ -6348,7 +6348,7 @@
           <p:cNvPr id="3" name="Content Placeholder 2">
             <a:extLst>
               <a:ext uri="{FF2B5EF4-FFF2-40B4-BE49-F238E27FC236}">
-                <a16:creationId xmlns:a16="http://schemas.microsoft.com/office/drawing/2014/main" xmlns="" id="{8A6FC6F2-80B4-49A7-9448-33FE2DF0E967}"/>
+                <a16:creationId xmlns="" xmlns:a16="http://schemas.microsoft.com/office/drawing/2014/main" id="{8A6FC6F2-80B4-49A7-9448-33FE2DF0E967}"/>
               </a:ext>
             </a:extLst>
           </p:cNvPr>
@@ -6433,7 +6433,7 @@
           <p:cNvPr id="4" name="Footer Placeholder 3">
             <a:extLst>
               <a:ext uri="{FF2B5EF4-FFF2-40B4-BE49-F238E27FC236}">
-                <a16:creationId xmlns:a16="http://schemas.microsoft.com/office/drawing/2014/main" xmlns="" id="{59A771C6-AE2A-169D-1961-6A9B07F65741}"/>
+                <a16:creationId xmlns="" xmlns:a16="http://schemas.microsoft.com/office/drawing/2014/main" id="{59A771C6-AE2A-169D-1961-6A9B07F65741}"/>
               </a:ext>
             </a:extLst>
           </p:cNvPr>
@@ -6462,7 +6462,7 @@
           <p:cNvPr id="5" name="Slide Number Placeholder 4">
             <a:extLst>
               <a:ext uri="{FF2B5EF4-FFF2-40B4-BE49-F238E27FC236}">
-                <a16:creationId xmlns:a16="http://schemas.microsoft.com/office/drawing/2014/main" xmlns="" id="{B668C91C-57D3-9B9E-10DD-14689B45B716}"/>
+                <a16:creationId xmlns="" xmlns:a16="http://schemas.microsoft.com/office/drawing/2014/main" id="{B668C91C-57D3-9B9E-10DD-14689B45B716}"/>
               </a:ext>
             </a:extLst>
           </p:cNvPr>
@@ -6522,10 +6522,10 @@
           <p:cNvPr id="4" name="Rounded Rectangle 7">
             <a:extLst>
               <a:ext uri="{FF2B5EF4-FFF2-40B4-BE49-F238E27FC236}">
-                <a16:creationId xmlns:a16="http://schemas.microsoft.com/office/drawing/2014/main" xmlns="" id="{59461A55-24E1-7568-7BA9-8A309336924B}"/>
+                <a16:creationId xmlns="" xmlns:a16="http://schemas.microsoft.com/office/drawing/2014/main" id="{59461A55-24E1-7568-7BA9-8A309336924B}"/>
               </a:ext>
               <a:ext uri="{C183D7F6-B498-43B3-948B-1728B52AA6E4}">
-                <adec:decorative xmlns:adec="http://schemas.microsoft.com/office/drawing/2017/decorative" xmlns="" val="1"/>
+                <adec:decorative xmlns="" xmlns:adec="http://schemas.microsoft.com/office/drawing/2017/decorative" val="1"/>
               </a:ext>
             </a:extLst>
           </p:cNvPr>
@@ -6579,10 +6579,10 @@
           <p:cNvPr id="5" name="Rounded Rectangle 5">
             <a:extLst>
               <a:ext uri="{FF2B5EF4-FFF2-40B4-BE49-F238E27FC236}">
-                <a16:creationId xmlns:a16="http://schemas.microsoft.com/office/drawing/2014/main" xmlns="" id="{4BAAB243-57F0-D7E3-BD79-EDEAFC03E6D4}"/>
+                <a16:creationId xmlns="" xmlns:a16="http://schemas.microsoft.com/office/drawing/2014/main" id="{4BAAB243-57F0-D7E3-BD79-EDEAFC03E6D4}"/>
               </a:ext>
               <a:ext uri="{C183D7F6-B498-43B3-948B-1728B52AA6E4}">
-                <adec:decorative xmlns:adec="http://schemas.microsoft.com/office/drawing/2017/decorative" xmlns="" val="1"/>
+                <adec:decorative xmlns="" xmlns:adec="http://schemas.microsoft.com/office/drawing/2017/decorative" val="1"/>
               </a:ext>
             </a:extLst>
           </p:cNvPr>
@@ -6636,10 +6636,10 @@
           <p:cNvPr id="6" name="Graphic 5">
             <a:extLst>
               <a:ext uri="{FF2B5EF4-FFF2-40B4-BE49-F238E27FC236}">
-                <a16:creationId xmlns:a16="http://schemas.microsoft.com/office/drawing/2014/main" xmlns="" id="{F49DBD24-5A22-C1C0-861E-4CDC352F5244}"/>
+                <a16:creationId xmlns="" xmlns:a16="http://schemas.microsoft.com/office/drawing/2014/main" id="{F49DBD24-5A22-C1C0-861E-4CDC352F5244}"/>
               </a:ext>
               <a:ext uri="{C183D7F6-B498-43B3-948B-1728B52AA6E4}">
-                <adec:decorative xmlns:adec="http://schemas.microsoft.com/office/drawing/2017/decorative" xmlns="" val="1"/>
+                <adec:decorative xmlns="" xmlns:adec="http://schemas.microsoft.com/office/drawing/2017/decorative" val="1"/>
               </a:ext>
             </a:extLst>
           </p:cNvPr>
@@ -6655,7 +6655,7 @@
                 <a14:useLocalDpi xmlns:a14="http://schemas.microsoft.com/office/drawing/2010/main" val="0"/>
               </a:ext>
               <a:ext uri="{96DAC541-7B7A-43D3-8B79-37D633B846F1}">
-                <asvg:svgBlip xmlns:asvg="http://schemas.microsoft.com/office/drawing/2016/SVG/main" xmlns="" r:embed="rId3"/>
+                <asvg:svgBlip xmlns="" xmlns:asvg="http://schemas.microsoft.com/office/drawing/2016/SVG/main" r:embed="rId3"/>
               </a:ext>
             </a:extLst>
           </a:blip>
@@ -6677,7 +6677,7 @@
           <p:cNvPr id="2" name="Title 1">
             <a:extLst>
               <a:ext uri="{FF2B5EF4-FFF2-40B4-BE49-F238E27FC236}">
-                <a16:creationId xmlns:a16="http://schemas.microsoft.com/office/drawing/2014/main" xmlns="" id="{3CD97974-B93C-4C96-B3F6-F69E3D6DE6CA}"/>
+                <a16:creationId xmlns="" xmlns:a16="http://schemas.microsoft.com/office/drawing/2014/main" id="{3CD97974-B93C-4C96-B3F6-F69E3D6DE6CA}"/>
               </a:ext>
             </a:extLst>
           </p:cNvPr>
@@ -6716,7 +6716,7 @@
           <p:cNvPr id="3" name="Content Placeholder 2">
             <a:extLst>
               <a:ext uri="{FF2B5EF4-FFF2-40B4-BE49-F238E27FC236}">
-                <a16:creationId xmlns:a16="http://schemas.microsoft.com/office/drawing/2014/main" xmlns="" id="{8A6FC6F2-80B4-49A7-9448-33FE2DF0E967}"/>
+                <a16:creationId xmlns="" xmlns:a16="http://schemas.microsoft.com/office/drawing/2014/main" id="{8A6FC6F2-80B4-49A7-9448-33FE2DF0E967}"/>
               </a:ext>
             </a:extLst>
           </p:cNvPr>
@@ -6850,7 +6850,7 @@
           <p:cNvPr id="7" name="Footer Placeholder 6">
             <a:extLst>
               <a:ext uri="{FF2B5EF4-FFF2-40B4-BE49-F238E27FC236}">
-                <a16:creationId xmlns:a16="http://schemas.microsoft.com/office/drawing/2014/main" xmlns="" id="{0099172E-C881-44E9-5467-BA33ECCD7A62}"/>
+                <a16:creationId xmlns="" xmlns:a16="http://schemas.microsoft.com/office/drawing/2014/main" id="{0099172E-C881-44E9-5467-BA33ECCD7A62}"/>
               </a:ext>
             </a:extLst>
           </p:cNvPr>
@@ -6879,7 +6879,7 @@
           <p:cNvPr id="8" name="Slide Number Placeholder 7">
             <a:extLst>
               <a:ext uri="{FF2B5EF4-FFF2-40B4-BE49-F238E27FC236}">
-                <a16:creationId xmlns:a16="http://schemas.microsoft.com/office/drawing/2014/main" xmlns="" id="{7FDF938C-5CEB-5C7A-0721-D88C7A8A4531}"/>
+                <a16:creationId xmlns="" xmlns:a16="http://schemas.microsoft.com/office/drawing/2014/main" id="{7FDF938C-5CEB-5C7A-0721-D88C7A8A4531}"/>
               </a:ext>
             </a:extLst>
           </p:cNvPr>
@@ -6939,10 +6939,10 @@
           <p:cNvPr id="7" name="Freeform 3">
             <a:extLst>
               <a:ext uri="{FF2B5EF4-FFF2-40B4-BE49-F238E27FC236}">
-                <a16:creationId xmlns:a16="http://schemas.microsoft.com/office/drawing/2014/main" xmlns="" id="{118CD2E6-847D-7319-53AD-33D7B5F46585}"/>
+                <a16:creationId xmlns="" xmlns:a16="http://schemas.microsoft.com/office/drawing/2014/main" id="{118CD2E6-847D-7319-53AD-33D7B5F46585}"/>
               </a:ext>
               <a:ext uri="{C183D7F6-B498-43B3-948B-1728B52AA6E4}">
-                <adec:decorative xmlns:adec="http://schemas.microsoft.com/office/drawing/2017/decorative" xmlns="" val="1"/>
+                <adec:decorative xmlns="" xmlns:adec="http://schemas.microsoft.com/office/drawing/2017/decorative" val="1"/>
               </a:ext>
             </a:extLst>
           </p:cNvPr>
@@ -7042,10 +7042,10 @@
           <p:cNvPr id="8" name="Graphic 7">
             <a:extLst>
               <a:ext uri="{FF2B5EF4-FFF2-40B4-BE49-F238E27FC236}">
-                <a16:creationId xmlns:a16="http://schemas.microsoft.com/office/drawing/2014/main" xmlns="" id="{2ABDF0DF-C2C4-90E3-5019-F4F9496B0BAE}"/>
+                <a16:creationId xmlns="" xmlns:a16="http://schemas.microsoft.com/office/drawing/2014/main" id="{2ABDF0DF-C2C4-90E3-5019-F4F9496B0BAE}"/>
               </a:ext>
               <a:ext uri="{C183D7F6-B498-43B3-948B-1728B52AA6E4}">
-                <adec:decorative xmlns:adec="http://schemas.microsoft.com/office/drawing/2017/decorative" xmlns="" val="1"/>
+                <adec:decorative xmlns="" xmlns:adec="http://schemas.microsoft.com/office/drawing/2017/decorative" val="1"/>
               </a:ext>
             </a:extLst>
           </p:cNvPr>
@@ -7061,7 +7061,7 @@
                 <a14:useLocalDpi xmlns:a14="http://schemas.microsoft.com/office/drawing/2010/main" val="0"/>
               </a:ext>
               <a:ext uri="{96DAC541-7B7A-43D3-8B79-37D633B846F1}">
-                <asvg:svgBlip xmlns:asvg="http://schemas.microsoft.com/office/drawing/2016/SVG/main" xmlns="" r:embed="rId3"/>
+                <asvg:svgBlip xmlns="" xmlns:asvg="http://schemas.microsoft.com/office/drawing/2016/SVG/main" r:embed="rId3"/>
               </a:ext>
             </a:extLst>
           </a:blip>
@@ -7083,10 +7083,10 @@
           <p:cNvPr id="10" name="Graphic 9">
             <a:extLst>
               <a:ext uri="{FF2B5EF4-FFF2-40B4-BE49-F238E27FC236}">
-                <a16:creationId xmlns:a16="http://schemas.microsoft.com/office/drawing/2014/main" xmlns="" id="{906063E2-8FA6-3FA8-50F0-710C2DABE183}"/>
+                <a16:creationId xmlns="" xmlns:a16="http://schemas.microsoft.com/office/drawing/2014/main" id="{906063E2-8FA6-3FA8-50F0-710C2DABE183}"/>
               </a:ext>
               <a:ext uri="{C183D7F6-B498-43B3-948B-1728B52AA6E4}">
-                <adec:decorative xmlns:adec="http://schemas.microsoft.com/office/drawing/2017/decorative" xmlns="" val="1"/>
+                <adec:decorative xmlns="" xmlns:adec="http://schemas.microsoft.com/office/drawing/2017/decorative" val="1"/>
               </a:ext>
             </a:extLst>
           </p:cNvPr>
@@ -7102,7 +7102,7 @@
                 <a14:useLocalDpi xmlns:a14="http://schemas.microsoft.com/office/drawing/2010/main" val="0"/>
               </a:ext>
               <a:ext uri="{96DAC541-7B7A-43D3-8B79-37D633B846F1}">
-                <asvg:svgBlip xmlns:asvg="http://schemas.microsoft.com/office/drawing/2016/SVG/main" xmlns="" r:embed="rId5"/>
+                <asvg:svgBlip xmlns="" xmlns:asvg="http://schemas.microsoft.com/office/drawing/2016/SVG/main" r:embed="rId5"/>
               </a:ext>
             </a:extLst>
           </a:blip>
@@ -7124,10 +7124,10 @@
           <p:cNvPr id="11" name="Rounded Rectangle 7">
             <a:extLst>
               <a:ext uri="{FF2B5EF4-FFF2-40B4-BE49-F238E27FC236}">
-                <a16:creationId xmlns:a16="http://schemas.microsoft.com/office/drawing/2014/main" xmlns="" id="{6DA7FCDE-54E0-5546-8AC9-AC281A4748AE}"/>
+                <a16:creationId xmlns="" xmlns:a16="http://schemas.microsoft.com/office/drawing/2014/main" id="{6DA7FCDE-54E0-5546-8AC9-AC281A4748AE}"/>
               </a:ext>
               <a:ext uri="{C183D7F6-B498-43B3-948B-1728B52AA6E4}">
-                <adec:decorative xmlns:adec="http://schemas.microsoft.com/office/drawing/2017/decorative" xmlns="" val="1"/>
+                <adec:decorative xmlns="" xmlns:adec="http://schemas.microsoft.com/office/drawing/2017/decorative" val="1"/>
               </a:ext>
             </a:extLst>
           </p:cNvPr>
@@ -7183,7 +7183,7 @@
           <p:cNvPr id="2" name="Title 1">
             <a:extLst>
               <a:ext uri="{FF2B5EF4-FFF2-40B4-BE49-F238E27FC236}">
-                <a16:creationId xmlns:a16="http://schemas.microsoft.com/office/drawing/2014/main" xmlns="" id="{3CD97974-B93C-4C96-B3F6-F69E3D6DE6CA}"/>
+                <a16:creationId xmlns="" xmlns:a16="http://schemas.microsoft.com/office/drawing/2014/main" id="{3CD97974-B93C-4C96-B3F6-F69E3D6DE6CA}"/>
               </a:ext>
             </a:extLst>
           </p:cNvPr>
@@ -7219,7 +7219,7 @@
           <p:cNvPr id="3" name="Content Placeholder 2">
             <a:extLst>
               <a:ext uri="{FF2B5EF4-FFF2-40B4-BE49-F238E27FC236}">
-                <a16:creationId xmlns:a16="http://schemas.microsoft.com/office/drawing/2014/main" xmlns="" id="{8A6FC6F2-80B4-49A7-9448-33FE2DF0E967}"/>
+                <a16:creationId xmlns="" xmlns:a16="http://schemas.microsoft.com/office/drawing/2014/main" id="{8A6FC6F2-80B4-49A7-9448-33FE2DF0E967}"/>
               </a:ext>
             </a:extLst>
           </p:cNvPr>
@@ -7335,10 +7335,10 @@
           <p:cNvPr id="31" name="Picture Placeholder 30">
             <a:extLst>
               <a:ext uri="{FF2B5EF4-FFF2-40B4-BE49-F238E27FC236}">
-                <a16:creationId xmlns:a16="http://schemas.microsoft.com/office/drawing/2014/main" xmlns="" id="{4BE4E254-2D24-97F7-EBB1-212D2F9D9A59}"/>
+                <a16:creationId xmlns="" xmlns:a16="http://schemas.microsoft.com/office/drawing/2014/main" id="{4BE4E254-2D24-97F7-EBB1-212D2F9D9A59}"/>
               </a:ext>
               <a:ext uri="{C183D7F6-B498-43B3-948B-1728B52AA6E4}">
-                <adec:decorative xmlns:adec="http://schemas.microsoft.com/office/drawing/2017/decorative" xmlns="" val="0"/>
+                <adec:decorative xmlns="" xmlns:adec="http://schemas.microsoft.com/office/drawing/2017/decorative" val="0"/>
               </a:ext>
             </a:extLst>
           </p:cNvPr>
@@ -7454,7 +7454,7 @@
           <p:cNvPr id="4" name="Footer Placeholder 3">
             <a:extLst>
               <a:ext uri="{FF2B5EF4-FFF2-40B4-BE49-F238E27FC236}">
-                <a16:creationId xmlns:a16="http://schemas.microsoft.com/office/drawing/2014/main" xmlns="" id="{DD95610F-FEC3-8E4A-0EA8-EE29C1F2D287}"/>
+                <a16:creationId xmlns="" xmlns:a16="http://schemas.microsoft.com/office/drawing/2014/main" id="{DD95610F-FEC3-8E4A-0EA8-EE29C1F2D287}"/>
               </a:ext>
             </a:extLst>
           </p:cNvPr>
@@ -7483,7 +7483,7 @@
           <p:cNvPr id="5" name="Slide Number Placeholder 4">
             <a:extLst>
               <a:ext uri="{FF2B5EF4-FFF2-40B4-BE49-F238E27FC236}">
-                <a16:creationId xmlns:a16="http://schemas.microsoft.com/office/drawing/2014/main" xmlns="" id="{7B67399D-ED8C-5779-C0DF-EDCB9294E114}"/>
+                <a16:creationId xmlns="" xmlns:a16="http://schemas.microsoft.com/office/drawing/2014/main" id="{7B67399D-ED8C-5779-C0DF-EDCB9294E114}"/>
               </a:ext>
             </a:extLst>
           </p:cNvPr>
@@ -7543,10 +7543,10 @@
           <p:cNvPr id="7" name="Graphic 6">
             <a:extLst>
               <a:ext uri="{FF2B5EF4-FFF2-40B4-BE49-F238E27FC236}">
-                <a16:creationId xmlns:a16="http://schemas.microsoft.com/office/drawing/2014/main" xmlns="" id="{3E27CF34-9469-9733-919F-E9312CF54519}"/>
+                <a16:creationId xmlns="" xmlns:a16="http://schemas.microsoft.com/office/drawing/2014/main" id="{3E27CF34-9469-9733-919F-E9312CF54519}"/>
               </a:ext>
               <a:ext uri="{C183D7F6-B498-43B3-948B-1728B52AA6E4}">
-                <adec:decorative xmlns:adec="http://schemas.microsoft.com/office/drawing/2017/decorative" xmlns="" val="1"/>
+                <adec:decorative xmlns="" xmlns:adec="http://schemas.microsoft.com/office/drawing/2017/decorative" val="1"/>
               </a:ext>
             </a:extLst>
           </p:cNvPr>
@@ -7562,7 +7562,7 @@
                 <a14:useLocalDpi xmlns:a14="http://schemas.microsoft.com/office/drawing/2010/main" val="0"/>
               </a:ext>
               <a:ext uri="{96DAC541-7B7A-43D3-8B79-37D633B846F1}">
-                <asvg:svgBlip xmlns:asvg="http://schemas.microsoft.com/office/drawing/2016/SVG/main" xmlns="" r:embed="rId3"/>
+                <asvg:svgBlip xmlns="" xmlns:asvg="http://schemas.microsoft.com/office/drawing/2016/SVG/main" r:embed="rId3"/>
               </a:ext>
             </a:extLst>
           </a:blip>
@@ -7584,10 +7584,10 @@
           <p:cNvPr id="8" name="Rounded Rectangle 10">
             <a:extLst>
               <a:ext uri="{FF2B5EF4-FFF2-40B4-BE49-F238E27FC236}">
-                <a16:creationId xmlns:a16="http://schemas.microsoft.com/office/drawing/2014/main" xmlns="" id="{4D009256-DF45-9756-82A0-864EE4B56F1A}"/>
+                <a16:creationId xmlns="" xmlns:a16="http://schemas.microsoft.com/office/drawing/2014/main" id="{4D009256-DF45-9756-82A0-864EE4B56F1A}"/>
               </a:ext>
               <a:ext uri="{C183D7F6-B498-43B3-948B-1728B52AA6E4}">
-                <adec:decorative xmlns:adec="http://schemas.microsoft.com/office/drawing/2017/decorative" xmlns="" val="1"/>
+                <adec:decorative xmlns="" xmlns:adec="http://schemas.microsoft.com/office/drawing/2017/decorative" val="1"/>
               </a:ext>
             </a:extLst>
           </p:cNvPr>
@@ -7641,7 +7641,7 @@
           <p:cNvPr id="2" name="Title 1">
             <a:extLst>
               <a:ext uri="{FF2B5EF4-FFF2-40B4-BE49-F238E27FC236}">
-                <a16:creationId xmlns:a16="http://schemas.microsoft.com/office/drawing/2014/main" xmlns="" id="{3CD97974-B93C-4C96-B3F6-F69E3D6DE6CA}"/>
+                <a16:creationId xmlns="" xmlns:a16="http://schemas.microsoft.com/office/drawing/2014/main" id="{3CD97974-B93C-4C96-B3F6-F69E3D6DE6CA}"/>
               </a:ext>
             </a:extLst>
           </p:cNvPr>
@@ -7680,7 +7680,7 @@
           <p:cNvPr id="3" name="Content Placeholder 2">
             <a:extLst>
               <a:ext uri="{FF2B5EF4-FFF2-40B4-BE49-F238E27FC236}">
-                <a16:creationId xmlns:a16="http://schemas.microsoft.com/office/drawing/2014/main" xmlns="" id="{8A6FC6F2-80B4-49A7-9448-33FE2DF0E967}"/>
+                <a16:creationId xmlns="" xmlns:a16="http://schemas.microsoft.com/office/drawing/2014/main" id="{8A6FC6F2-80B4-49A7-9448-33FE2DF0E967}"/>
               </a:ext>
             </a:extLst>
           </p:cNvPr>
@@ -7801,7 +7801,7 @@
           <p:cNvPr id="12" name="Content Placeholder 11">
             <a:extLst>
               <a:ext uri="{FF2B5EF4-FFF2-40B4-BE49-F238E27FC236}">
-                <a16:creationId xmlns:a16="http://schemas.microsoft.com/office/drawing/2014/main" xmlns="" id="{7A9B7174-F745-1118-0FC3-785D2D913E0A}"/>
+                <a16:creationId xmlns="" xmlns:a16="http://schemas.microsoft.com/office/drawing/2014/main" id="{7A9B7174-F745-1118-0FC3-785D2D913E0A}"/>
               </a:ext>
             </a:extLst>
           </p:cNvPr>
@@ -7901,7 +7901,7 @@
           <p:cNvPr id="4" name="Footer Placeholder 3">
             <a:extLst>
               <a:ext uri="{FF2B5EF4-FFF2-40B4-BE49-F238E27FC236}">
-                <a16:creationId xmlns:a16="http://schemas.microsoft.com/office/drawing/2014/main" xmlns="" id="{9008BE64-1ED0-01C3-D968-D9BD086534DE}"/>
+                <a16:creationId xmlns="" xmlns:a16="http://schemas.microsoft.com/office/drawing/2014/main" id="{9008BE64-1ED0-01C3-D968-D9BD086534DE}"/>
               </a:ext>
             </a:extLst>
           </p:cNvPr>
@@ -7930,7 +7930,7 @@
           <p:cNvPr id="5" name="Slide Number Placeholder 4">
             <a:extLst>
               <a:ext uri="{FF2B5EF4-FFF2-40B4-BE49-F238E27FC236}">
-                <a16:creationId xmlns:a16="http://schemas.microsoft.com/office/drawing/2014/main" xmlns="" id="{89C90BF0-A318-491B-96D3-12A05A22DB19}"/>
+                <a16:creationId xmlns="" xmlns:a16="http://schemas.microsoft.com/office/drawing/2014/main" id="{89C90BF0-A318-491B-96D3-12A05A22DB19}"/>
               </a:ext>
             </a:extLst>
           </p:cNvPr>
@@ -7990,10 +7990,10 @@
           <p:cNvPr id="7" name="Graphic 6">
             <a:extLst>
               <a:ext uri="{FF2B5EF4-FFF2-40B4-BE49-F238E27FC236}">
-                <a16:creationId xmlns:a16="http://schemas.microsoft.com/office/drawing/2014/main" xmlns="" id="{0F43DDC4-8BB2-AA02-91FD-EAE7DEAA2DD1}"/>
+                <a16:creationId xmlns="" xmlns:a16="http://schemas.microsoft.com/office/drawing/2014/main" id="{0F43DDC4-8BB2-AA02-91FD-EAE7DEAA2DD1}"/>
               </a:ext>
               <a:ext uri="{C183D7F6-B498-43B3-948B-1728B52AA6E4}">
-                <adec:decorative xmlns:adec="http://schemas.microsoft.com/office/drawing/2017/decorative" xmlns="" val="1"/>
+                <adec:decorative xmlns="" xmlns:adec="http://schemas.microsoft.com/office/drawing/2017/decorative" val="1"/>
               </a:ext>
             </a:extLst>
           </p:cNvPr>
@@ -8009,7 +8009,7 @@
                 <a14:useLocalDpi xmlns:a14="http://schemas.microsoft.com/office/drawing/2010/main" val="0"/>
               </a:ext>
               <a:ext uri="{96DAC541-7B7A-43D3-8B79-37D633B846F1}">
-                <asvg:svgBlip xmlns:asvg="http://schemas.microsoft.com/office/drawing/2016/SVG/main" xmlns="" r:embed="rId3"/>
+                <asvg:svgBlip xmlns="" xmlns:asvg="http://schemas.microsoft.com/office/drawing/2016/SVG/main" r:embed="rId3"/>
               </a:ext>
             </a:extLst>
           </a:blip>
@@ -8031,10 +8031,10 @@
           <p:cNvPr id="8" name="Graphic 7">
             <a:extLst>
               <a:ext uri="{FF2B5EF4-FFF2-40B4-BE49-F238E27FC236}">
-                <a16:creationId xmlns:a16="http://schemas.microsoft.com/office/drawing/2014/main" xmlns="" id="{32E19359-DD62-C6C3-FEF4-EEA0F835B8C9}"/>
+                <a16:creationId xmlns="" xmlns:a16="http://schemas.microsoft.com/office/drawing/2014/main" id="{32E19359-DD62-C6C3-FEF4-EEA0F835B8C9}"/>
               </a:ext>
               <a:ext uri="{C183D7F6-B498-43B3-948B-1728B52AA6E4}">
-                <adec:decorative xmlns:adec="http://schemas.microsoft.com/office/drawing/2017/decorative" xmlns="" val="1"/>
+                <adec:decorative xmlns="" xmlns:adec="http://schemas.microsoft.com/office/drawing/2017/decorative" val="1"/>
               </a:ext>
             </a:extLst>
           </p:cNvPr>
@@ -8050,7 +8050,7 @@
                 <a14:useLocalDpi xmlns:a14="http://schemas.microsoft.com/office/drawing/2010/main" val="0"/>
               </a:ext>
               <a:ext uri="{96DAC541-7B7A-43D3-8B79-37D633B846F1}">
-                <asvg:svgBlip xmlns:asvg="http://schemas.microsoft.com/office/drawing/2016/SVG/main" xmlns="" r:embed="rId5"/>
+                <asvg:svgBlip xmlns="" xmlns:asvg="http://schemas.microsoft.com/office/drawing/2016/SVG/main" r:embed="rId5"/>
               </a:ext>
             </a:extLst>
           </a:blip>
@@ -8072,7 +8072,7 @@
           <p:cNvPr id="2" name="Title 1">
             <a:extLst>
               <a:ext uri="{FF2B5EF4-FFF2-40B4-BE49-F238E27FC236}">
-                <a16:creationId xmlns:a16="http://schemas.microsoft.com/office/drawing/2014/main" xmlns="" id="{3CD97974-B93C-4C96-B3F6-F69E3D6DE6CA}"/>
+                <a16:creationId xmlns="" xmlns:a16="http://schemas.microsoft.com/office/drawing/2014/main" id="{3CD97974-B93C-4C96-B3F6-F69E3D6DE6CA}"/>
               </a:ext>
             </a:extLst>
           </p:cNvPr>
@@ -8111,7 +8111,7 @@
           <p:cNvPr id="5" name="Picture Placeholder 4">
             <a:extLst>
               <a:ext uri="{FF2B5EF4-FFF2-40B4-BE49-F238E27FC236}">
-                <a16:creationId xmlns:a16="http://schemas.microsoft.com/office/drawing/2014/main" xmlns="" id="{0AFD7DD8-34E5-E7A6-C7E1-DF8BA895A4FF}"/>
+                <a16:creationId xmlns="" xmlns:a16="http://schemas.microsoft.com/office/drawing/2014/main" id="{0AFD7DD8-34E5-E7A6-C7E1-DF8BA895A4FF}"/>
               </a:ext>
             </a:extLst>
           </p:cNvPr>
@@ -8274,7 +8274,7 @@
           <p:cNvPr id="3" name="Content Placeholder 2">
             <a:extLst>
               <a:ext uri="{FF2B5EF4-FFF2-40B4-BE49-F238E27FC236}">
-                <a16:creationId xmlns:a16="http://schemas.microsoft.com/office/drawing/2014/main" xmlns="" id="{8A6FC6F2-80B4-49A7-9448-33FE2DF0E967}"/>
+                <a16:creationId xmlns="" xmlns:a16="http://schemas.microsoft.com/office/drawing/2014/main" id="{8A6FC6F2-80B4-49A7-9448-33FE2DF0E967}"/>
               </a:ext>
             </a:extLst>
           </p:cNvPr>
@@ -8409,10 +8409,10 @@
           <p:cNvPr id="6" name="Freeform 14">
             <a:extLst>
               <a:ext uri="{FF2B5EF4-FFF2-40B4-BE49-F238E27FC236}">
-                <a16:creationId xmlns:a16="http://schemas.microsoft.com/office/drawing/2014/main" xmlns="" id="{439C7FB7-7536-309C-3DB4-92ECAE60965B}"/>
+                <a16:creationId xmlns="" xmlns:a16="http://schemas.microsoft.com/office/drawing/2014/main" id="{439C7FB7-7536-309C-3DB4-92ECAE60965B}"/>
               </a:ext>
               <a:ext uri="{C183D7F6-B498-43B3-948B-1728B52AA6E4}">
-                <adec:decorative xmlns:adec="http://schemas.microsoft.com/office/drawing/2017/decorative" xmlns="" val="1"/>
+                <adec:decorative xmlns="" xmlns:adec="http://schemas.microsoft.com/office/drawing/2017/decorative" val="1"/>
               </a:ext>
             </a:extLst>
           </p:cNvPr>
@@ -8572,10 +8572,10 @@
           <p:cNvPr id="11" name="Rounded Rectangle 4">
             <a:extLst>
               <a:ext uri="{FF2B5EF4-FFF2-40B4-BE49-F238E27FC236}">
-                <a16:creationId xmlns:a16="http://schemas.microsoft.com/office/drawing/2014/main" xmlns="" id="{75CECFB8-0CE3-408B-9CC5-1A38ADFC8D17}"/>
+                <a16:creationId xmlns="" xmlns:a16="http://schemas.microsoft.com/office/drawing/2014/main" id="{75CECFB8-0CE3-408B-9CC5-1A38ADFC8D17}"/>
               </a:ext>
               <a:ext uri="{C183D7F6-B498-43B3-948B-1728B52AA6E4}">
-                <adec:decorative xmlns:adec="http://schemas.microsoft.com/office/drawing/2017/decorative" xmlns="" val="1"/>
+                <adec:decorative xmlns="" xmlns:adec="http://schemas.microsoft.com/office/drawing/2017/decorative" val="1"/>
               </a:ext>
             </a:extLst>
           </p:cNvPr>
@@ -8629,10 +8629,10 @@
           <p:cNvPr id="12" name="Graphic 11">
             <a:extLst>
               <a:ext uri="{FF2B5EF4-FFF2-40B4-BE49-F238E27FC236}">
-                <a16:creationId xmlns:a16="http://schemas.microsoft.com/office/drawing/2014/main" xmlns="" id="{2B44AE87-6B2D-BEFC-BB5E-B20A5A75A581}"/>
+                <a16:creationId xmlns="" xmlns:a16="http://schemas.microsoft.com/office/drawing/2014/main" id="{2B44AE87-6B2D-BEFC-BB5E-B20A5A75A581}"/>
               </a:ext>
               <a:ext uri="{C183D7F6-B498-43B3-948B-1728B52AA6E4}">
-                <adec:decorative xmlns:adec="http://schemas.microsoft.com/office/drawing/2017/decorative" xmlns="" val="1"/>
+                <adec:decorative xmlns="" xmlns:adec="http://schemas.microsoft.com/office/drawing/2017/decorative" val="1"/>
               </a:ext>
             </a:extLst>
           </p:cNvPr>
@@ -8648,7 +8648,7 @@
                 <a14:useLocalDpi xmlns:a14="http://schemas.microsoft.com/office/drawing/2010/main" val="0"/>
               </a:ext>
               <a:ext uri="{96DAC541-7B7A-43D3-8B79-37D633B846F1}">
-                <asvg:svgBlip xmlns:asvg="http://schemas.microsoft.com/office/drawing/2016/SVG/main" xmlns="" r:embed="rId3"/>
+                <asvg:svgBlip xmlns="" xmlns:asvg="http://schemas.microsoft.com/office/drawing/2016/SVG/main" r:embed="rId3"/>
               </a:ext>
             </a:extLst>
           </a:blip>
@@ -8670,7 +8670,7 @@
           <p:cNvPr id="2" name="Title 1">
             <a:extLst>
               <a:ext uri="{FF2B5EF4-FFF2-40B4-BE49-F238E27FC236}">
-                <a16:creationId xmlns:a16="http://schemas.microsoft.com/office/drawing/2014/main" xmlns="" id="{3CD97974-B93C-4C96-B3F6-F69E3D6DE6CA}"/>
+                <a16:creationId xmlns="" xmlns:a16="http://schemas.microsoft.com/office/drawing/2014/main" id="{3CD97974-B93C-4C96-B3F6-F69E3D6DE6CA}"/>
               </a:ext>
             </a:extLst>
           </p:cNvPr>
@@ -8709,7 +8709,7 @@
           <p:cNvPr id="3" name="Content Placeholder 2">
             <a:extLst>
               <a:ext uri="{FF2B5EF4-FFF2-40B4-BE49-F238E27FC236}">
-                <a16:creationId xmlns:a16="http://schemas.microsoft.com/office/drawing/2014/main" xmlns="" id="{8A6FC6F2-80B4-49A7-9448-33FE2DF0E967}"/>
+                <a16:creationId xmlns="" xmlns:a16="http://schemas.microsoft.com/office/drawing/2014/main" id="{8A6FC6F2-80B4-49A7-9448-33FE2DF0E967}"/>
               </a:ext>
             </a:extLst>
           </p:cNvPr>
@@ -8843,7 +8843,7 @@
           <p:cNvPr id="15" name="Content Placeholder 2">
             <a:extLst>
               <a:ext uri="{FF2B5EF4-FFF2-40B4-BE49-F238E27FC236}">
-                <a16:creationId xmlns:a16="http://schemas.microsoft.com/office/drawing/2014/main" xmlns="" id="{F92E9A95-2BF4-99BE-F73A-A74D783CE446}"/>
+                <a16:creationId xmlns="" xmlns:a16="http://schemas.microsoft.com/office/drawing/2014/main" id="{F92E9A95-2BF4-99BE-F73A-A74D783CE446}"/>
               </a:ext>
             </a:extLst>
           </p:cNvPr>
@@ -8977,7 +8977,7 @@
           <p:cNvPr id="4" name="Footer Placeholder 3">
             <a:extLst>
               <a:ext uri="{FF2B5EF4-FFF2-40B4-BE49-F238E27FC236}">
-                <a16:creationId xmlns:a16="http://schemas.microsoft.com/office/drawing/2014/main" xmlns="" id="{CAAC286E-C3C5-BAF8-4E8F-9FEA0BB0195D}"/>
+                <a16:creationId xmlns="" xmlns:a16="http://schemas.microsoft.com/office/drawing/2014/main" id="{CAAC286E-C3C5-BAF8-4E8F-9FEA0BB0195D}"/>
               </a:ext>
             </a:extLst>
           </p:cNvPr>
@@ -9006,7 +9006,7 @@
           <p:cNvPr id="5" name="Slide Number Placeholder 4">
             <a:extLst>
               <a:ext uri="{FF2B5EF4-FFF2-40B4-BE49-F238E27FC236}">
-                <a16:creationId xmlns:a16="http://schemas.microsoft.com/office/drawing/2014/main" xmlns="" id="{4C561ED0-675C-92F8-9C64-A3276393E5F2}"/>
+                <a16:creationId xmlns="" xmlns:a16="http://schemas.microsoft.com/office/drawing/2014/main" id="{4C561ED0-675C-92F8-9C64-A3276393E5F2}"/>
               </a:ext>
             </a:extLst>
           </p:cNvPr>
@@ -9066,7 +9066,7 @@
           <p:cNvPr id="2" name="Title 1">
             <a:extLst>
               <a:ext uri="{FF2B5EF4-FFF2-40B4-BE49-F238E27FC236}">
-                <a16:creationId xmlns:a16="http://schemas.microsoft.com/office/drawing/2014/main" xmlns="" id="{3CD97974-B93C-4C96-B3F6-F69E3D6DE6CA}"/>
+                <a16:creationId xmlns="" xmlns:a16="http://schemas.microsoft.com/office/drawing/2014/main" id="{3CD97974-B93C-4C96-B3F6-F69E3D6DE6CA}"/>
               </a:ext>
             </a:extLst>
           </p:cNvPr>
@@ -9105,7 +9105,7 @@
           <p:cNvPr id="3" name="Content Placeholder 2">
             <a:extLst>
               <a:ext uri="{FF2B5EF4-FFF2-40B4-BE49-F238E27FC236}">
-                <a16:creationId xmlns:a16="http://schemas.microsoft.com/office/drawing/2014/main" xmlns="" id="{8A6FC6F2-80B4-49A7-9448-33FE2DF0E967}"/>
+                <a16:creationId xmlns="" xmlns:a16="http://schemas.microsoft.com/office/drawing/2014/main" id="{8A6FC6F2-80B4-49A7-9448-33FE2DF0E967}"/>
               </a:ext>
             </a:extLst>
           </p:cNvPr>
@@ -9240,7 +9240,7 @@
           <p:cNvPr id="7" name="Table Placeholder 6">
             <a:extLst>
               <a:ext uri="{FF2B5EF4-FFF2-40B4-BE49-F238E27FC236}">
-                <a16:creationId xmlns:a16="http://schemas.microsoft.com/office/drawing/2014/main" xmlns="" id="{5F1C082A-519B-82D4-8400-4B8B18A60894}"/>
+                <a16:creationId xmlns="" xmlns:a16="http://schemas.microsoft.com/office/drawing/2014/main" id="{5F1C082A-519B-82D4-8400-4B8B18A60894}"/>
               </a:ext>
             </a:extLst>
           </p:cNvPr>
@@ -9277,7 +9277,7 @@
           <p:cNvPr id="4" name="Footer Placeholder 3">
             <a:extLst>
               <a:ext uri="{FF2B5EF4-FFF2-40B4-BE49-F238E27FC236}">
-                <a16:creationId xmlns:a16="http://schemas.microsoft.com/office/drawing/2014/main" xmlns="" id="{1527E877-BE1A-AA4C-671E-9D8452925BFD}"/>
+                <a16:creationId xmlns="" xmlns:a16="http://schemas.microsoft.com/office/drawing/2014/main" id="{1527E877-BE1A-AA4C-671E-9D8452925BFD}"/>
               </a:ext>
             </a:extLst>
           </p:cNvPr>
@@ -9306,7 +9306,7 @@
           <p:cNvPr id="5" name="Slide Number Placeholder 4">
             <a:extLst>
               <a:ext uri="{FF2B5EF4-FFF2-40B4-BE49-F238E27FC236}">
-                <a16:creationId xmlns:a16="http://schemas.microsoft.com/office/drawing/2014/main" xmlns="" id="{C717DD65-3907-1BC6-7EB8-E6248DFAA8DA}"/>
+                <a16:creationId xmlns="" xmlns:a16="http://schemas.microsoft.com/office/drawing/2014/main" id="{C717DD65-3907-1BC6-7EB8-E6248DFAA8DA}"/>
               </a:ext>
             </a:extLst>
           </p:cNvPr>
@@ -9371,7 +9371,7 @@
           <p:cNvPr id="7" name="Rectangle 6">
             <a:extLst>
               <a:ext uri="{FF2B5EF4-FFF2-40B4-BE49-F238E27FC236}">
-                <a16:creationId xmlns:a16="http://schemas.microsoft.com/office/drawing/2014/main" xmlns="" id="{2AA97309-2E1F-F812-D384-402EC7900D26}"/>
+                <a16:creationId xmlns="" xmlns:a16="http://schemas.microsoft.com/office/drawing/2014/main" id="{2AA97309-2E1F-F812-D384-402EC7900D26}"/>
               </a:ext>
             </a:extLst>
           </p:cNvPr>
@@ -9427,7 +9427,7 @@
           <p:cNvPr id="2" name="Title Placeholder 1">
             <a:extLst>
               <a:ext uri="{FF2B5EF4-FFF2-40B4-BE49-F238E27FC236}">
-                <a16:creationId xmlns:a16="http://schemas.microsoft.com/office/drawing/2014/main" xmlns="" id="{9198F9AA-2C87-421D-97C1-B4248DFDC2C2}"/>
+                <a16:creationId xmlns="" xmlns:a16="http://schemas.microsoft.com/office/drawing/2014/main" id="{9198F9AA-2C87-421D-97C1-B4248DFDC2C2}"/>
               </a:ext>
             </a:extLst>
           </p:cNvPr>
@@ -9465,7 +9465,7 @@
           <p:cNvPr id="3" name="Text Placeholder 2">
             <a:extLst>
               <a:ext uri="{FF2B5EF4-FFF2-40B4-BE49-F238E27FC236}">
-                <a16:creationId xmlns:a16="http://schemas.microsoft.com/office/drawing/2014/main" xmlns="" id="{AE98FC63-C8D2-4CE6-A3F1-EE8ED24590C4}"/>
+                <a16:creationId xmlns="" xmlns:a16="http://schemas.microsoft.com/office/drawing/2014/main" id="{AE98FC63-C8D2-4CE6-A3F1-EE8ED24590C4}"/>
               </a:ext>
             </a:extLst>
           </p:cNvPr>
@@ -9532,7 +9532,7 @@
           <p:cNvPr id="5" name="Footer Placeholder 4">
             <a:extLst>
               <a:ext uri="{FF2B5EF4-FFF2-40B4-BE49-F238E27FC236}">
-                <a16:creationId xmlns:a16="http://schemas.microsoft.com/office/drawing/2014/main" xmlns="" id="{60567522-C3B6-46EB-A361-BEC2510B00CA}"/>
+                <a16:creationId xmlns="" xmlns:a16="http://schemas.microsoft.com/office/drawing/2014/main" id="{60567522-C3B6-46EB-A361-BEC2510B00CA}"/>
               </a:ext>
             </a:extLst>
           </p:cNvPr>
@@ -9580,7 +9580,7 @@
           <p:cNvPr id="6" name="Slide Number Placeholder 5">
             <a:extLst>
               <a:ext uri="{FF2B5EF4-FFF2-40B4-BE49-F238E27FC236}">
-                <a16:creationId xmlns:a16="http://schemas.microsoft.com/office/drawing/2014/main" xmlns="" id="{CDC57CF0-034F-450D-937C-718D5AF1A059}"/>
+                <a16:creationId xmlns="" xmlns:a16="http://schemas.microsoft.com/office/drawing/2014/main" id="{CDC57CF0-034F-450D-937C-718D5AF1A059}"/>
               </a:ext>
             </a:extLst>
           </p:cNvPr>
@@ -9950,7 +9950,7 @@
   </p:txStyles>
   <p:extLst>
     <p:ext uri="{27BBF7A9-308A-43DC-89C8-2F10F3537804}">
-      <p15:sldGuideLst xmlns:p15="http://schemas.microsoft.com/office/powerpoint/2012/main" xmlns="">
+      <p15:sldGuideLst xmlns="" xmlns:p15="http://schemas.microsoft.com/office/powerpoint/2012/main">
         <p15:guide id="1" orient="horz" pos="2160" userDrawn="1">
           <p15:clr>
             <a:srgbClr val="A4A3A4"/>
@@ -10071,7 +10071,7 @@
           <p:cNvPr id="2" name="Title 1">
             <a:extLst>
               <a:ext uri="{FF2B5EF4-FFF2-40B4-BE49-F238E27FC236}">
-                <a16:creationId xmlns:a16="http://schemas.microsoft.com/office/drawing/2014/main" xmlns="" id="{51DF3D98-3C30-4CFC-8643-C81E829C8C25}"/>
+                <a16:creationId xmlns="" xmlns:a16="http://schemas.microsoft.com/office/drawing/2014/main" id="{51DF3D98-3C30-4CFC-8643-C81E829C8C25}"/>
               </a:ext>
             </a:extLst>
           </p:cNvPr>
@@ -10125,7 +10125,7 @@
           <p:cNvPr id="4" name="Title 1">
             <a:extLst>
               <a:ext uri="{FF2B5EF4-FFF2-40B4-BE49-F238E27FC236}">
-                <a16:creationId xmlns:a16="http://schemas.microsoft.com/office/drawing/2014/main" xmlns="" id="{51DF3D98-3C30-4CFC-8643-C81E829C8C25}"/>
+                <a16:creationId xmlns="" xmlns:a16="http://schemas.microsoft.com/office/drawing/2014/main" id="{51DF3D98-3C30-4CFC-8643-C81E829C8C25}"/>
               </a:ext>
             </a:extLst>
           </p:cNvPr>
@@ -10180,7 +10180,6 @@
               <a:rPr lang="ru-RU" sz="1400" dirty="0"/>
               <a:t>Руководитель: Прокопьева Мария Владимировна</a:t>
             </a:r>
-            <a:endParaRPr lang="ru-RU" sz="1400" dirty="0"/>
           </a:p>
         </p:txBody>
       </p:sp>
@@ -10224,6 +10223,13 @@
   <p:clrMapOvr>
     <a:masterClrMapping/>
   </p:clrMapOvr>
+  <p:timing>
+    <p:tnLst>
+      <p:par>
+        <p:cTn id="1" dur="indefinite" restart="never" nodeType="tmRoot"/>
+      </p:par>
+    </p:tnLst>
+  </p:timing>
 </p:sld>
 </file>
 
@@ -10249,7 +10255,7 @@
           <p:cNvPr id="2" name="Title 1">
             <a:extLst>
               <a:ext uri="{FF2B5EF4-FFF2-40B4-BE49-F238E27FC236}">
-                <a16:creationId xmlns:a16="http://schemas.microsoft.com/office/drawing/2014/main" xmlns="" id="{9968B8C1-5051-6D93-D1A7-8C93D190644B}"/>
+                <a16:creationId xmlns="" xmlns:a16="http://schemas.microsoft.com/office/drawing/2014/main" id="{9968B8C1-5051-6D93-D1A7-8C93D190644B}"/>
               </a:ext>
             </a:extLst>
           </p:cNvPr>
@@ -10283,7 +10289,7 @@
           <p:cNvPr id="3" name="Content Placeholder 2">
             <a:extLst>
               <a:ext uri="{FF2B5EF4-FFF2-40B4-BE49-F238E27FC236}">
-                <a16:creationId xmlns:a16="http://schemas.microsoft.com/office/drawing/2014/main" xmlns="" id="{F568205F-9380-69F5-4FD3-18A8E791D1EF}"/>
+                <a16:creationId xmlns="" xmlns:a16="http://schemas.microsoft.com/office/drawing/2014/main" id="{F568205F-9380-69F5-4FD3-18A8E791D1EF}"/>
               </a:ext>
             </a:extLst>
           </p:cNvPr>
@@ -10327,7 +10333,7 @@
           <p:cNvPr id="4" name="Slide Number Placeholder 3">
             <a:extLst>
               <a:ext uri="{FF2B5EF4-FFF2-40B4-BE49-F238E27FC236}">
-                <a16:creationId xmlns:a16="http://schemas.microsoft.com/office/drawing/2014/main" xmlns="" id="{08B49117-1289-49FF-B8DF-0CA38A436F79}"/>
+                <a16:creationId xmlns="" xmlns:a16="http://schemas.microsoft.com/office/drawing/2014/main" id="{08B49117-1289-49FF-B8DF-0CA38A436F79}"/>
               </a:ext>
             </a:extLst>
           </p:cNvPr>
@@ -10362,7 +10368,7 @@
           <p:cNvPr id="5" name="Title 1">
             <a:extLst>
               <a:ext uri="{FF2B5EF4-FFF2-40B4-BE49-F238E27FC236}">
-                <a16:creationId xmlns:a16="http://schemas.microsoft.com/office/drawing/2014/main" xmlns="" id="{6C3E8B7A-E552-34ED-FADF-0CCD01F8FA29}"/>
+                <a16:creationId xmlns="" xmlns:a16="http://schemas.microsoft.com/office/drawing/2014/main" id="{6C3E8B7A-E552-34ED-FADF-0CCD01F8FA29}"/>
               </a:ext>
             </a:extLst>
           </p:cNvPr>
@@ -10420,7 +10426,7 @@
           <p:cNvPr id="6" name="Content Placeholder 4">
             <a:extLst>
               <a:ext uri="{FF2B5EF4-FFF2-40B4-BE49-F238E27FC236}">
-                <a16:creationId xmlns:a16="http://schemas.microsoft.com/office/drawing/2014/main" xmlns="" id="{AEBFE9FE-79C1-AC5A-B40D-6C6A67749E02}"/>
+                <a16:creationId xmlns="" xmlns:a16="http://schemas.microsoft.com/office/drawing/2014/main" id="{AEBFE9FE-79C1-AC5A-B40D-6C6A67749E02}"/>
               </a:ext>
             </a:extLst>
           </p:cNvPr>
@@ -10670,6 +10676,13 @@
   <p:clrMapOvr>
     <a:masterClrMapping/>
   </p:clrMapOvr>
+  <p:timing>
+    <p:tnLst>
+      <p:par>
+        <p:cTn id="1" dur="indefinite" restart="never" nodeType="tmRoot"/>
+      </p:par>
+    </p:tnLst>
+  </p:timing>
 </p:sld>
 </file>
 
@@ -10695,7 +10708,7 @@
           <p:cNvPr id="3" name="Title 2">
             <a:extLst>
               <a:ext uri="{FF2B5EF4-FFF2-40B4-BE49-F238E27FC236}">
-                <a16:creationId xmlns:a16="http://schemas.microsoft.com/office/drawing/2014/main" xmlns="" id="{B247D5AC-B956-C28E-70B3-4272C8158516}"/>
+                <a16:creationId xmlns="" xmlns:a16="http://schemas.microsoft.com/office/drawing/2014/main" id="{B247D5AC-B956-C28E-70B3-4272C8158516}"/>
               </a:ext>
             </a:extLst>
           </p:cNvPr>
@@ -10764,6 +10777,13 @@
   <p:clrMapOvr>
     <a:masterClrMapping/>
   </p:clrMapOvr>
+  <p:timing>
+    <p:tnLst>
+      <p:par>
+        <p:cTn id="1" dur="indefinite" restart="never" nodeType="tmRoot"/>
+      </p:par>
+    </p:tnLst>
+  </p:timing>
 </p:sld>
 </file>
 
@@ -10789,7 +10809,7 @@
           <p:cNvPr id="11" name="Title 10">
             <a:extLst>
               <a:ext uri="{FF2B5EF4-FFF2-40B4-BE49-F238E27FC236}">
-                <a16:creationId xmlns:a16="http://schemas.microsoft.com/office/drawing/2014/main" xmlns="" id="{033CEA6B-4142-ECF5-60D8-01B3C818CBF9}"/>
+                <a16:creationId xmlns="" xmlns:a16="http://schemas.microsoft.com/office/drawing/2014/main" id="{033CEA6B-4142-ECF5-60D8-01B3C818CBF9}"/>
               </a:ext>
             </a:extLst>
           </p:cNvPr>
@@ -10823,7 +10843,7 @@
           <p:cNvPr id="12" name="Content Placeholder 11">
             <a:extLst>
               <a:ext uri="{FF2B5EF4-FFF2-40B4-BE49-F238E27FC236}">
-                <a16:creationId xmlns:a16="http://schemas.microsoft.com/office/drawing/2014/main" xmlns="" id="{7E49ECDA-6D4E-B9D0-3B4E-BF0F9B64CF75}"/>
+                <a16:creationId xmlns="" xmlns:a16="http://schemas.microsoft.com/office/drawing/2014/main" id="{7E49ECDA-6D4E-B9D0-3B4E-BF0F9B64CF75}"/>
               </a:ext>
             </a:extLst>
           </p:cNvPr>
@@ -10849,7 +10869,6 @@
               <a:rPr lang="ru-RU" dirty="0"/>
               <a:t>Не знаете, какую одежду взять в поездку? WCB всегда подскажет актуальную информацию о погоде в различных городах, чтобы вы были готовы к любой погоде.</a:t>
             </a:r>
-            <a:endParaRPr lang="ru-RU" dirty="0"/>
           </a:p>
         </p:txBody>
       </p:sp>
@@ -10888,6 +10907,13 @@
   <p:clrMapOvr>
     <a:masterClrMapping/>
   </p:clrMapOvr>
+  <p:timing>
+    <p:tnLst>
+      <p:par>
+        <p:cTn id="1" dur="indefinite" restart="never" nodeType="tmRoot"/>
+      </p:par>
+    </p:tnLst>
+  </p:timing>
 </p:sld>
 </file>
 
@@ -10913,7 +10939,7 @@
           <p:cNvPr id="7" name="Title 6">
             <a:extLst>
               <a:ext uri="{FF2B5EF4-FFF2-40B4-BE49-F238E27FC236}">
-                <a16:creationId xmlns:a16="http://schemas.microsoft.com/office/drawing/2014/main" xmlns="" id="{A0C46EA4-FA3A-3B93-0312-90D2A0E382A6}"/>
+                <a16:creationId xmlns="" xmlns:a16="http://schemas.microsoft.com/office/drawing/2014/main" id="{A0C46EA4-FA3A-3B93-0312-90D2A0E382A6}"/>
               </a:ext>
             </a:extLst>
           </p:cNvPr>
@@ -10949,7 +10975,7 @@
           <p:cNvPr id="8" name="Content Placeholder 11">
             <a:extLst>
               <a:ext uri="{FF2B5EF4-FFF2-40B4-BE49-F238E27FC236}">
-                <a16:creationId xmlns:a16="http://schemas.microsoft.com/office/drawing/2014/main" xmlns="" id="{7E49ECDA-6D4E-B9D0-3B4E-BF0F9B64CF75}"/>
+                <a16:creationId xmlns="" xmlns:a16="http://schemas.microsoft.com/office/drawing/2014/main" id="{7E49ECDA-6D4E-B9D0-3B4E-BF0F9B64CF75}"/>
               </a:ext>
             </a:extLst>
           </p:cNvPr>
@@ -11220,7 +11246,7 @@
           <p:cNvPr id="6" name="Title 5">
             <a:extLst>
               <a:ext uri="{FF2B5EF4-FFF2-40B4-BE49-F238E27FC236}">
-                <a16:creationId xmlns:a16="http://schemas.microsoft.com/office/drawing/2014/main" xmlns="" id="{4A4D17A1-8087-CD47-DE70-1ACD7DC0594B}"/>
+                <a16:creationId xmlns="" xmlns:a16="http://schemas.microsoft.com/office/drawing/2014/main" id="{4A4D17A1-8087-CD47-DE70-1ACD7DC0594B}"/>
               </a:ext>
             </a:extLst>
           </p:cNvPr>
@@ -11254,7 +11280,7 @@
           <p:cNvPr id="7" name="Content Placeholder 6">
             <a:extLst>
               <a:ext uri="{FF2B5EF4-FFF2-40B4-BE49-F238E27FC236}">
-                <a16:creationId xmlns:a16="http://schemas.microsoft.com/office/drawing/2014/main" xmlns="" id="{8077B2EF-B06B-3A20-C707-01959780BB4D}"/>
+                <a16:creationId xmlns="" xmlns:a16="http://schemas.microsoft.com/office/drawing/2014/main" id="{8077B2EF-B06B-3A20-C707-01959780BB4D}"/>
               </a:ext>
             </a:extLst>
           </p:cNvPr>
@@ -11298,7 +11324,6 @@
               <a:rPr lang="ru-RU" dirty="0"/>
               <a:t>остальное сделает наш бот.</a:t>
             </a:r>
-            <a:endParaRPr lang="ru-RU" dirty="0"/>
           </a:p>
         </p:txBody>
       </p:sp>
@@ -11307,10 +11332,10 @@
           <p:cNvPr id="5" name="Slide Number Placeholder 5">
             <a:extLst>
               <a:ext uri="{FF2B5EF4-FFF2-40B4-BE49-F238E27FC236}">
-                <a16:creationId xmlns:a16="http://schemas.microsoft.com/office/drawing/2014/main" xmlns="" id="{B835CE9C-DAB0-52EA-F980-2A54B5651685}"/>
+                <a16:creationId xmlns="" xmlns:a16="http://schemas.microsoft.com/office/drawing/2014/main" id="{B835CE9C-DAB0-52EA-F980-2A54B5651685}"/>
               </a:ext>
               <a:ext uri="{C183D7F6-B498-43B3-948B-1728B52AA6E4}">
-                <adec:decorative xmlns:adec="http://schemas.microsoft.com/office/drawing/2017/decorative" xmlns="" val="1"/>
+                <adec:decorative xmlns="" xmlns:adec="http://schemas.microsoft.com/office/drawing/2017/decorative" val="1"/>
               </a:ext>
             </a:extLst>
           </p:cNvPr>
@@ -11513,7 +11538,7 @@
           <p:cNvPr id="2" name="Title 1">
             <a:extLst>
               <a:ext uri="{FF2B5EF4-FFF2-40B4-BE49-F238E27FC236}">
-                <a16:creationId xmlns:a16="http://schemas.microsoft.com/office/drawing/2014/main" xmlns="" id="{6C3E8B7A-E552-34ED-FADF-0CCD01F8FA29}"/>
+                <a16:creationId xmlns="" xmlns:a16="http://schemas.microsoft.com/office/drawing/2014/main" id="{6C3E8B7A-E552-34ED-FADF-0CCD01F8FA29}"/>
               </a:ext>
             </a:extLst>
           </p:cNvPr>
@@ -11538,7 +11563,6 @@
               <a:rPr lang="en-US" dirty="0"/>
               <a:t>requirements</a:t>
             </a:r>
-            <a:endParaRPr lang="en-US" dirty="0"/>
           </a:p>
         </p:txBody>
       </p:sp>
@@ -11547,7 +11571,7 @@
           <p:cNvPr id="5" name="Content Placeholder 4">
             <a:extLst>
               <a:ext uri="{FF2B5EF4-FFF2-40B4-BE49-F238E27FC236}">
-                <a16:creationId xmlns:a16="http://schemas.microsoft.com/office/drawing/2014/main" xmlns="" id="{AEBFE9FE-79C1-AC5A-B40D-6C6A67749E02}"/>
+                <a16:creationId xmlns="" xmlns:a16="http://schemas.microsoft.com/office/drawing/2014/main" id="{AEBFE9FE-79C1-AC5A-B40D-6C6A67749E02}"/>
               </a:ext>
             </a:extLst>
           </p:cNvPr>
@@ -11800,7 +11824,7 @@
           <p:cNvPr id="3" name="Slide Number Placeholder 2">
             <a:extLst>
               <a:ext uri="{FF2B5EF4-FFF2-40B4-BE49-F238E27FC236}">
-                <a16:creationId xmlns:a16="http://schemas.microsoft.com/office/drawing/2014/main" xmlns="" id="{83DBDDDA-99A1-41E2-FC16-37E042566824}"/>
+                <a16:creationId xmlns="" xmlns:a16="http://schemas.microsoft.com/office/drawing/2014/main" id="{83DBDDDA-99A1-41E2-FC16-37E042566824}"/>
               </a:ext>
             </a:extLst>
           </p:cNvPr>
@@ -11865,7 +11889,7 @@
           <p:cNvPr id="4" name="Title 3">
             <a:extLst>
               <a:ext uri="{FF2B5EF4-FFF2-40B4-BE49-F238E27FC236}">
-                <a16:creationId xmlns:a16="http://schemas.microsoft.com/office/drawing/2014/main" xmlns="" id="{4ACACC79-C1CA-C770-77EE-C9533849C64F}"/>
+                <a16:creationId xmlns="" xmlns:a16="http://schemas.microsoft.com/office/drawing/2014/main" id="{4ACACC79-C1CA-C770-77EE-C9533849C64F}"/>
               </a:ext>
             </a:extLst>
           </p:cNvPr>
@@ -11905,7 +11929,7 @@
           <p:cNvPr id="2" name="Slide Number Placeholder 1">
             <a:extLst>
               <a:ext uri="{FF2B5EF4-FFF2-40B4-BE49-F238E27FC236}">
-                <a16:creationId xmlns:a16="http://schemas.microsoft.com/office/drawing/2014/main" xmlns="" id="{AF192F5C-AA21-323C-9221-52EE38375481}"/>
+                <a16:creationId xmlns="" xmlns:a16="http://schemas.microsoft.com/office/drawing/2014/main" id="{AF192F5C-AA21-323C-9221-52EE38375481}"/>
               </a:ext>
             </a:extLst>
           </p:cNvPr>
@@ -11954,6 +11978,125 @@
           </a:stretch>
         </p:blipFill>
         <p:spPr/>
+      </p:pic>
+      <p:sp>
+        <p:nvSpPr>
+          <p:cNvPr id="3" name="AutoShape 2" descr="Screenshot_20240426_152627_org.telegram.messenger_edit_424107221780076.jpg"/>
+          <p:cNvSpPr>
+            <a:spLocks noChangeAspect="1" noChangeArrowheads="1"/>
+          </p:cNvSpPr>
+          <p:nvPr/>
+        </p:nvSpPr>
+        <p:spPr bwMode="auto">
+          <a:xfrm>
+            <a:off x="155575" y="-144463"/>
+            <a:ext cx="304800" cy="304801"/>
+          </a:xfrm>
+          <a:prstGeom prst="rect">
+            <a:avLst/>
+          </a:prstGeom>
+          <a:noFill/>
+          <a:extLst>
+            <a:ext uri="{909E8E84-426E-40DD-AFC4-6F175D3DCCD1}">
+              <a14:hiddenFill xmlns:a14="http://schemas.microsoft.com/office/drawing/2010/main">
+                <a:solidFill>
+                  <a:srgbClr val="FFFFFF"/>
+                </a:solidFill>
+              </a14:hiddenFill>
+            </a:ext>
+          </a:extLst>
+        </p:spPr>
+        <p:txBody>
+          <a:bodyPr vert="horz" wrap="square" lIns="91440" tIns="45720" rIns="91440" bIns="45720" numCol="1" anchor="t" anchorCtr="0" compatLnSpc="1">
+            <a:prstTxWarp prst="textNoShape">
+              <a:avLst/>
+            </a:prstTxWarp>
+          </a:bodyPr>
+          <a:lstStyle/>
+          <a:p>
+            <a:endParaRPr lang="ru-RU"/>
+          </a:p>
+        </p:txBody>
+      </p:sp>
+      <p:sp>
+        <p:nvSpPr>
+          <p:cNvPr id="5" name="AutoShape 4" descr="Screenshot_20240426_152627_org.telegram.messenger_edit_424107221780076.jpg"/>
+          <p:cNvSpPr>
+            <a:spLocks noChangeAspect="1" noChangeArrowheads="1"/>
+          </p:cNvSpPr>
+          <p:nvPr/>
+        </p:nvSpPr>
+        <p:spPr bwMode="auto">
+          <a:xfrm>
+            <a:off x="307975" y="7937"/>
+            <a:ext cx="304800" cy="304801"/>
+          </a:xfrm>
+          <a:prstGeom prst="rect">
+            <a:avLst/>
+          </a:prstGeom>
+          <a:noFill/>
+          <a:extLst>
+            <a:ext uri="{909E8E84-426E-40DD-AFC4-6F175D3DCCD1}">
+              <a14:hiddenFill xmlns:a14="http://schemas.microsoft.com/office/drawing/2010/main">
+                <a:solidFill>
+                  <a:srgbClr val="FFFFFF"/>
+                </a:solidFill>
+              </a14:hiddenFill>
+            </a:ext>
+          </a:extLst>
+        </p:spPr>
+        <p:txBody>
+          <a:bodyPr vert="horz" wrap="square" lIns="91440" tIns="45720" rIns="91440" bIns="45720" numCol="1" anchor="t" anchorCtr="0" compatLnSpc="1">
+            <a:prstTxWarp prst="textNoShape">
+              <a:avLst/>
+            </a:prstTxWarp>
+          </a:bodyPr>
+          <a:lstStyle/>
+          <a:p>
+            <a:endParaRPr lang="ru-RU"/>
+          </a:p>
+        </p:txBody>
+      </p:sp>
+      <p:pic>
+        <p:nvPicPr>
+          <p:cNvPr id="1030" name="Picture 6" descr="C:\Users\lenak\Downloads\Screenshot_20240426_152627_org.telegram.messenger_edit_424107221780076 (1).jpg"/>
+          <p:cNvPicPr>
+            <a:picLocks noChangeAspect="1" noChangeArrowheads="1"/>
+          </p:cNvPicPr>
+          <p:nvPr/>
+        </p:nvPicPr>
+        <p:blipFill>
+          <a:blip r:embed="rId4" cstate="print">
+            <a:extLst>
+              <a:ext uri="{28A0092B-C50C-407E-A947-70E740481C1C}">
+                <a14:useLocalDpi xmlns:a14="http://schemas.microsoft.com/office/drawing/2010/main" val="0"/>
+              </a:ext>
+            </a:extLst>
+          </a:blip>
+          <a:srcRect/>
+          <a:stretch>
+            <a:fillRect/>
+          </a:stretch>
+        </p:blipFill>
+        <p:spPr bwMode="auto">
+          <a:xfrm>
+            <a:off x="9062721" y="452755"/>
+            <a:ext cx="2704142" cy="3185130"/>
+          </a:xfrm>
+          <a:prstGeom prst="rect">
+            <a:avLst/>
+          </a:prstGeom>
+          <a:noFill/>
+          <a:extLst>
+            <a:ext uri="{909E8E84-426E-40DD-AFC4-6F175D3DCCD1}">
+              <a14:hiddenFill xmlns:a14="http://schemas.microsoft.com/office/drawing/2010/main">
+                <a:solidFill>
+                  <a:srgbClr val="FFFFFF"/>
+                </a:solidFill>
+              </a14:hiddenFill>
+            </a:ext>
+          </a:extLst>
+        </p:spPr>
       </p:pic>
     </p:spTree>
     <p:extLst>
@@ -12163,7 +12306,7 @@
   <a:extraClrSchemeLst/>
   <a:extLst>
     <a:ext uri="{05A4C25C-085E-4340-85A3-A5531E510DB2}">
-      <thm15:themeFamily xmlns:thm15="http://schemas.microsoft.com/office/thememl/2012/main" xmlns="" name="TM11161285_win32_SL_V10" id="{EDA0DED9-7866-43C7-AAE0-FF2BF7894006}" vid="{392D8875-CB51-4401-81BF-DCAE09DF2896}"/>
+      <thm15:themeFamily xmlns="" xmlns:thm15="http://schemas.microsoft.com/office/thememl/2012/main" name="TM11161285_win32_SL_V10" id="{EDA0DED9-7866-43C7-AAE0-FF2BF7894006}" vid="{392D8875-CB51-4401-81BF-DCAE09DF2896}"/>
     </a:ext>
   </a:extLst>
 </a:theme>
@@ -12458,7 +12601,7 @@
   <a:extraClrSchemeLst/>
   <a:extLst>
     <a:ext uri="{05A4C25C-085E-4340-85A3-A5531E510DB2}">
-      <thm15:themeFamily xmlns:thm15="http://schemas.microsoft.com/office/thememl/2012/main" xmlns="" name="Office Theme" id="{62F939B6-93AF-4DB8-9C6B-D6C7DFDC589F}" vid="{4A3C46E8-61CC-4603-A589-7422A47A8E4A}"/>
+      <thm15:themeFamily xmlns="" xmlns:thm15="http://schemas.microsoft.com/office/thememl/2012/main" name="Office Theme" id="{62F939B6-93AF-4DB8-9C6B-D6C7DFDC589F}" vid="{4A3C46E8-61CC-4603-A589-7422A47A8E4A}"/>
     </a:ext>
   </a:extLst>
 </a:theme>
@@ -12773,13 +12916,42 @@
   <a:extraClrSchemeLst/>
   <a:extLst>
     <a:ext uri="{05A4C25C-085E-4340-85A3-A5531E510DB2}">
-      <thm15:themeFamily xmlns:thm15="http://schemas.microsoft.com/office/thememl/2012/main" xmlns="" name="Office Theme" id="{2E142A2C-CD16-42D6-873A-C26D2A0506FA}" vid="{1BDDFF52-6CD6-40A5-AB3C-68EB2F1E4D0A}"/>
+      <thm15:themeFamily xmlns="" xmlns:thm15="http://schemas.microsoft.com/office/thememl/2012/main" name="Office Theme" id="{2E142A2C-CD16-42D6-873A-C26D2A0506FA}" vid="{1BDDFF52-6CD6-40A5-AB3C-68EB2F1E4D0A}"/>
     </a:ext>
   </a:extLst>
 </a:theme>
 </file>
 
 <file path=customXml/item1.xml><?xml version="1.0" encoding="utf-8"?>
+<?mso-contentType ?>
+<FormTemplates xmlns="http://schemas.microsoft.com/sharepoint/v3/contenttype/forms">
+  <Display>DocumentLibraryForm</Display>
+  <Edit>DocumentLibraryForm</Edit>
+  <New>DocumentLibraryForm</New>
+</FormTemplates>
+</file>
+
+<file path=customXml/item2.xml><?xml version="1.0" encoding="utf-8"?>
+<p:properties xmlns:p="http://schemas.microsoft.com/office/2006/metadata/properties" xmlns:xsi="http://www.w3.org/2001/XMLSchema-instance" xmlns:pc="http://schemas.microsoft.com/office/infopath/2007/PartnerControls">
+  <documentManagement>
+    <_ip_UnifiedCompliancePolicyUIAction xmlns="http://schemas.microsoft.com/sharepoint/v3" xsi:nil="true"/>
+    <Image xmlns="71af3243-3dd4-4a8d-8c0d-dd76da1f02a5">
+      <Url xsi:nil="true"/>
+      <Description xsi:nil="true"/>
+    </Image>
+    <Status xmlns="71af3243-3dd4-4a8d-8c0d-dd76da1f02a5">Not started</Status>
+    <Background xmlns="71af3243-3dd4-4a8d-8c0d-dd76da1f02a5">false</Background>
+    <_ip_UnifiedCompliancePolicyProperties xmlns="http://schemas.microsoft.com/sharepoint/v3" xsi:nil="true"/>
+    <ImageTagsTaxHTField xmlns="71af3243-3dd4-4a8d-8c0d-dd76da1f02a5">
+      <Terms xmlns="http://schemas.microsoft.com/office/infopath/2007/PartnerControls"/>
+    </ImageTagsTaxHTField>
+    <TaxCatchAll xmlns="230e9df3-be65-4c73-a93b-d1236ebd677e" xsi:nil="true"/>
+    <MediaServiceKeyPoints xmlns="71af3243-3dd4-4a8d-8c0d-dd76da1f02a5" xsi:nil="true"/>
+  </documentManagement>
+</p:properties>
+</file>
+
+<file path=customXml/item3.xml><?xml version="1.0" encoding="utf-8"?>
 <ct:contentTypeSchema xmlns:ct="http://schemas.microsoft.com/office/2006/metadata/contentType" xmlns:ma="http://schemas.microsoft.com/office/2006/metadata/properties/metaAttributes" ct:_="" ma:_="" ma:contentTypeName="Document" ma:contentTypeID="0x01010079F111ED35F8CC479449609E8A0923A6" ma:contentTypeVersion="28" ma:contentTypeDescription="Create a new document." ma:contentTypeScope="" ma:versionID="60f5a4f2d2b0abadcf532d48ebf9cb71">
   <xsd:schema xmlns:xsd="http://www.w3.org/2001/XMLSchema" xmlns:xs="http://www.w3.org/2001/XMLSchema" xmlns:p="http://schemas.microsoft.com/office/2006/metadata/properties" xmlns:ns1="http://schemas.microsoft.com/sharepoint/v3" xmlns:ns2="71af3243-3dd4-4a8d-8c0d-dd76da1f02a5" xmlns:ns3="16c05727-aa75-4e4a-9b5f-8a80a1165891" xmlns:ns4="230e9df3-be65-4c73-a93b-d1236ebd677e" targetNamespace="http://schemas.microsoft.com/office/2006/metadata/properties" ma:root="true" ma:fieldsID="7dd78129e6a1811f84807ad11c651531" ns1:_="" ns2:_="" ns3:_="" ns4:_="">
     <xsd:import namespace="http://schemas.microsoft.com/sharepoint/v3"/>
@@ -13091,36 +13263,34 @@
 </ct:contentTypeSchema>
 </file>
 
-<file path=customXml/item2.xml><?xml version="1.0" encoding="utf-8"?>
-<p:properties xmlns:p="http://schemas.microsoft.com/office/2006/metadata/properties" xmlns:xsi="http://www.w3.org/2001/XMLSchema-instance" xmlns:pc="http://schemas.microsoft.com/office/infopath/2007/PartnerControls">
-  <documentManagement>
-    <_ip_UnifiedCompliancePolicyUIAction xmlns="http://schemas.microsoft.com/sharepoint/v3" xsi:nil="true"/>
-    <Image xmlns="71af3243-3dd4-4a8d-8c0d-dd76da1f02a5">
-      <Url xsi:nil="true"/>
-      <Description xsi:nil="true"/>
-    </Image>
-    <Status xmlns="71af3243-3dd4-4a8d-8c0d-dd76da1f02a5">Not started</Status>
-    <Background xmlns="71af3243-3dd4-4a8d-8c0d-dd76da1f02a5">false</Background>
-    <_ip_UnifiedCompliancePolicyProperties xmlns="http://schemas.microsoft.com/sharepoint/v3" xsi:nil="true"/>
-    <ImageTagsTaxHTField xmlns="71af3243-3dd4-4a8d-8c0d-dd76da1f02a5">
-      <Terms xmlns="http://schemas.microsoft.com/office/infopath/2007/PartnerControls"/>
-    </ImageTagsTaxHTField>
-    <TaxCatchAll xmlns="230e9df3-be65-4c73-a93b-d1236ebd677e" xsi:nil="true"/>
-    <MediaServiceKeyPoints xmlns="71af3243-3dd4-4a8d-8c0d-dd76da1f02a5" xsi:nil="true"/>
-  </documentManagement>
-</p:properties>
+<file path=customXml/itemProps1.xml><?xml version="1.0" encoding="utf-8"?>
+<ds:datastoreItem xmlns:ds="http://schemas.openxmlformats.org/officeDocument/2006/customXml" ds:itemID="{3D120E86-8EBF-4A45-BB42-6385F45559D7}">
+  <ds:schemaRefs>
+    <ds:schemaRef ds:uri="http://schemas.microsoft.com/sharepoint/v3/contenttype/forms"/>
+  </ds:schemaRefs>
+</ds:datastoreItem>
 </file>
 
-<file path=customXml/item3.xml><?xml version="1.0" encoding="utf-8"?>
-<?mso-contentType ?>
-<FormTemplates xmlns="http://schemas.microsoft.com/sharepoint/v3/contenttype/forms">
-  <Display>DocumentLibraryForm</Display>
-  <Edit>DocumentLibraryForm</Edit>
-  <New>DocumentLibraryForm</New>
-</FormTemplates>
+<file path=customXml/itemProps2.xml><?xml version="1.0" encoding="utf-8"?>
+<ds:datastoreItem xmlns:ds="http://schemas.openxmlformats.org/officeDocument/2006/customXml" ds:itemID="{1398E2AA-96EA-44F8-9A2C-8D407107E619}">
+  <ds:schemaRefs>
+    <ds:schemaRef ds:uri="http://schemas.microsoft.com/office/2006/metadata/properties"/>
+    <ds:schemaRef ds:uri="http://schemas.microsoft.com/sharepoint/v3"/>
+    <ds:schemaRef ds:uri="230e9df3-be65-4c73-a93b-d1236ebd677e"/>
+    <ds:schemaRef ds:uri="http://purl.org/dc/terms/"/>
+    <ds:schemaRef ds:uri="http://schemas.openxmlformats.org/package/2006/metadata/core-properties"/>
+    <ds:schemaRef ds:uri="16c05727-aa75-4e4a-9b5f-8a80a1165891"/>
+    <ds:schemaRef ds:uri="http://purl.org/dc/dcmitype/"/>
+    <ds:schemaRef ds:uri="http://schemas.microsoft.com/office/infopath/2007/PartnerControls"/>
+    <ds:schemaRef ds:uri="http://schemas.microsoft.com/office/2006/documentManagement/types"/>
+    <ds:schemaRef ds:uri="71af3243-3dd4-4a8d-8c0d-dd76da1f02a5"/>
+    <ds:schemaRef ds:uri="http://www.w3.org/XML/1998/namespace"/>
+    <ds:schemaRef ds:uri="http://purl.org/dc/elements/1.1/"/>
+  </ds:schemaRefs>
+</ds:datastoreItem>
 </file>
 
-<file path=customXml/itemProps1.xml><?xml version="1.0" encoding="utf-8"?>
+<file path=customXml/itemProps3.xml><?xml version="1.0" encoding="utf-8"?>
 <ds:datastoreItem xmlns:ds="http://schemas.openxmlformats.org/officeDocument/2006/customXml" ds:itemID="{B31796BC-EFB4-4758-9E84-D19E82556C05}">
   <ds:schemaRefs>
     <ds:schemaRef ds:uri="http://schemas.microsoft.com/office/2006/metadata/contentType"/>
@@ -13141,33 +13311,6 @@
 </ds:datastoreItem>
 </file>
 
-<file path=customXml/itemProps2.xml><?xml version="1.0" encoding="utf-8"?>
-<ds:datastoreItem xmlns:ds="http://schemas.openxmlformats.org/officeDocument/2006/customXml" ds:itemID="{1398E2AA-96EA-44F8-9A2C-8D407107E619}">
-  <ds:schemaRefs>
-    <ds:schemaRef ds:uri="http://purl.org/dc/elements/1.1/"/>
-    <ds:schemaRef ds:uri="http://schemas.microsoft.com/office/2006/metadata/properties"/>
-    <ds:schemaRef ds:uri="http://schemas.microsoft.com/office/2006/documentManagement/types"/>
-    <ds:schemaRef ds:uri="http://schemas.microsoft.com/office/infopath/2007/PartnerControls"/>
-    <ds:schemaRef ds:uri="http://schemas.microsoft.com/sharepoint/v3"/>
-    <ds:schemaRef ds:uri="230e9df3-be65-4c73-a93b-d1236ebd677e"/>
-    <ds:schemaRef ds:uri="http://purl.org/dc/terms/"/>
-    <ds:schemaRef ds:uri="http://schemas.openxmlformats.org/package/2006/metadata/core-properties"/>
-    <ds:schemaRef ds:uri="16c05727-aa75-4e4a-9b5f-8a80a1165891"/>
-    <ds:schemaRef ds:uri="http://purl.org/dc/dcmitype/"/>
-    <ds:schemaRef ds:uri="71af3243-3dd4-4a8d-8c0d-dd76da1f02a5"/>
-    <ds:schemaRef ds:uri="http://www.w3.org/XML/1998/namespace"/>
-  </ds:schemaRefs>
-</ds:datastoreItem>
-</file>
-
-<file path=customXml/itemProps3.xml><?xml version="1.0" encoding="utf-8"?>
-<ds:datastoreItem xmlns:ds="http://schemas.openxmlformats.org/officeDocument/2006/customXml" ds:itemID="{3D120E86-8EBF-4A45-BB42-6385F45559D7}">
-  <ds:schemaRefs>
-    <ds:schemaRef ds:uri="http://schemas.microsoft.com/sharepoint/v3/contenttype/forms"/>
-  </ds:schemaRefs>
-</ds:datastoreItem>
-</file>
-
 <file path=docMetadata/LabelInfo.xml><?xml version="1.0" encoding="utf-8"?>
 <clbl:labelList xmlns:clbl="http://schemas.microsoft.com/office/2020/mipLabelMetadata"/>
 </file>
--- a/презентация.pptx
+++ b/презентация.pptx
@@ -119,10 +119,10 @@
   </p:defaultTextStyle>
   <p:extLst>
     <p:ext uri="{EFAFB233-063F-42B5-8137-9DF3F51BA10A}">
-      <p15:sldGuideLst xmlns="" xmlns:p15="http://schemas.microsoft.com/office/powerpoint/2012/main"/>
+      <p15:sldGuideLst xmlns:p15="http://schemas.microsoft.com/office/powerpoint/2012/main" xmlns=""/>
     </p:ext>
     <p:ext uri="{2D200454-40CA-4A62-9FC3-DE9A4176ACB9}">
-      <p15:notesGuideLst xmlns="" xmlns:p15="http://schemas.microsoft.com/office/powerpoint/2012/main"/>
+      <p15:notesGuideLst xmlns:p15="http://schemas.microsoft.com/office/powerpoint/2012/main" xmlns=""/>
     </p:ext>
   </p:extLst>
 </p:presentation>
@@ -167,7 +167,7 @@
           <p:cNvPr id="2" name="Header Placeholder 1">
             <a:extLst>
               <a:ext uri="{FF2B5EF4-FFF2-40B4-BE49-F238E27FC236}">
-                <a16:creationId xmlns="" xmlns:a16="http://schemas.microsoft.com/office/drawing/2014/main" id="{25A1D659-9682-BE2B-7FE8-67902A12441F}"/>
+                <a16:creationId xmlns:a16="http://schemas.microsoft.com/office/drawing/2014/main" xmlns="" id="{25A1D659-9682-BE2B-7FE8-67902A12441F}"/>
               </a:ext>
             </a:extLst>
           </p:cNvPr>
@@ -204,7 +204,7 @@
           <p:cNvPr id="3" name="Date Placeholder 2">
             <a:extLst>
               <a:ext uri="{FF2B5EF4-FFF2-40B4-BE49-F238E27FC236}">
-                <a16:creationId xmlns="" xmlns:a16="http://schemas.microsoft.com/office/drawing/2014/main" id="{4DC9DD43-96CB-5A3C-DDAC-DDED88E71848}"/>
+                <a16:creationId xmlns:a16="http://schemas.microsoft.com/office/drawing/2014/main" xmlns="" id="{4DC9DD43-96CB-5A3C-DDAC-DDED88E71848}"/>
               </a:ext>
             </a:extLst>
           </p:cNvPr>
@@ -245,7 +245,7 @@
           <p:cNvPr id="4" name="Footer Placeholder 3">
             <a:extLst>
               <a:ext uri="{FF2B5EF4-FFF2-40B4-BE49-F238E27FC236}">
-                <a16:creationId xmlns="" xmlns:a16="http://schemas.microsoft.com/office/drawing/2014/main" id="{244C9BD9-497A-49AE-566B-AE7A53D6FC90}"/>
+                <a16:creationId xmlns:a16="http://schemas.microsoft.com/office/drawing/2014/main" xmlns="" id="{244C9BD9-497A-49AE-566B-AE7A53D6FC90}"/>
               </a:ext>
             </a:extLst>
           </p:cNvPr>
@@ -282,7 +282,7 @@
           <p:cNvPr id="5" name="Slide Number Placeholder 4">
             <a:extLst>
               <a:ext uri="{FF2B5EF4-FFF2-40B4-BE49-F238E27FC236}">
-                <a16:creationId xmlns="" xmlns:a16="http://schemas.microsoft.com/office/drawing/2014/main" id="{246ABFDD-E1A7-7283-43F9-290FFE047FB6}"/>
+                <a16:creationId xmlns:a16="http://schemas.microsoft.com/office/drawing/2014/main" xmlns="" id="{246ABFDD-E1A7-7283-43F9-290FFE047FB6}"/>
               </a:ext>
             </a:extLst>
           </p:cNvPr>
@@ -1372,10 +1372,10 @@
           <p:cNvPr id="4" name="Graphic 3">
             <a:extLst>
               <a:ext uri="{FF2B5EF4-FFF2-40B4-BE49-F238E27FC236}">
-                <a16:creationId xmlns="" xmlns:a16="http://schemas.microsoft.com/office/drawing/2014/main" id="{BED105B8-FA74-BFE4-E87B-952F8C9E1878}"/>
+                <a16:creationId xmlns:a16="http://schemas.microsoft.com/office/drawing/2014/main" xmlns="" id="{BED105B8-FA74-BFE4-E87B-952F8C9E1878}"/>
               </a:ext>
               <a:ext uri="{C183D7F6-B498-43B3-948B-1728B52AA6E4}">
-                <adec:decorative xmlns="" xmlns:adec="http://schemas.microsoft.com/office/drawing/2017/decorative" val="1"/>
+                <adec:decorative xmlns:adec="http://schemas.microsoft.com/office/drawing/2017/decorative" xmlns="" val="1"/>
               </a:ext>
             </a:extLst>
           </p:cNvPr>
@@ -1391,7 +1391,7 @@
                 <a14:useLocalDpi xmlns:a14="http://schemas.microsoft.com/office/drawing/2010/main" val="0"/>
               </a:ext>
               <a:ext uri="{96DAC541-7B7A-43D3-8B79-37D633B846F1}">
-                <asvg:svgBlip xmlns="" xmlns:asvg="http://schemas.microsoft.com/office/drawing/2016/SVG/main" r:embed="rId3"/>
+                <asvg:svgBlip xmlns:asvg="http://schemas.microsoft.com/office/drawing/2016/SVG/main" xmlns="" r:embed="rId3"/>
               </a:ext>
             </a:extLst>
           </a:blip>
@@ -1414,10 +1414,10 @@
           <p:cNvPr id="5" name="Graphic 4">
             <a:extLst>
               <a:ext uri="{FF2B5EF4-FFF2-40B4-BE49-F238E27FC236}">
-                <a16:creationId xmlns="" xmlns:a16="http://schemas.microsoft.com/office/drawing/2014/main" id="{350CAB61-2CE4-1544-7C29-56035B106E3B}"/>
+                <a16:creationId xmlns:a16="http://schemas.microsoft.com/office/drawing/2014/main" xmlns="" id="{350CAB61-2CE4-1544-7C29-56035B106E3B}"/>
               </a:ext>
               <a:ext uri="{C183D7F6-B498-43B3-948B-1728B52AA6E4}">
-                <adec:decorative xmlns="" xmlns:adec="http://schemas.microsoft.com/office/drawing/2017/decorative" val="1"/>
+                <adec:decorative xmlns:adec="http://schemas.microsoft.com/office/drawing/2017/decorative" xmlns="" val="1"/>
               </a:ext>
             </a:extLst>
           </p:cNvPr>
@@ -1433,7 +1433,7 @@
                 <a14:useLocalDpi xmlns:a14="http://schemas.microsoft.com/office/drawing/2010/main" val="0"/>
               </a:ext>
               <a:ext uri="{96DAC541-7B7A-43D3-8B79-37D633B846F1}">
-                <asvg:svgBlip xmlns="" xmlns:asvg="http://schemas.microsoft.com/office/drawing/2016/SVG/main" r:embed="rId5"/>
+                <asvg:svgBlip xmlns:asvg="http://schemas.microsoft.com/office/drawing/2016/SVG/main" xmlns="" r:embed="rId5"/>
               </a:ext>
             </a:extLst>
           </a:blip>
@@ -1456,10 +1456,10 @@
           <p:cNvPr id="6" name="Rounded Rectangle 5">
             <a:extLst>
               <a:ext uri="{FF2B5EF4-FFF2-40B4-BE49-F238E27FC236}">
-                <a16:creationId xmlns="" xmlns:a16="http://schemas.microsoft.com/office/drawing/2014/main" id="{F7F0F132-0A38-0910-9F59-FD05608FD910}"/>
+                <a16:creationId xmlns:a16="http://schemas.microsoft.com/office/drawing/2014/main" xmlns="" id="{F7F0F132-0A38-0910-9F59-FD05608FD910}"/>
               </a:ext>
               <a:ext uri="{C183D7F6-B498-43B3-948B-1728B52AA6E4}">
-                <adec:decorative xmlns="" xmlns:adec="http://schemas.microsoft.com/office/drawing/2017/decorative" val="1"/>
+                <adec:decorative xmlns:adec="http://schemas.microsoft.com/office/drawing/2017/decorative" xmlns="" val="1"/>
               </a:ext>
             </a:extLst>
           </p:cNvPr>
@@ -1513,10 +1513,10 @@
           <p:cNvPr id="8" name="Freeform 19">
             <a:extLst>
               <a:ext uri="{FF2B5EF4-FFF2-40B4-BE49-F238E27FC236}">
-                <a16:creationId xmlns="" xmlns:a16="http://schemas.microsoft.com/office/drawing/2014/main" id="{0EB495D4-165D-1D97-941A-DF6328D17FEF}"/>
+                <a16:creationId xmlns:a16="http://schemas.microsoft.com/office/drawing/2014/main" xmlns="" id="{0EB495D4-165D-1D97-941A-DF6328D17FEF}"/>
               </a:ext>
               <a:ext uri="{C183D7F6-B498-43B3-948B-1728B52AA6E4}">
-                <adec:decorative xmlns="" xmlns:adec="http://schemas.microsoft.com/office/drawing/2017/decorative" val="1"/>
+                <adec:decorative xmlns:adec="http://schemas.microsoft.com/office/drawing/2017/decorative" xmlns="" val="1"/>
               </a:ext>
             </a:extLst>
           </p:cNvPr>
@@ -1646,10 +1646,10 @@
           <p:cNvPr id="9" name="Freeform 17">
             <a:extLst>
               <a:ext uri="{FF2B5EF4-FFF2-40B4-BE49-F238E27FC236}">
-                <a16:creationId xmlns="" xmlns:a16="http://schemas.microsoft.com/office/drawing/2014/main" id="{FEC3CAC6-583F-07D1-4F38-5C4AFAA6D248}"/>
+                <a16:creationId xmlns:a16="http://schemas.microsoft.com/office/drawing/2014/main" xmlns="" id="{FEC3CAC6-583F-07D1-4F38-5C4AFAA6D248}"/>
               </a:ext>
               <a:ext uri="{C183D7F6-B498-43B3-948B-1728B52AA6E4}">
-                <adec:decorative xmlns="" xmlns:adec="http://schemas.microsoft.com/office/drawing/2017/decorative" val="1"/>
+                <adec:decorative xmlns:adec="http://schemas.microsoft.com/office/drawing/2017/decorative" xmlns="" val="1"/>
               </a:ext>
             </a:extLst>
           </p:cNvPr>
@@ -1779,10 +1779,10 @@
           <p:cNvPr id="12" name="Rounded Rectangle 15">
             <a:extLst>
               <a:ext uri="{FF2B5EF4-FFF2-40B4-BE49-F238E27FC236}">
-                <a16:creationId xmlns="" xmlns:a16="http://schemas.microsoft.com/office/drawing/2014/main" id="{A8EE820E-E5BD-B48E-CD48-33690FF1E30B}"/>
+                <a16:creationId xmlns:a16="http://schemas.microsoft.com/office/drawing/2014/main" xmlns="" id="{A8EE820E-E5BD-B48E-CD48-33690FF1E30B}"/>
               </a:ext>
               <a:ext uri="{C183D7F6-B498-43B3-948B-1728B52AA6E4}">
-                <adec:decorative xmlns="" xmlns:adec="http://schemas.microsoft.com/office/drawing/2017/decorative" val="1"/>
+                <adec:decorative xmlns:adec="http://schemas.microsoft.com/office/drawing/2017/decorative" xmlns="" val="1"/>
               </a:ext>
             </a:extLst>
           </p:cNvPr>
@@ -1836,7 +1836,7 @@
           <p:cNvPr id="2" name="Title 1">
             <a:extLst>
               <a:ext uri="{FF2B5EF4-FFF2-40B4-BE49-F238E27FC236}">
-                <a16:creationId xmlns="" xmlns:a16="http://schemas.microsoft.com/office/drawing/2014/main" id="{494248F2-5264-4601-AA0B-6C092F77F2DD}"/>
+                <a16:creationId xmlns:a16="http://schemas.microsoft.com/office/drawing/2014/main" xmlns="" id="{494248F2-5264-4601-AA0B-6C092F77F2DD}"/>
               </a:ext>
             </a:extLst>
           </p:cNvPr>
@@ -1878,7 +1878,7 @@
           <p:cNvPr id="14" name="Picture Placeholder 13">
             <a:extLst>
               <a:ext uri="{FF2B5EF4-FFF2-40B4-BE49-F238E27FC236}">
-                <a16:creationId xmlns="" xmlns:a16="http://schemas.microsoft.com/office/drawing/2014/main" id="{1F678F28-657B-EB5D-2122-E904530003C6}"/>
+                <a16:creationId xmlns:a16="http://schemas.microsoft.com/office/drawing/2014/main" xmlns="" id="{1F678F28-657B-EB5D-2122-E904530003C6}"/>
               </a:ext>
             </a:extLst>
           </p:cNvPr>
@@ -1952,7 +1952,7 @@
           <p:cNvPr id="2" name="Title 1">
             <a:extLst>
               <a:ext uri="{FF2B5EF4-FFF2-40B4-BE49-F238E27FC236}">
-                <a16:creationId xmlns="" xmlns:a16="http://schemas.microsoft.com/office/drawing/2014/main" id="{3CD97974-B93C-4C96-B3F6-F69E3D6DE6CA}"/>
+                <a16:creationId xmlns:a16="http://schemas.microsoft.com/office/drawing/2014/main" xmlns="" id="{3CD97974-B93C-4C96-B3F6-F69E3D6DE6CA}"/>
               </a:ext>
             </a:extLst>
           </p:cNvPr>
@@ -1991,7 +1991,7 @@
           <p:cNvPr id="7" name="Table Placeholder 6">
             <a:extLst>
               <a:ext uri="{FF2B5EF4-FFF2-40B4-BE49-F238E27FC236}">
-                <a16:creationId xmlns="" xmlns:a16="http://schemas.microsoft.com/office/drawing/2014/main" id="{5F1C082A-519B-82D4-8400-4B8B18A60894}"/>
+                <a16:creationId xmlns:a16="http://schemas.microsoft.com/office/drawing/2014/main" xmlns="" id="{5F1C082A-519B-82D4-8400-4B8B18A60894}"/>
               </a:ext>
             </a:extLst>
           </p:cNvPr>
@@ -2051,7 +2051,7 @@
           <p:cNvPr id="3" name="Footer Placeholder 2">
             <a:extLst>
               <a:ext uri="{FF2B5EF4-FFF2-40B4-BE49-F238E27FC236}">
-                <a16:creationId xmlns="" xmlns:a16="http://schemas.microsoft.com/office/drawing/2014/main" id="{225DE1B4-D56F-A334-1150-6F7C080AD43B}"/>
+                <a16:creationId xmlns:a16="http://schemas.microsoft.com/office/drawing/2014/main" xmlns="" id="{225DE1B4-D56F-A334-1150-6F7C080AD43B}"/>
               </a:ext>
             </a:extLst>
           </p:cNvPr>
@@ -2080,7 +2080,7 @@
           <p:cNvPr id="4" name="Slide Number Placeholder 3">
             <a:extLst>
               <a:ext uri="{FF2B5EF4-FFF2-40B4-BE49-F238E27FC236}">
-                <a16:creationId xmlns="" xmlns:a16="http://schemas.microsoft.com/office/drawing/2014/main" id="{1306C784-B849-5F60-F6DC-9FBFD28ABE86}"/>
+                <a16:creationId xmlns:a16="http://schemas.microsoft.com/office/drawing/2014/main" xmlns="" id="{1306C784-B849-5F60-F6DC-9FBFD28ABE86}"/>
               </a:ext>
             </a:extLst>
           </p:cNvPr>
@@ -2140,10 +2140,10 @@
           <p:cNvPr id="3" name="Rounded Rectangle 4">
             <a:extLst>
               <a:ext uri="{FF2B5EF4-FFF2-40B4-BE49-F238E27FC236}">
-                <a16:creationId xmlns="" xmlns:a16="http://schemas.microsoft.com/office/drawing/2014/main" id="{6BC515DB-7B1C-3370-8F50-08B8416EB09F}"/>
+                <a16:creationId xmlns:a16="http://schemas.microsoft.com/office/drawing/2014/main" xmlns="" id="{6BC515DB-7B1C-3370-8F50-08B8416EB09F}"/>
               </a:ext>
               <a:ext uri="{C183D7F6-B498-43B3-948B-1728B52AA6E4}">
-                <adec:decorative xmlns="" xmlns:adec="http://schemas.microsoft.com/office/drawing/2017/decorative" val="1"/>
+                <adec:decorative xmlns:adec="http://schemas.microsoft.com/office/drawing/2017/decorative" xmlns="" val="1"/>
               </a:ext>
             </a:extLst>
           </p:cNvPr>
@@ -2197,10 +2197,10 @@
           <p:cNvPr id="7" name="Freeform 1">
             <a:extLst>
               <a:ext uri="{FF2B5EF4-FFF2-40B4-BE49-F238E27FC236}">
-                <a16:creationId xmlns="" xmlns:a16="http://schemas.microsoft.com/office/drawing/2014/main" id="{0D15194A-4B0C-6147-8FF2-BB4E50ECC1F5}"/>
+                <a16:creationId xmlns:a16="http://schemas.microsoft.com/office/drawing/2014/main" xmlns="" id="{0D15194A-4B0C-6147-8FF2-BB4E50ECC1F5}"/>
               </a:ext>
               <a:ext uri="{C183D7F6-B498-43B3-948B-1728B52AA6E4}">
-                <adec:decorative xmlns="" xmlns:adec="http://schemas.microsoft.com/office/drawing/2017/decorative" val="1"/>
+                <adec:decorative xmlns:adec="http://schemas.microsoft.com/office/drawing/2017/decorative" xmlns="" val="1"/>
               </a:ext>
             </a:extLst>
           </p:cNvPr>
@@ -2300,10 +2300,10 @@
           <p:cNvPr id="10" name="Graphic 9">
             <a:extLst>
               <a:ext uri="{FF2B5EF4-FFF2-40B4-BE49-F238E27FC236}">
-                <a16:creationId xmlns="" xmlns:a16="http://schemas.microsoft.com/office/drawing/2014/main" id="{7008052E-C579-D93A-9B03-CA08D7460F9B}"/>
+                <a16:creationId xmlns:a16="http://schemas.microsoft.com/office/drawing/2014/main" xmlns="" id="{7008052E-C579-D93A-9B03-CA08D7460F9B}"/>
               </a:ext>
               <a:ext uri="{C183D7F6-B498-43B3-948B-1728B52AA6E4}">
-                <adec:decorative xmlns="" xmlns:adec="http://schemas.microsoft.com/office/drawing/2017/decorative" val="1"/>
+                <adec:decorative xmlns:adec="http://schemas.microsoft.com/office/drawing/2017/decorative" xmlns="" val="1"/>
               </a:ext>
             </a:extLst>
           </p:cNvPr>
@@ -2319,7 +2319,7 @@
                 <a14:useLocalDpi xmlns:a14="http://schemas.microsoft.com/office/drawing/2010/main" val="0"/>
               </a:ext>
               <a:ext uri="{96DAC541-7B7A-43D3-8B79-37D633B846F1}">
-                <asvg:svgBlip xmlns="" xmlns:asvg="http://schemas.microsoft.com/office/drawing/2016/SVG/main" r:embed="rId3"/>
+                <asvg:svgBlip xmlns:asvg="http://schemas.microsoft.com/office/drawing/2016/SVG/main" xmlns="" r:embed="rId3"/>
               </a:ext>
             </a:extLst>
           </a:blip>
@@ -2341,10 +2341,10 @@
           <p:cNvPr id="16" name="Freeform 3">
             <a:extLst>
               <a:ext uri="{FF2B5EF4-FFF2-40B4-BE49-F238E27FC236}">
-                <a16:creationId xmlns="" xmlns:a16="http://schemas.microsoft.com/office/drawing/2014/main" id="{F2EC93D7-B6B6-D315-CBAC-F2062C650B68}"/>
+                <a16:creationId xmlns:a16="http://schemas.microsoft.com/office/drawing/2014/main" xmlns="" id="{F2EC93D7-B6B6-D315-CBAC-F2062C650B68}"/>
               </a:ext>
               <a:ext uri="{C183D7F6-B498-43B3-948B-1728B52AA6E4}">
-                <adec:decorative xmlns="" xmlns:adec="http://schemas.microsoft.com/office/drawing/2017/decorative" val="1"/>
+                <adec:decorative xmlns:adec="http://schemas.microsoft.com/office/drawing/2017/decorative" xmlns="" val="1"/>
               </a:ext>
             </a:extLst>
           </p:cNvPr>
@@ -2471,7 +2471,7 @@
           <p:cNvPr id="2" name="Title 1">
             <a:extLst>
               <a:ext uri="{FF2B5EF4-FFF2-40B4-BE49-F238E27FC236}">
-                <a16:creationId xmlns="" xmlns:a16="http://schemas.microsoft.com/office/drawing/2014/main" id="{494248F2-5264-4601-AA0B-6C092F77F2DD}"/>
+                <a16:creationId xmlns:a16="http://schemas.microsoft.com/office/drawing/2014/main" xmlns="" id="{494248F2-5264-4601-AA0B-6C092F77F2DD}"/>
               </a:ext>
             </a:extLst>
           </p:cNvPr>
@@ -2510,7 +2510,7 @@
           <p:cNvPr id="30" name="Picture Placeholder 29">
             <a:extLst>
               <a:ext uri="{FF2B5EF4-FFF2-40B4-BE49-F238E27FC236}">
-                <a16:creationId xmlns="" xmlns:a16="http://schemas.microsoft.com/office/drawing/2014/main" id="{4E53CBB4-E97E-0645-ABD7-E16233BA0541}"/>
+                <a16:creationId xmlns:a16="http://schemas.microsoft.com/office/drawing/2014/main" xmlns="" id="{4E53CBB4-E97E-0645-ABD7-E16233BA0541}"/>
               </a:ext>
             </a:extLst>
           </p:cNvPr>
@@ -2693,7 +2693,7 @@
           <p:cNvPr id="31" name="Freeform: Shape 30">
             <a:extLst>
               <a:ext uri="{FF2B5EF4-FFF2-40B4-BE49-F238E27FC236}">
-                <a16:creationId xmlns="" xmlns:a16="http://schemas.microsoft.com/office/drawing/2014/main" id="{2DB6AD51-A029-8ED4-DB6D-6563C25C9280}"/>
+                <a16:creationId xmlns:a16="http://schemas.microsoft.com/office/drawing/2014/main" xmlns="" id="{2DB6AD51-A029-8ED4-DB6D-6563C25C9280}"/>
               </a:ext>
             </a:extLst>
           </p:cNvPr>
@@ -2888,10 +2888,10 @@
           <p:cNvPr id="4" name="Graphic 3">
             <a:extLst>
               <a:ext uri="{FF2B5EF4-FFF2-40B4-BE49-F238E27FC236}">
-                <a16:creationId xmlns="" xmlns:a16="http://schemas.microsoft.com/office/drawing/2014/main" id="{A240BB4C-6B8F-357F-ED6F-F587D1FE7DE7}"/>
+                <a16:creationId xmlns:a16="http://schemas.microsoft.com/office/drawing/2014/main" xmlns="" id="{A240BB4C-6B8F-357F-ED6F-F587D1FE7DE7}"/>
               </a:ext>
               <a:ext uri="{C183D7F6-B498-43B3-948B-1728B52AA6E4}">
-                <adec:decorative xmlns="" xmlns:adec="http://schemas.microsoft.com/office/drawing/2017/decorative" val="1"/>
+                <adec:decorative xmlns:adec="http://schemas.microsoft.com/office/drawing/2017/decorative" xmlns="" val="1"/>
               </a:ext>
             </a:extLst>
           </p:cNvPr>
@@ -2907,7 +2907,7 @@
                 <a14:useLocalDpi xmlns:a14="http://schemas.microsoft.com/office/drawing/2010/main" val="0"/>
               </a:ext>
               <a:ext uri="{96DAC541-7B7A-43D3-8B79-37D633B846F1}">
-                <asvg:svgBlip xmlns="" xmlns:asvg="http://schemas.microsoft.com/office/drawing/2016/SVG/main" r:embed="rId3"/>
+                <asvg:svgBlip xmlns:asvg="http://schemas.microsoft.com/office/drawing/2016/SVG/main" xmlns="" r:embed="rId3"/>
               </a:ext>
             </a:extLst>
           </a:blip>
@@ -2929,10 +2929,10 @@
           <p:cNvPr id="5" name="Freeform 5">
             <a:extLst>
               <a:ext uri="{FF2B5EF4-FFF2-40B4-BE49-F238E27FC236}">
-                <a16:creationId xmlns="" xmlns:a16="http://schemas.microsoft.com/office/drawing/2014/main" id="{EC29CEAF-3197-2C9C-F10A-BC9C1D5E707E}"/>
+                <a16:creationId xmlns:a16="http://schemas.microsoft.com/office/drawing/2014/main" xmlns="" id="{EC29CEAF-3197-2C9C-F10A-BC9C1D5E707E}"/>
               </a:ext>
               <a:ext uri="{C183D7F6-B498-43B3-948B-1728B52AA6E4}">
-                <adec:decorative xmlns="" xmlns:adec="http://schemas.microsoft.com/office/drawing/2017/decorative" val="1"/>
+                <adec:decorative xmlns:adec="http://schemas.microsoft.com/office/drawing/2017/decorative" xmlns="" val="1"/>
               </a:ext>
             </a:extLst>
           </p:cNvPr>
@@ -3044,10 +3044,10 @@
           <p:cNvPr id="6" name="Rounded Rectangle 6">
             <a:extLst>
               <a:ext uri="{FF2B5EF4-FFF2-40B4-BE49-F238E27FC236}">
-                <a16:creationId xmlns="" xmlns:a16="http://schemas.microsoft.com/office/drawing/2014/main" id="{990D998F-6A53-4D78-E05B-B6F861387F05}"/>
+                <a16:creationId xmlns:a16="http://schemas.microsoft.com/office/drawing/2014/main" xmlns="" id="{990D998F-6A53-4D78-E05B-B6F861387F05}"/>
               </a:ext>
               <a:ext uri="{C183D7F6-B498-43B3-948B-1728B52AA6E4}">
-                <adec:decorative xmlns="" xmlns:adec="http://schemas.microsoft.com/office/drawing/2017/decorative" val="1"/>
+                <adec:decorative xmlns:adec="http://schemas.microsoft.com/office/drawing/2017/decorative" xmlns="" val="1"/>
               </a:ext>
             </a:extLst>
           </p:cNvPr>
@@ -3101,7 +3101,7 @@
           <p:cNvPr id="2" name="Title 1">
             <a:extLst>
               <a:ext uri="{FF2B5EF4-FFF2-40B4-BE49-F238E27FC236}">
-                <a16:creationId xmlns="" xmlns:a16="http://schemas.microsoft.com/office/drawing/2014/main" id="{3CD97974-B93C-4C96-B3F6-F69E3D6DE6CA}"/>
+                <a16:creationId xmlns:a16="http://schemas.microsoft.com/office/drawing/2014/main" xmlns="" id="{3CD97974-B93C-4C96-B3F6-F69E3D6DE6CA}"/>
               </a:ext>
             </a:extLst>
           </p:cNvPr>
@@ -3140,7 +3140,7 @@
           <p:cNvPr id="3" name="Content Placeholder 2">
             <a:extLst>
               <a:ext uri="{FF2B5EF4-FFF2-40B4-BE49-F238E27FC236}">
-                <a16:creationId xmlns="" xmlns:a16="http://schemas.microsoft.com/office/drawing/2014/main" id="{8A6FC6F2-80B4-49A7-9448-33FE2DF0E967}"/>
+                <a16:creationId xmlns:a16="http://schemas.microsoft.com/office/drawing/2014/main" xmlns="" id="{8A6FC6F2-80B4-49A7-9448-33FE2DF0E967}"/>
               </a:ext>
             </a:extLst>
           </p:cNvPr>
@@ -3275,7 +3275,7 @@
           <p:cNvPr id="15" name="Content Placeholder 2">
             <a:extLst>
               <a:ext uri="{FF2B5EF4-FFF2-40B4-BE49-F238E27FC236}">
-                <a16:creationId xmlns="" xmlns:a16="http://schemas.microsoft.com/office/drawing/2014/main" id="{F92E9A95-2BF4-99BE-F73A-A74D783CE446}"/>
+                <a16:creationId xmlns:a16="http://schemas.microsoft.com/office/drawing/2014/main" xmlns="" id="{F92E9A95-2BF4-99BE-F73A-A74D783CE446}"/>
               </a:ext>
             </a:extLst>
           </p:cNvPr>
@@ -3409,7 +3409,7 @@
           <p:cNvPr id="7" name="Footer Placeholder 6">
             <a:extLst>
               <a:ext uri="{FF2B5EF4-FFF2-40B4-BE49-F238E27FC236}">
-                <a16:creationId xmlns="" xmlns:a16="http://schemas.microsoft.com/office/drawing/2014/main" id="{2565D73C-F16A-968B-391B-24CB7EEB3F1B}"/>
+                <a16:creationId xmlns:a16="http://schemas.microsoft.com/office/drawing/2014/main" xmlns="" id="{2565D73C-F16A-968B-391B-24CB7EEB3F1B}"/>
               </a:ext>
             </a:extLst>
           </p:cNvPr>
@@ -3438,7 +3438,7 @@
           <p:cNvPr id="8" name="Slide Number Placeholder 7">
             <a:extLst>
               <a:ext uri="{FF2B5EF4-FFF2-40B4-BE49-F238E27FC236}">
-                <a16:creationId xmlns="" xmlns:a16="http://schemas.microsoft.com/office/drawing/2014/main" id="{BCDC7A41-1D00-F1B1-08B5-F7E01122C58C}"/>
+                <a16:creationId xmlns:a16="http://schemas.microsoft.com/office/drawing/2014/main" xmlns="" id="{BCDC7A41-1D00-F1B1-08B5-F7E01122C58C}"/>
               </a:ext>
             </a:extLst>
           </p:cNvPr>
@@ -3498,10 +3498,10 @@
           <p:cNvPr id="9" name="Graphic 8">
             <a:extLst>
               <a:ext uri="{FF2B5EF4-FFF2-40B4-BE49-F238E27FC236}">
-                <a16:creationId xmlns="" xmlns:a16="http://schemas.microsoft.com/office/drawing/2014/main" id="{E00F4D10-3ADA-D113-BD21-4AB95DE7F60E}"/>
+                <a16:creationId xmlns:a16="http://schemas.microsoft.com/office/drawing/2014/main" xmlns="" id="{E00F4D10-3ADA-D113-BD21-4AB95DE7F60E}"/>
               </a:ext>
               <a:ext uri="{C183D7F6-B498-43B3-948B-1728B52AA6E4}">
-                <adec:decorative xmlns="" xmlns:adec="http://schemas.microsoft.com/office/drawing/2017/decorative" val="1"/>
+                <adec:decorative xmlns:adec="http://schemas.microsoft.com/office/drawing/2017/decorative" xmlns="" val="1"/>
               </a:ext>
             </a:extLst>
           </p:cNvPr>
@@ -3517,7 +3517,7 @@
                 <a14:useLocalDpi xmlns:a14="http://schemas.microsoft.com/office/drawing/2010/main" val="0"/>
               </a:ext>
               <a:ext uri="{96DAC541-7B7A-43D3-8B79-37D633B846F1}">
-                <asvg:svgBlip xmlns="" xmlns:asvg="http://schemas.microsoft.com/office/drawing/2016/SVG/main" r:embed="rId3"/>
+                <asvg:svgBlip xmlns:asvg="http://schemas.microsoft.com/office/drawing/2016/SVG/main" xmlns="" r:embed="rId3"/>
               </a:ext>
             </a:extLst>
           </a:blip>
@@ -3539,10 +3539,10 @@
           <p:cNvPr id="4" name="Freeform 10">
             <a:extLst>
               <a:ext uri="{FF2B5EF4-FFF2-40B4-BE49-F238E27FC236}">
-                <a16:creationId xmlns="" xmlns:a16="http://schemas.microsoft.com/office/drawing/2014/main" id="{BDBCB359-3984-96FE-AB0E-B343069078E9}"/>
+                <a16:creationId xmlns:a16="http://schemas.microsoft.com/office/drawing/2014/main" xmlns="" id="{BDBCB359-3984-96FE-AB0E-B343069078E9}"/>
               </a:ext>
               <a:ext uri="{C183D7F6-B498-43B3-948B-1728B52AA6E4}">
-                <adec:decorative xmlns="" xmlns:adec="http://schemas.microsoft.com/office/drawing/2017/decorative" val="1"/>
+                <adec:decorative xmlns:adec="http://schemas.microsoft.com/office/drawing/2017/decorative" xmlns="" val="1"/>
               </a:ext>
             </a:extLst>
           </p:cNvPr>
@@ -3680,10 +3680,10 @@
           <p:cNvPr id="5" name="Freeform 8">
             <a:extLst>
               <a:ext uri="{FF2B5EF4-FFF2-40B4-BE49-F238E27FC236}">
-                <a16:creationId xmlns="" xmlns:a16="http://schemas.microsoft.com/office/drawing/2014/main" id="{5E68A3D6-C483-F214-27BA-8B35BF732B19}"/>
+                <a16:creationId xmlns:a16="http://schemas.microsoft.com/office/drawing/2014/main" xmlns="" id="{5E68A3D6-C483-F214-27BA-8B35BF732B19}"/>
               </a:ext>
               <a:ext uri="{C183D7F6-B498-43B3-948B-1728B52AA6E4}">
-                <adec:decorative xmlns="" xmlns:adec="http://schemas.microsoft.com/office/drawing/2017/decorative" val="1"/>
+                <adec:decorative xmlns:adec="http://schemas.microsoft.com/office/drawing/2017/decorative" xmlns="" val="1"/>
               </a:ext>
             </a:extLst>
           </p:cNvPr>
@@ -3813,10 +3813,10 @@
           <p:cNvPr id="6" name="Graphic 5">
             <a:extLst>
               <a:ext uri="{FF2B5EF4-FFF2-40B4-BE49-F238E27FC236}">
-                <a16:creationId xmlns="" xmlns:a16="http://schemas.microsoft.com/office/drawing/2014/main" id="{DE2FBD89-DA8F-ADF1-13DC-2B2C87C370D2}"/>
+                <a16:creationId xmlns:a16="http://schemas.microsoft.com/office/drawing/2014/main" xmlns="" id="{DE2FBD89-DA8F-ADF1-13DC-2B2C87C370D2}"/>
               </a:ext>
               <a:ext uri="{C183D7F6-B498-43B3-948B-1728B52AA6E4}">
-                <adec:decorative xmlns="" xmlns:adec="http://schemas.microsoft.com/office/drawing/2017/decorative" val="1"/>
+                <adec:decorative xmlns:adec="http://schemas.microsoft.com/office/drawing/2017/decorative" xmlns="" val="1"/>
               </a:ext>
             </a:extLst>
           </p:cNvPr>
@@ -3832,7 +3832,7 @@
                 <a14:useLocalDpi xmlns:a14="http://schemas.microsoft.com/office/drawing/2010/main" val="0"/>
               </a:ext>
               <a:ext uri="{96DAC541-7B7A-43D3-8B79-37D633B846F1}">
-                <asvg:svgBlip xmlns="" xmlns:asvg="http://schemas.microsoft.com/office/drawing/2016/SVG/main" r:embed="rId5"/>
+                <asvg:svgBlip xmlns:asvg="http://schemas.microsoft.com/office/drawing/2016/SVG/main" xmlns="" r:embed="rId5"/>
               </a:ext>
             </a:extLst>
           </a:blip>
@@ -3854,7 +3854,7 @@
           <p:cNvPr id="2" name="Title 1">
             <a:extLst>
               <a:ext uri="{FF2B5EF4-FFF2-40B4-BE49-F238E27FC236}">
-                <a16:creationId xmlns="" xmlns:a16="http://schemas.microsoft.com/office/drawing/2014/main" id="{3CD97974-B93C-4C96-B3F6-F69E3D6DE6CA}"/>
+                <a16:creationId xmlns:a16="http://schemas.microsoft.com/office/drawing/2014/main" xmlns="" id="{3CD97974-B93C-4C96-B3F6-F69E3D6DE6CA}"/>
               </a:ext>
             </a:extLst>
           </p:cNvPr>
@@ -3890,7 +3890,7 @@
           <p:cNvPr id="10" name="Picture Placeholder 8">
             <a:extLst>
               <a:ext uri="{FF2B5EF4-FFF2-40B4-BE49-F238E27FC236}">
-                <a16:creationId xmlns="" xmlns:a16="http://schemas.microsoft.com/office/drawing/2014/main" id="{DC8F6DBF-00CE-377D-5D93-8039CDB5B3A6}"/>
+                <a16:creationId xmlns:a16="http://schemas.microsoft.com/office/drawing/2014/main" xmlns="" id="{DC8F6DBF-00CE-377D-5D93-8039CDB5B3A6}"/>
               </a:ext>
             </a:extLst>
           </p:cNvPr>
@@ -4145,7 +4145,7 @@
           <p:cNvPr id="3" name="Content Placeholder 2">
             <a:extLst>
               <a:ext uri="{FF2B5EF4-FFF2-40B4-BE49-F238E27FC236}">
-                <a16:creationId xmlns="" xmlns:a16="http://schemas.microsoft.com/office/drawing/2014/main" id="{8A6FC6F2-80B4-49A7-9448-33FE2DF0E967}"/>
+                <a16:creationId xmlns:a16="http://schemas.microsoft.com/office/drawing/2014/main" xmlns="" id="{8A6FC6F2-80B4-49A7-9448-33FE2DF0E967}"/>
               </a:ext>
             </a:extLst>
           </p:cNvPr>
@@ -4267,7 +4267,7 @@
           <p:cNvPr id="11" name="Circle: Hollow 10">
             <a:extLst>
               <a:ext uri="{FF2B5EF4-FFF2-40B4-BE49-F238E27FC236}">
-                <a16:creationId xmlns="" xmlns:a16="http://schemas.microsoft.com/office/drawing/2014/main" id="{B2F8D782-06EC-940C-F17F-0CED2CF68886}"/>
+                <a16:creationId xmlns:a16="http://schemas.microsoft.com/office/drawing/2014/main" xmlns="" id="{B2F8D782-06EC-940C-F17F-0CED2CF68886}"/>
               </a:ext>
             </a:extLst>
           </p:cNvPr>
@@ -4325,7 +4325,7 @@
           <p:cNvPr id="7" name="Footer Placeholder 6">
             <a:extLst>
               <a:ext uri="{FF2B5EF4-FFF2-40B4-BE49-F238E27FC236}">
-                <a16:creationId xmlns="" xmlns:a16="http://schemas.microsoft.com/office/drawing/2014/main" id="{F42E7812-2B15-FAFC-B703-798C9302B2EF}"/>
+                <a16:creationId xmlns:a16="http://schemas.microsoft.com/office/drawing/2014/main" xmlns="" id="{F42E7812-2B15-FAFC-B703-798C9302B2EF}"/>
               </a:ext>
             </a:extLst>
           </p:cNvPr>
@@ -4354,7 +4354,7 @@
           <p:cNvPr id="8" name="Slide Number Placeholder 7">
             <a:extLst>
               <a:ext uri="{FF2B5EF4-FFF2-40B4-BE49-F238E27FC236}">
-                <a16:creationId xmlns="" xmlns:a16="http://schemas.microsoft.com/office/drawing/2014/main" id="{CDDCB7C6-FF8A-F130-CFBB-79DEA452A51C}"/>
+                <a16:creationId xmlns:a16="http://schemas.microsoft.com/office/drawing/2014/main" xmlns="" id="{CDDCB7C6-FF8A-F130-CFBB-79DEA452A51C}"/>
               </a:ext>
             </a:extLst>
           </p:cNvPr>
@@ -4414,7 +4414,7 @@
           <p:cNvPr id="2" name="Title 1">
             <a:extLst>
               <a:ext uri="{FF2B5EF4-FFF2-40B4-BE49-F238E27FC236}">
-                <a16:creationId xmlns="" xmlns:a16="http://schemas.microsoft.com/office/drawing/2014/main" id="{20B5ED18-7A07-47F1-8056-CD86B076AFE2}"/>
+                <a16:creationId xmlns:a16="http://schemas.microsoft.com/office/drawing/2014/main" xmlns="" id="{20B5ED18-7A07-47F1-8056-CD86B076AFE2}"/>
               </a:ext>
             </a:extLst>
           </p:cNvPr>
@@ -4442,7 +4442,7 @@
           <p:cNvPr id="3" name="Footer Placeholder 2">
             <a:extLst>
               <a:ext uri="{FF2B5EF4-FFF2-40B4-BE49-F238E27FC236}">
-                <a16:creationId xmlns="" xmlns:a16="http://schemas.microsoft.com/office/drawing/2014/main" id="{05EC44D7-9AAD-F106-CAD2-04794BDF76E3}"/>
+                <a16:creationId xmlns:a16="http://schemas.microsoft.com/office/drawing/2014/main" xmlns="" id="{05EC44D7-9AAD-F106-CAD2-04794BDF76E3}"/>
               </a:ext>
             </a:extLst>
           </p:cNvPr>
@@ -4471,7 +4471,7 @@
           <p:cNvPr id="6" name="Slide Number Placeholder 5">
             <a:extLst>
               <a:ext uri="{FF2B5EF4-FFF2-40B4-BE49-F238E27FC236}">
-                <a16:creationId xmlns="" xmlns:a16="http://schemas.microsoft.com/office/drawing/2014/main" id="{91F7369F-CCA5-249D-9978-6BEE7F7AA740}"/>
+                <a16:creationId xmlns:a16="http://schemas.microsoft.com/office/drawing/2014/main" xmlns="" id="{91F7369F-CCA5-249D-9978-6BEE7F7AA740}"/>
               </a:ext>
             </a:extLst>
           </p:cNvPr>
@@ -4531,7 +4531,7 @@
           <p:cNvPr id="2" name="Footer Placeholder 1">
             <a:extLst>
               <a:ext uri="{FF2B5EF4-FFF2-40B4-BE49-F238E27FC236}">
-                <a16:creationId xmlns="" xmlns:a16="http://schemas.microsoft.com/office/drawing/2014/main" id="{13BFC298-BCBF-9536-D950-DEB35893F370}"/>
+                <a16:creationId xmlns:a16="http://schemas.microsoft.com/office/drawing/2014/main" xmlns="" id="{13BFC298-BCBF-9536-D950-DEB35893F370}"/>
               </a:ext>
             </a:extLst>
           </p:cNvPr>
@@ -4560,7 +4560,7 @@
           <p:cNvPr id="5" name="Slide Number Placeholder 4">
             <a:extLst>
               <a:ext uri="{FF2B5EF4-FFF2-40B4-BE49-F238E27FC236}">
-                <a16:creationId xmlns="" xmlns:a16="http://schemas.microsoft.com/office/drawing/2014/main" id="{D39FBDF3-67E1-9C77-E43E-2F80B364EEFC}"/>
+                <a16:creationId xmlns:a16="http://schemas.microsoft.com/office/drawing/2014/main" xmlns="" id="{D39FBDF3-67E1-9C77-E43E-2F80B364EEFC}"/>
               </a:ext>
             </a:extLst>
           </p:cNvPr>
@@ -4620,10 +4620,10 @@
           <p:cNvPr id="10" name="Rounded Rectangle 9">
             <a:extLst>
               <a:ext uri="{FF2B5EF4-FFF2-40B4-BE49-F238E27FC236}">
-                <a16:creationId xmlns="" xmlns:a16="http://schemas.microsoft.com/office/drawing/2014/main" id="{959CC860-7AD2-181E-8740-F1A23EEF8BDC}"/>
+                <a16:creationId xmlns:a16="http://schemas.microsoft.com/office/drawing/2014/main" xmlns="" id="{959CC860-7AD2-181E-8740-F1A23EEF8BDC}"/>
               </a:ext>
               <a:ext uri="{C183D7F6-B498-43B3-948B-1728B52AA6E4}">
-                <adec:decorative xmlns="" xmlns:adec="http://schemas.microsoft.com/office/drawing/2017/decorative" val="1"/>
+                <adec:decorative xmlns:adec="http://schemas.microsoft.com/office/drawing/2017/decorative" xmlns="" val="1"/>
               </a:ext>
             </a:extLst>
           </p:cNvPr>
@@ -4677,10 +4677,10 @@
           <p:cNvPr id="11" name="Graphic 10">
             <a:extLst>
               <a:ext uri="{FF2B5EF4-FFF2-40B4-BE49-F238E27FC236}">
-                <a16:creationId xmlns="" xmlns:a16="http://schemas.microsoft.com/office/drawing/2014/main" id="{7281C8DE-1CE0-D1C2-FDF9-18B9C3D69E28}"/>
+                <a16:creationId xmlns:a16="http://schemas.microsoft.com/office/drawing/2014/main" xmlns="" id="{7281C8DE-1CE0-D1C2-FDF9-18B9C3D69E28}"/>
               </a:ext>
               <a:ext uri="{C183D7F6-B498-43B3-948B-1728B52AA6E4}">
-                <adec:decorative xmlns="" xmlns:adec="http://schemas.microsoft.com/office/drawing/2017/decorative" val="1"/>
+                <adec:decorative xmlns:adec="http://schemas.microsoft.com/office/drawing/2017/decorative" xmlns="" val="1"/>
               </a:ext>
             </a:extLst>
           </p:cNvPr>
@@ -4696,7 +4696,7 @@
                 <a14:useLocalDpi xmlns:a14="http://schemas.microsoft.com/office/drawing/2010/main" val="0"/>
               </a:ext>
               <a:ext uri="{96DAC541-7B7A-43D3-8B79-37D633B846F1}">
-                <asvg:svgBlip xmlns="" xmlns:asvg="http://schemas.microsoft.com/office/drawing/2016/SVG/main" r:embed="rId3"/>
+                <asvg:svgBlip xmlns:asvg="http://schemas.microsoft.com/office/drawing/2016/SVG/main" xmlns="" r:embed="rId3"/>
               </a:ext>
             </a:extLst>
           </a:blip>
@@ -4718,10 +4718,10 @@
           <p:cNvPr id="16" name="Rounded Rectangle 14">
             <a:extLst>
               <a:ext uri="{FF2B5EF4-FFF2-40B4-BE49-F238E27FC236}">
-                <a16:creationId xmlns="" xmlns:a16="http://schemas.microsoft.com/office/drawing/2014/main" id="{F2CFC212-BD96-550A-AC95-A514C6417141}"/>
+                <a16:creationId xmlns:a16="http://schemas.microsoft.com/office/drawing/2014/main" xmlns="" id="{F2CFC212-BD96-550A-AC95-A514C6417141}"/>
               </a:ext>
               <a:ext uri="{C183D7F6-B498-43B3-948B-1728B52AA6E4}">
-                <adec:decorative xmlns="" xmlns:adec="http://schemas.microsoft.com/office/drawing/2017/decorative" val="1"/>
+                <adec:decorative xmlns:adec="http://schemas.microsoft.com/office/drawing/2017/decorative" xmlns="" val="1"/>
               </a:ext>
             </a:extLst>
           </p:cNvPr>
@@ -4775,10 +4775,10 @@
           <p:cNvPr id="17" name="Freeform 15">
             <a:extLst>
               <a:ext uri="{FF2B5EF4-FFF2-40B4-BE49-F238E27FC236}">
-                <a16:creationId xmlns="" xmlns:a16="http://schemas.microsoft.com/office/drawing/2014/main" id="{F99AEEAC-FF4A-0E33-26A8-2D963A6BAC0D}"/>
+                <a16:creationId xmlns:a16="http://schemas.microsoft.com/office/drawing/2014/main" xmlns="" id="{F99AEEAC-FF4A-0E33-26A8-2D963A6BAC0D}"/>
               </a:ext>
               <a:ext uri="{C183D7F6-B498-43B3-948B-1728B52AA6E4}">
-                <adec:decorative xmlns="" xmlns:adec="http://schemas.microsoft.com/office/drawing/2017/decorative" val="1"/>
+                <adec:decorative xmlns:adec="http://schemas.microsoft.com/office/drawing/2017/decorative" xmlns="" val="1"/>
               </a:ext>
             </a:extLst>
           </p:cNvPr>
@@ -4908,7 +4908,7 @@
           <p:cNvPr id="2" name="Title 1">
             <a:extLst>
               <a:ext uri="{FF2B5EF4-FFF2-40B4-BE49-F238E27FC236}">
-                <a16:creationId xmlns="" xmlns:a16="http://schemas.microsoft.com/office/drawing/2014/main" id="{494248F2-5264-4601-AA0B-6C092F77F2DD}"/>
+                <a16:creationId xmlns:a16="http://schemas.microsoft.com/office/drawing/2014/main" xmlns="" id="{494248F2-5264-4601-AA0B-6C092F77F2DD}"/>
               </a:ext>
             </a:extLst>
           </p:cNvPr>
@@ -4947,7 +4947,7 @@
           <p:cNvPr id="41" name="Picture Placeholder 40">
             <a:extLst>
               <a:ext uri="{FF2B5EF4-FFF2-40B4-BE49-F238E27FC236}">
-                <a16:creationId xmlns="" xmlns:a16="http://schemas.microsoft.com/office/drawing/2014/main" id="{397632CB-D12B-61D5-AE6C-29B888CF5189}"/>
+                <a16:creationId xmlns:a16="http://schemas.microsoft.com/office/drawing/2014/main" xmlns="" id="{397632CB-D12B-61D5-AE6C-29B888CF5189}"/>
               </a:ext>
             </a:extLst>
           </p:cNvPr>
@@ -5283,7 +5283,7 @@
           <p:cNvPr id="15" name="Content Placeholder 2">
             <a:extLst>
               <a:ext uri="{FF2B5EF4-FFF2-40B4-BE49-F238E27FC236}">
-                <a16:creationId xmlns="" xmlns:a16="http://schemas.microsoft.com/office/drawing/2014/main" id="{673E1CDE-B1E9-C63B-80D3-45CB15FC2671}"/>
+                <a16:creationId xmlns:a16="http://schemas.microsoft.com/office/drawing/2014/main" xmlns="" id="{673E1CDE-B1E9-C63B-80D3-45CB15FC2671}"/>
               </a:ext>
             </a:extLst>
           </p:cNvPr>
@@ -5368,7 +5368,7 @@
           <p:cNvPr id="4" name="Circle: Hollow 3">
             <a:extLst>
               <a:ext uri="{FF2B5EF4-FFF2-40B4-BE49-F238E27FC236}">
-                <a16:creationId xmlns="" xmlns:a16="http://schemas.microsoft.com/office/drawing/2014/main" id="{BB9B4C44-DD5A-5344-2D5C-F08BAC8BD011}"/>
+                <a16:creationId xmlns:a16="http://schemas.microsoft.com/office/drawing/2014/main" xmlns="" id="{BB9B4C44-DD5A-5344-2D5C-F08BAC8BD011}"/>
               </a:ext>
             </a:extLst>
           </p:cNvPr>
@@ -5429,7 +5429,7 @@
           <p:cNvPr id="47" name="Freeform: Shape 46">
             <a:extLst>
               <a:ext uri="{FF2B5EF4-FFF2-40B4-BE49-F238E27FC236}">
-                <a16:creationId xmlns="" xmlns:a16="http://schemas.microsoft.com/office/drawing/2014/main" id="{7486F694-E877-CFAD-29E0-B4E6CBEFF61F}"/>
+                <a16:creationId xmlns:a16="http://schemas.microsoft.com/office/drawing/2014/main" xmlns="" id="{7486F694-E877-CFAD-29E0-B4E6CBEFF61F}"/>
               </a:ext>
             </a:extLst>
           </p:cNvPr>
@@ -5979,10 +5979,10 @@
           <p:cNvPr id="13" name="Graphic 12">
             <a:extLst>
               <a:ext uri="{FF2B5EF4-FFF2-40B4-BE49-F238E27FC236}">
-                <a16:creationId xmlns="" xmlns:a16="http://schemas.microsoft.com/office/drawing/2014/main" id="{5A99838A-BAEC-33DF-F234-3BE9E19DB860}"/>
+                <a16:creationId xmlns:a16="http://schemas.microsoft.com/office/drawing/2014/main" xmlns="" id="{5A99838A-BAEC-33DF-F234-3BE9E19DB860}"/>
               </a:ext>
               <a:ext uri="{C183D7F6-B498-43B3-948B-1728B52AA6E4}">
-                <adec:decorative xmlns="" xmlns:adec="http://schemas.microsoft.com/office/drawing/2017/decorative" val="1"/>
+                <adec:decorative xmlns:adec="http://schemas.microsoft.com/office/drawing/2017/decorative" xmlns="" val="1"/>
               </a:ext>
             </a:extLst>
           </p:cNvPr>
@@ -5998,7 +5998,7 @@
                 <a14:useLocalDpi xmlns:a14="http://schemas.microsoft.com/office/drawing/2010/main" val="0"/>
               </a:ext>
               <a:ext uri="{96DAC541-7B7A-43D3-8B79-37D633B846F1}">
-                <asvg:svgBlip xmlns="" xmlns:asvg="http://schemas.microsoft.com/office/drawing/2016/SVG/main" r:embed="rId3"/>
+                <asvg:svgBlip xmlns:asvg="http://schemas.microsoft.com/office/drawing/2016/SVG/main" xmlns="" r:embed="rId3"/>
               </a:ext>
             </a:extLst>
           </a:blip>
@@ -6020,10 +6020,10 @@
           <p:cNvPr id="14" name="Graphic 13">
             <a:extLst>
               <a:ext uri="{FF2B5EF4-FFF2-40B4-BE49-F238E27FC236}">
-                <a16:creationId xmlns="" xmlns:a16="http://schemas.microsoft.com/office/drawing/2014/main" id="{97F68367-2C07-B98F-1312-DE9F52974714}"/>
+                <a16:creationId xmlns:a16="http://schemas.microsoft.com/office/drawing/2014/main" xmlns="" id="{97F68367-2C07-B98F-1312-DE9F52974714}"/>
               </a:ext>
               <a:ext uri="{C183D7F6-B498-43B3-948B-1728B52AA6E4}">
-                <adec:decorative xmlns="" xmlns:adec="http://schemas.microsoft.com/office/drawing/2017/decorative" val="1"/>
+                <adec:decorative xmlns:adec="http://schemas.microsoft.com/office/drawing/2017/decorative" xmlns="" val="1"/>
               </a:ext>
             </a:extLst>
           </p:cNvPr>
@@ -6039,7 +6039,7 @@
                 <a14:useLocalDpi xmlns:a14="http://schemas.microsoft.com/office/drawing/2010/main" val="0"/>
               </a:ext>
               <a:ext uri="{96DAC541-7B7A-43D3-8B79-37D633B846F1}">
-                <asvg:svgBlip xmlns="" xmlns:asvg="http://schemas.microsoft.com/office/drawing/2016/SVG/main" r:embed="rId5"/>
+                <asvg:svgBlip xmlns:asvg="http://schemas.microsoft.com/office/drawing/2016/SVG/main" xmlns="" r:embed="rId5"/>
               </a:ext>
             </a:extLst>
           </a:blip>
@@ -6061,10 +6061,10 @@
           <p:cNvPr id="15" name="Freeform 5">
             <a:extLst>
               <a:ext uri="{FF2B5EF4-FFF2-40B4-BE49-F238E27FC236}">
-                <a16:creationId xmlns="" xmlns:a16="http://schemas.microsoft.com/office/drawing/2014/main" id="{EA4CF3B8-63C6-A7E6-1A16-A517CF1537E6}"/>
+                <a16:creationId xmlns:a16="http://schemas.microsoft.com/office/drawing/2014/main" xmlns="" id="{EA4CF3B8-63C6-A7E6-1A16-A517CF1537E6}"/>
               </a:ext>
               <a:ext uri="{C183D7F6-B498-43B3-948B-1728B52AA6E4}">
-                <adec:decorative xmlns="" xmlns:adec="http://schemas.microsoft.com/office/drawing/2017/decorative" val="1"/>
+                <adec:decorative xmlns:adec="http://schemas.microsoft.com/office/drawing/2017/decorative" xmlns="" val="1"/>
               </a:ext>
             </a:extLst>
           </p:cNvPr>
@@ -6176,10 +6176,10 @@
           <p:cNvPr id="16" name="Freeform 6">
             <a:extLst>
               <a:ext uri="{FF2B5EF4-FFF2-40B4-BE49-F238E27FC236}">
-                <a16:creationId xmlns="" xmlns:a16="http://schemas.microsoft.com/office/drawing/2014/main" id="{E30E2D33-308E-4256-37BE-DE3B6C51891A}"/>
+                <a16:creationId xmlns:a16="http://schemas.microsoft.com/office/drawing/2014/main" xmlns="" id="{E30E2D33-308E-4256-37BE-DE3B6C51891A}"/>
               </a:ext>
               <a:ext uri="{C183D7F6-B498-43B3-948B-1728B52AA6E4}">
-                <adec:decorative xmlns="" xmlns:adec="http://schemas.microsoft.com/office/drawing/2017/decorative" val="1"/>
+                <adec:decorative xmlns:adec="http://schemas.microsoft.com/office/drawing/2017/decorative" xmlns="" val="1"/>
               </a:ext>
             </a:extLst>
           </p:cNvPr>
@@ -6309,7 +6309,7 @@
           <p:cNvPr id="2" name="Title 1">
             <a:extLst>
               <a:ext uri="{FF2B5EF4-FFF2-40B4-BE49-F238E27FC236}">
-                <a16:creationId xmlns="" xmlns:a16="http://schemas.microsoft.com/office/drawing/2014/main" id="{3CD97974-B93C-4C96-B3F6-F69E3D6DE6CA}"/>
+                <a16:creationId xmlns:a16="http://schemas.microsoft.com/office/drawing/2014/main" xmlns="" id="{3CD97974-B93C-4C96-B3F6-F69E3D6DE6CA}"/>
               </a:ext>
             </a:extLst>
           </p:cNvPr>
@@ -6348,7 +6348,7 @@
           <p:cNvPr id="3" name="Content Placeholder 2">
             <a:extLst>
               <a:ext uri="{FF2B5EF4-FFF2-40B4-BE49-F238E27FC236}">
-                <a16:creationId xmlns="" xmlns:a16="http://schemas.microsoft.com/office/drawing/2014/main" id="{8A6FC6F2-80B4-49A7-9448-33FE2DF0E967}"/>
+                <a16:creationId xmlns:a16="http://schemas.microsoft.com/office/drawing/2014/main" xmlns="" id="{8A6FC6F2-80B4-49A7-9448-33FE2DF0E967}"/>
               </a:ext>
             </a:extLst>
           </p:cNvPr>
@@ -6433,7 +6433,7 @@
           <p:cNvPr id="4" name="Footer Placeholder 3">
             <a:extLst>
               <a:ext uri="{FF2B5EF4-FFF2-40B4-BE49-F238E27FC236}">
-                <a16:creationId xmlns="" xmlns:a16="http://schemas.microsoft.com/office/drawing/2014/main" id="{59A771C6-AE2A-169D-1961-6A9B07F65741}"/>
+                <a16:creationId xmlns:a16="http://schemas.microsoft.com/office/drawing/2014/main" xmlns="" id="{59A771C6-AE2A-169D-1961-6A9B07F65741}"/>
               </a:ext>
             </a:extLst>
           </p:cNvPr>
@@ -6462,7 +6462,7 @@
           <p:cNvPr id="5" name="Slide Number Placeholder 4">
             <a:extLst>
               <a:ext uri="{FF2B5EF4-FFF2-40B4-BE49-F238E27FC236}">
-                <a16:creationId xmlns="" xmlns:a16="http://schemas.microsoft.com/office/drawing/2014/main" id="{B668C91C-57D3-9B9E-10DD-14689B45B716}"/>
+                <a16:creationId xmlns:a16="http://schemas.microsoft.com/office/drawing/2014/main" xmlns="" id="{B668C91C-57D3-9B9E-10DD-14689B45B716}"/>
               </a:ext>
             </a:extLst>
           </p:cNvPr>
@@ -6522,10 +6522,10 @@
           <p:cNvPr id="4" name="Rounded Rectangle 7">
             <a:extLst>
               <a:ext uri="{FF2B5EF4-FFF2-40B4-BE49-F238E27FC236}">
-                <a16:creationId xmlns="" xmlns:a16="http://schemas.microsoft.com/office/drawing/2014/main" id="{59461A55-24E1-7568-7BA9-8A309336924B}"/>
+                <a16:creationId xmlns:a16="http://schemas.microsoft.com/office/drawing/2014/main" xmlns="" id="{59461A55-24E1-7568-7BA9-8A309336924B}"/>
               </a:ext>
               <a:ext uri="{C183D7F6-B498-43B3-948B-1728B52AA6E4}">
-                <adec:decorative xmlns="" xmlns:adec="http://schemas.microsoft.com/office/drawing/2017/decorative" val="1"/>
+                <adec:decorative xmlns:adec="http://schemas.microsoft.com/office/drawing/2017/decorative" xmlns="" val="1"/>
               </a:ext>
             </a:extLst>
           </p:cNvPr>
@@ -6579,10 +6579,10 @@
           <p:cNvPr id="5" name="Rounded Rectangle 5">
             <a:extLst>
               <a:ext uri="{FF2B5EF4-FFF2-40B4-BE49-F238E27FC236}">
-                <a16:creationId xmlns="" xmlns:a16="http://schemas.microsoft.com/office/drawing/2014/main" id="{4BAAB243-57F0-D7E3-BD79-EDEAFC03E6D4}"/>
+                <a16:creationId xmlns:a16="http://schemas.microsoft.com/office/drawing/2014/main" xmlns="" id="{4BAAB243-57F0-D7E3-BD79-EDEAFC03E6D4}"/>
               </a:ext>
               <a:ext uri="{C183D7F6-B498-43B3-948B-1728B52AA6E4}">
-                <adec:decorative xmlns="" xmlns:adec="http://schemas.microsoft.com/office/drawing/2017/decorative" val="1"/>
+                <adec:decorative xmlns:adec="http://schemas.microsoft.com/office/drawing/2017/decorative" xmlns="" val="1"/>
               </a:ext>
             </a:extLst>
           </p:cNvPr>
@@ -6636,10 +6636,10 @@
           <p:cNvPr id="6" name="Graphic 5">
             <a:extLst>
               <a:ext uri="{FF2B5EF4-FFF2-40B4-BE49-F238E27FC236}">
-                <a16:creationId xmlns="" xmlns:a16="http://schemas.microsoft.com/office/drawing/2014/main" id="{F49DBD24-5A22-C1C0-861E-4CDC352F5244}"/>
+                <a16:creationId xmlns:a16="http://schemas.microsoft.com/office/drawing/2014/main" xmlns="" id="{F49DBD24-5A22-C1C0-861E-4CDC352F5244}"/>
               </a:ext>
               <a:ext uri="{C183D7F6-B498-43B3-948B-1728B52AA6E4}">
-                <adec:decorative xmlns="" xmlns:adec="http://schemas.microsoft.com/office/drawing/2017/decorative" val="1"/>
+                <adec:decorative xmlns:adec="http://schemas.microsoft.com/office/drawing/2017/decorative" xmlns="" val="1"/>
               </a:ext>
             </a:extLst>
           </p:cNvPr>
@@ -6655,7 +6655,7 @@
                 <a14:useLocalDpi xmlns:a14="http://schemas.microsoft.com/office/drawing/2010/main" val="0"/>
               </a:ext>
               <a:ext uri="{96DAC541-7B7A-43D3-8B79-37D633B846F1}">
-                <asvg:svgBlip xmlns="" xmlns:asvg="http://schemas.microsoft.com/office/drawing/2016/SVG/main" r:embed="rId3"/>
+                <asvg:svgBlip xmlns:asvg="http://schemas.microsoft.com/office/drawing/2016/SVG/main" xmlns="" r:embed="rId3"/>
               </a:ext>
             </a:extLst>
           </a:blip>
@@ -6677,7 +6677,7 @@
           <p:cNvPr id="2" name="Title 1">
             <a:extLst>
               <a:ext uri="{FF2B5EF4-FFF2-40B4-BE49-F238E27FC236}">
-                <a16:creationId xmlns="" xmlns:a16="http://schemas.microsoft.com/office/drawing/2014/main" id="{3CD97974-B93C-4C96-B3F6-F69E3D6DE6CA}"/>
+                <a16:creationId xmlns:a16="http://schemas.microsoft.com/office/drawing/2014/main" xmlns="" id="{3CD97974-B93C-4C96-B3F6-F69E3D6DE6CA}"/>
               </a:ext>
             </a:extLst>
           </p:cNvPr>
@@ -6716,7 +6716,7 @@
           <p:cNvPr id="3" name="Content Placeholder 2">
             <a:extLst>
               <a:ext uri="{FF2B5EF4-FFF2-40B4-BE49-F238E27FC236}">
-                <a16:creationId xmlns="" xmlns:a16="http://schemas.microsoft.com/office/drawing/2014/main" id="{8A6FC6F2-80B4-49A7-9448-33FE2DF0E967}"/>
+                <a16:creationId xmlns:a16="http://schemas.microsoft.com/office/drawing/2014/main" xmlns="" id="{8A6FC6F2-80B4-49A7-9448-33FE2DF0E967}"/>
               </a:ext>
             </a:extLst>
           </p:cNvPr>
@@ -6850,7 +6850,7 @@
           <p:cNvPr id="7" name="Footer Placeholder 6">
             <a:extLst>
               <a:ext uri="{FF2B5EF4-FFF2-40B4-BE49-F238E27FC236}">
-                <a16:creationId xmlns="" xmlns:a16="http://schemas.microsoft.com/office/drawing/2014/main" id="{0099172E-C881-44E9-5467-BA33ECCD7A62}"/>
+                <a16:creationId xmlns:a16="http://schemas.microsoft.com/office/drawing/2014/main" xmlns="" id="{0099172E-C881-44E9-5467-BA33ECCD7A62}"/>
               </a:ext>
             </a:extLst>
           </p:cNvPr>
@@ -6879,7 +6879,7 @@
           <p:cNvPr id="8" name="Slide Number Placeholder 7">
             <a:extLst>
               <a:ext uri="{FF2B5EF4-FFF2-40B4-BE49-F238E27FC236}">
-                <a16:creationId xmlns="" xmlns:a16="http://schemas.microsoft.com/office/drawing/2014/main" id="{7FDF938C-5CEB-5C7A-0721-D88C7A8A4531}"/>
+                <a16:creationId xmlns:a16="http://schemas.microsoft.com/office/drawing/2014/main" xmlns="" id="{7FDF938C-5CEB-5C7A-0721-D88C7A8A4531}"/>
               </a:ext>
             </a:extLst>
           </p:cNvPr>
@@ -6939,10 +6939,10 @@
           <p:cNvPr id="7" name="Freeform 3">
             <a:extLst>
               <a:ext uri="{FF2B5EF4-FFF2-40B4-BE49-F238E27FC236}">
-                <a16:creationId xmlns="" xmlns:a16="http://schemas.microsoft.com/office/drawing/2014/main" id="{118CD2E6-847D-7319-53AD-33D7B5F46585}"/>
+                <a16:creationId xmlns:a16="http://schemas.microsoft.com/office/drawing/2014/main" xmlns="" id="{118CD2E6-847D-7319-53AD-33D7B5F46585}"/>
               </a:ext>
               <a:ext uri="{C183D7F6-B498-43B3-948B-1728B52AA6E4}">
-                <adec:decorative xmlns="" xmlns:adec="http://schemas.microsoft.com/office/drawing/2017/decorative" val="1"/>
+                <adec:decorative xmlns:adec="http://schemas.microsoft.com/office/drawing/2017/decorative" xmlns="" val="1"/>
               </a:ext>
             </a:extLst>
           </p:cNvPr>
@@ -7042,10 +7042,10 @@
           <p:cNvPr id="8" name="Graphic 7">
             <a:extLst>
               <a:ext uri="{FF2B5EF4-FFF2-40B4-BE49-F238E27FC236}">
-                <a16:creationId xmlns="" xmlns:a16="http://schemas.microsoft.com/office/drawing/2014/main" id="{2ABDF0DF-C2C4-90E3-5019-F4F9496B0BAE}"/>
+                <a16:creationId xmlns:a16="http://schemas.microsoft.com/office/drawing/2014/main" xmlns="" id="{2ABDF0DF-C2C4-90E3-5019-F4F9496B0BAE}"/>
               </a:ext>
               <a:ext uri="{C183D7F6-B498-43B3-948B-1728B52AA6E4}">
-                <adec:decorative xmlns="" xmlns:adec="http://schemas.microsoft.com/office/drawing/2017/decorative" val="1"/>
+                <adec:decorative xmlns:adec="http://schemas.microsoft.com/office/drawing/2017/decorative" xmlns="" val="1"/>
               </a:ext>
             </a:extLst>
           </p:cNvPr>
@@ -7061,7 +7061,7 @@
                 <a14:useLocalDpi xmlns:a14="http://schemas.microsoft.com/office/drawing/2010/main" val="0"/>
               </a:ext>
               <a:ext uri="{96DAC541-7B7A-43D3-8B79-37D633B846F1}">
-                <asvg:svgBlip xmlns="" xmlns:asvg="http://schemas.microsoft.com/office/drawing/2016/SVG/main" r:embed="rId3"/>
+                <asvg:svgBlip xmlns:asvg="http://schemas.microsoft.com/office/drawing/2016/SVG/main" xmlns="" r:embed="rId3"/>
               </a:ext>
             </a:extLst>
           </a:blip>
@@ -7083,10 +7083,10 @@
           <p:cNvPr id="10" name="Graphic 9">
             <a:extLst>
               <a:ext uri="{FF2B5EF4-FFF2-40B4-BE49-F238E27FC236}">
-                <a16:creationId xmlns="" xmlns:a16="http://schemas.microsoft.com/office/drawing/2014/main" id="{906063E2-8FA6-3FA8-50F0-710C2DABE183}"/>
+                <a16:creationId xmlns:a16="http://schemas.microsoft.com/office/drawing/2014/main" xmlns="" id="{906063E2-8FA6-3FA8-50F0-710C2DABE183}"/>
               </a:ext>
               <a:ext uri="{C183D7F6-B498-43B3-948B-1728B52AA6E4}">
-                <adec:decorative xmlns="" xmlns:adec="http://schemas.microsoft.com/office/drawing/2017/decorative" val="1"/>
+                <adec:decorative xmlns:adec="http://schemas.microsoft.com/office/drawing/2017/decorative" xmlns="" val="1"/>
               </a:ext>
             </a:extLst>
           </p:cNvPr>
@@ -7102,7 +7102,7 @@
                 <a14:useLocalDpi xmlns:a14="http://schemas.microsoft.com/office/drawing/2010/main" val="0"/>
               </a:ext>
               <a:ext uri="{96DAC541-7B7A-43D3-8B79-37D633B846F1}">
-                <asvg:svgBlip xmlns="" xmlns:asvg="http://schemas.microsoft.com/office/drawing/2016/SVG/main" r:embed="rId5"/>
+                <asvg:svgBlip xmlns:asvg="http://schemas.microsoft.com/office/drawing/2016/SVG/main" xmlns="" r:embed="rId5"/>
               </a:ext>
             </a:extLst>
           </a:blip>
@@ -7124,10 +7124,10 @@
           <p:cNvPr id="11" name="Rounded Rectangle 7">
             <a:extLst>
               <a:ext uri="{FF2B5EF4-FFF2-40B4-BE49-F238E27FC236}">
-                <a16:creationId xmlns="" xmlns:a16="http://schemas.microsoft.com/office/drawing/2014/main" id="{6DA7FCDE-54E0-5546-8AC9-AC281A4748AE}"/>
+                <a16:creationId xmlns:a16="http://schemas.microsoft.com/office/drawing/2014/main" xmlns="" id="{6DA7FCDE-54E0-5546-8AC9-AC281A4748AE}"/>
               </a:ext>
               <a:ext uri="{C183D7F6-B498-43B3-948B-1728B52AA6E4}">
-                <adec:decorative xmlns="" xmlns:adec="http://schemas.microsoft.com/office/drawing/2017/decorative" val="1"/>
+                <adec:decorative xmlns:adec="http://schemas.microsoft.com/office/drawing/2017/decorative" xmlns="" val="1"/>
               </a:ext>
             </a:extLst>
           </p:cNvPr>
@@ -7183,7 +7183,7 @@
           <p:cNvPr id="2" name="Title 1">
             <a:extLst>
               <a:ext uri="{FF2B5EF4-FFF2-40B4-BE49-F238E27FC236}">
-                <a16:creationId xmlns="" xmlns:a16="http://schemas.microsoft.com/office/drawing/2014/main" id="{3CD97974-B93C-4C96-B3F6-F69E3D6DE6CA}"/>
+                <a16:creationId xmlns:a16="http://schemas.microsoft.com/office/drawing/2014/main" xmlns="" id="{3CD97974-B93C-4C96-B3F6-F69E3D6DE6CA}"/>
               </a:ext>
             </a:extLst>
           </p:cNvPr>
@@ -7219,7 +7219,7 @@
           <p:cNvPr id="3" name="Content Placeholder 2">
             <a:extLst>
               <a:ext uri="{FF2B5EF4-FFF2-40B4-BE49-F238E27FC236}">
-                <a16:creationId xmlns="" xmlns:a16="http://schemas.microsoft.com/office/drawing/2014/main" id="{8A6FC6F2-80B4-49A7-9448-33FE2DF0E967}"/>
+                <a16:creationId xmlns:a16="http://schemas.microsoft.com/office/drawing/2014/main" xmlns="" id="{8A6FC6F2-80B4-49A7-9448-33FE2DF0E967}"/>
               </a:ext>
             </a:extLst>
           </p:cNvPr>
@@ -7335,10 +7335,10 @@
           <p:cNvPr id="31" name="Picture Placeholder 30">
             <a:extLst>
               <a:ext uri="{FF2B5EF4-FFF2-40B4-BE49-F238E27FC236}">
-                <a16:creationId xmlns="" xmlns:a16="http://schemas.microsoft.com/office/drawing/2014/main" id="{4BE4E254-2D24-97F7-EBB1-212D2F9D9A59}"/>
+                <a16:creationId xmlns:a16="http://schemas.microsoft.com/office/drawing/2014/main" xmlns="" id="{4BE4E254-2D24-97F7-EBB1-212D2F9D9A59}"/>
               </a:ext>
               <a:ext uri="{C183D7F6-B498-43B3-948B-1728B52AA6E4}">
-                <adec:decorative xmlns="" xmlns:adec="http://schemas.microsoft.com/office/drawing/2017/decorative" val="0"/>
+                <adec:decorative xmlns:adec="http://schemas.microsoft.com/office/drawing/2017/decorative" xmlns="" val="0"/>
               </a:ext>
             </a:extLst>
           </p:cNvPr>
@@ -7454,7 +7454,7 @@
           <p:cNvPr id="4" name="Footer Placeholder 3">
             <a:extLst>
               <a:ext uri="{FF2B5EF4-FFF2-40B4-BE49-F238E27FC236}">
-                <a16:creationId xmlns="" xmlns:a16="http://schemas.microsoft.com/office/drawing/2014/main" id="{DD95610F-FEC3-8E4A-0EA8-EE29C1F2D287}"/>
+                <a16:creationId xmlns:a16="http://schemas.microsoft.com/office/drawing/2014/main" xmlns="" id="{DD95610F-FEC3-8E4A-0EA8-EE29C1F2D287}"/>
               </a:ext>
             </a:extLst>
           </p:cNvPr>
@@ -7483,7 +7483,7 @@
           <p:cNvPr id="5" name="Slide Number Placeholder 4">
             <a:extLst>
               <a:ext uri="{FF2B5EF4-FFF2-40B4-BE49-F238E27FC236}">
-                <a16:creationId xmlns="" xmlns:a16="http://schemas.microsoft.com/office/drawing/2014/main" id="{7B67399D-ED8C-5779-C0DF-EDCB9294E114}"/>
+                <a16:creationId xmlns:a16="http://schemas.microsoft.com/office/drawing/2014/main" xmlns="" id="{7B67399D-ED8C-5779-C0DF-EDCB9294E114}"/>
               </a:ext>
             </a:extLst>
           </p:cNvPr>
@@ -7543,10 +7543,10 @@
           <p:cNvPr id="7" name="Graphic 6">
             <a:extLst>
               <a:ext uri="{FF2B5EF4-FFF2-40B4-BE49-F238E27FC236}">
-                <a16:creationId xmlns="" xmlns:a16="http://schemas.microsoft.com/office/drawing/2014/main" id="{3E27CF34-9469-9733-919F-E9312CF54519}"/>
+                <a16:creationId xmlns:a16="http://schemas.microsoft.com/office/drawing/2014/main" xmlns="" id="{3E27CF34-9469-9733-919F-E9312CF54519}"/>
               </a:ext>
               <a:ext uri="{C183D7F6-B498-43B3-948B-1728B52AA6E4}">
-                <adec:decorative xmlns="" xmlns:adec="http://schemas.microsoft.com/office/drawing/2017/decorative" val="1"/>
+                <adec:decorative xmlns:adec="http://schemas.microsoft.com/office/drawing/2017/decorative" xmlns="" val="1"/>
               </a:ext>
             </a:extLst>
           </p:cNvPr>
@@ -7562,7 +7562,7 @@
                 <a14:useLocalDpi xmlns:a14="http://schemas.microsoft.com/office/drawing/2010/main" val="0"/>
               </a:ext>
               <a:ext uri="{96DAC541-7B7A-43D3-8B79-37D633B846F1}">
-                <asvg:svgBlip xmlns="" xmlns:asvg="http://schemas.microsoft.com/office/drawing/2016/SVG/main" r:embed="rId3"/>
+                <asvg:svgBlip xmlns:asvg="http://schemas.microsoft.com/office/drawing/2016/SVG/main" xmlns="" r:embed="rId3"/>
               </a:ext>
             </a:extLst>
           </a:blip>
@@ -7584,10 +7584,10 @@
           <p:cNvPr id="8" name="Rounded Rectangle 10">
             <a:extLst>
               <a:ext uri="{FF2B5EF4-FFF2-40B4-BE49-F238E27FC236}">
-                <a16:creationId xmlns="" xmlns:a16="http://schemas.microsoft.com/office/drawing/2014/main" id="{4D009256-DF45-9756-82A0-864EE4B56F1A}"/>
+                <a16:creationId xmlns:a16="http://schemas.microsoft.com/office/drawing/2014/main" xmlns="" id="{4D009256-DF45-9756-82A0-864EE4B56F1A}"/>
               </a:ext>
               <a:ext uri="{C183D7F6-B498-43B3-948B-1728B52AA6E4}">
-                <adec:decorative xmlns="" xmlns:adec="http://schemas.microsoft.com/office/drawing/2017/decorative" val="1"/>
+                <adec:decorative xmlns:adec="http://schemas.microsoft.com/office/drawing/2017/decorative" xmlns="" val="1"/>
               </a:ext>
             </a:extLst>
           </p:cNvPr>
@@ -7641,7 +7641,7 @@
           <p:cNvPr id="2" name="Title 1">
             <a:extLst>
               <a:ext uri="{FF2B5EF4-FFF2-40B4-BE49-F238E27FC236}">
-                <a16:creationId xmlns="" xmlns:a16="http://schemas.microsoft.com/office/drawing/2014/main" id="{3CD97974-B93C-4C96-B3F6-F69E3D6DE6CA}"/>
+                <a16:creationId xmlns:a16="http://schemas.microsoft.com/office/drawing/2014/main" xmlns="" id="{3CD97974-B93C-4C96-B3F6-F69E3D6DE6CA}"/>
               </a:ext>
             </a:extLst>
           </p:cNvPr>
@@ -7680,7 +7680,7 @@
           <p:cNvPr id="3" name="Content Placeholder 2">
             <a:extLst>
               <a:ext uri="{FF2B5EF4-FFF2-40B4-BE49-F238E27FC236}">
-                <a16:creationId xmlns="" xmlns:a16="http://schemas.microsoft.com/office/drawing/2014/main" id="{8A6FC6F2-80B4-49A7-9448-33FE2DF0E967}"/>
+                <a16:creationId xmlns:a16="http://schemas.microsoft.com/office/drawing/2014/main" xmlns="" id="{8A6FC6F2-80B4-49A7-9448-33FE2DF0E967}"/>
               </a:ext>
             </a:extLst>
           </p:cNvPr>
@@ -7801,7 +7801,7 @@
           <p:cNvPr id="12" name="Content Placeholder 11">
             <a:extLst>
               <a:ext uri="{FF2B5EF4-FFF2-40B4-BE49-F238E27FC236}">
-                <a16:creationId xmlns="" xmlns:a16="http://schemas.microsoft.com/office/drawing/2014/main" id="{7A9B7174-F745-1118-0FC3-785D2D913E0A}"/>
+                <a16:creationId xmlns:a16="http://schemas.microsoft.com/office/drawing/2014/main" xmlns="" id="{7A9B7174-F745-1118-0FC3-785D2D913E0A}"/>
               </a:ext>
             </a:extLst>
           </p:cNvPr>
@@ -7901,7 +7901,7 @@
           <p:cNvPr id="4" name="Footer Placeholder 3">
             <a:extLst>
               <a:ext uri="{FF2B5EF4-FFF2-40B4-BE49-F238E27FC236}">
-                <a16:creationId xmlns="" xmlns:a16="http://schemas.microsoft.com/office/drawing/2014/main" id="{9008BE64-1ED0-01C3-D968-D9BD086534DE}"/>
+                <a16:creationId xmlns:a16="http://schemas.microsoft.com/office/drawing/2014/main" xmlns="" id="{9008BE64-1ED0-01C3-D968-D9BD086534DE}"/>
               </a:ext>
             </a:extLst>
           </p:cNvPr>
@@ -7930,7 +7930,7 @@
           <p:cNvPr id="5" name="Slide Number Placeholder 4">
             <a:extLst>
               <a:ext uri="{FF2B5EF4-FFF2-40B4-BE49-F238E27FC236}">
-                <a16:creationId xmlns="" xmlns:a16="http://schemas.microsoft.com/office/drawing/2014/main" id="{89C90BF0-A318-491B-96D3-12A05A22DB19}"/>
+                <a16:creationId xmlns:a16="http://schemas.microsoft.com/office/drawing/2014/main" xmlns="" id="{89C90BF0-A318-491B-96D3-12A05A22DB19}"/>
               </a:ext>
             </a:extLst>
           </p:cNvPr>
@@ -7990,10 +7990,10 @@
           <p:cNvPr id="7" name="Graphic 6">
             <a:extLst>
               <a:ext uri="{FF2B5EF4-FFF2-40B4-BE49-F238E27FC236}">
-                <a16:creationId xmlns="" xmlns:a16="http://schemas.microsoft.com/office/drawing/2014/main" id="{0F43DDC4-8BB2-AA02-91FD-EAE7DEAA2DD1}"/>
+                <a16:creationId xmlns:a16="http://schemas.microsoft.com/office/drawing/2014/main" xmlns="" id="{0F43DDC4-8BB2-AA02-91FD-EAE7DEAA2DD1}"/>
               </a:ext>
               <a:ext uri="{C183D7F6-B498-43B3-948B-1728B52AA6E4}">
-                <adec:decorative xmlns="" xmlns:adec="http://schemas.microsoft.com/office/drawing/2017/decorative" val="1"/>
+                <adec:decorative xmlns:adec="http://schemas.microsoft.com/office/drawing/2017/decorative" xmlns="" val="1"/>
               </a:ext>
             </a:extLst>
           </p:cNvPr>
@@ -8009,7 +8009,7 @@
                 <a14:useLocalDpi xmlns:a14="http://schemas.microsoft.com/office/drawing/2010/main" val="0"/>
               </a:ext>
               <a:ext uri="{96DAC541-7B7A-43D3-8B79-37D633B846F1}">
-                <asvg:svgBlip xmlns="" xmlns:asvg="http://schemas.microsoft.com/office/drawing/2016/SVG/main" r:embed="rId3"/>
+                <asvg:svgBlip xmlns:asvg="http://schemas.microsoft.com/office/drawing/2016/SVG/main" xmlns="" r:embed="rId3"/>
               </a:ext>
             </a:extLst>
           </a:blip>
@@ -8031,10 +8031,10 @@
           <p:cNvPr id="8" name="Graphic 7">
             <a:extLst>
               <a:ext uri="{FF2B5EF4-FFF2-40B4-BE49-F238E27FC236}">
-                <a16:creationId xmlns="" xmlns:a16="http://schemas.microsoft.com/office/drawing/2014/main" id="{32E19359-DD62-C6C3-FEF4-EEA0F835B8C9}"/>
+                <a16:creationId xmlns:a16="http://schemas.microsoft.com/office/drawing/2014/main" xmlns="" id="{32E19359-DD62-C6C3-FEF4-EEA0F835B8C9}"/>
               </a:ext>
               <a:ext uri="{C183D7F6-B498-43B3-948B-1728B52AA6E4}">
-                <adec:decorative xmlns="" xmlns:adec="http://schemas.microsoft.com/office/drawing/2017/decorative" val="1"/>
+                <adec:decorative xmlns:adec="http://schemas.microsoft.com/office/drawing/2017/decorative" xmlns="" val="1"/>
               </a:ext>
             </a:extLst>
           </p:cNvPr>
@@ -8050,7 +8050,7 @@
                 <a14:useLocalDpi xmlns:a14="http://schemas.microsoft.com/office/drawing/2010/main" val="0"/>
               </a:ext>
               <a:ext uri="{96DAC541-7B7A-43D3-8B79-37D633B846F1}">
-                <asvg:svgBlip xmlns="" xmlns:asvg="http://schemas.microsoft.com/office/drawing/2016/SVG/main" r:embed="rId5"/>
+                <asvg:svgBlip xmlns:asvg="http://schemas.microsoft.com/office/drawing/2016/SVG/main" xmlns="" r:embed="rId5"/>
               </a:ext>
             </a:extLst>
           </a:blip>
@@ -8072,7 +8072,7 @@
           <p:cNvPr id="2" name="Title 1">
             <a:extLst>
               <a:ext uri="{FF2B5EF4-FFF2-40B4-BE49-F238E27FC236}">
-                <a16:creationId xmlns="" xmlns:a16="http://schemas.microsoft.com/office/drawing/2014/main" id="{3CD97974-B93C-4C96-B3F6-F69E3D6DE6CA}"/>
+                <a16:creationId xmlns:a16="http://schemas.microsoft.com/office/drawing/2014/main" xmlns="" id="{3CD97974-B93C-4C96-B3F6-F69E3D6DE6CA}"/>
               </a:ext>
             </a:extLst>
           </p:cNvPr>
@@ -8111,7 +8111,7 @@
           <p:cNvPr id="5" name="Picture Placeholder 4">
             <a:extLst>
               <a:ext uri="{FF2B5EF4-FFF2-40B4-BE49-F238E27FC236}">
-                <a16:creationId xmlns="" xmlns:a16="http://schemas.microsoft.com/office/drawing/2014/main" id="{0AFD7DD8-34E5-E7A6-C7E1-DF8BA895A4FF}"/>
+                <a16:creationId xmlns:a16="http://schemas.microsoft.com/office/drawing/2014/main" xmlns="" id="{0AFD7DD8-34E5-E7A6-C7E1-DF8BA895A4FF}"/>
               </a:ext>
             </a:extLst>
           </p:cNvPr>
@@ -8274,7 +8274,7 @@
           <p:cNvPr id="3" name="Content Placeholder 2">
             <a:extLst>
               <a:ext uri="{FF2B5EF4-FFF2-40B4-BE49-F238E27FC236}">
-                <a16:creationId xmlns="" xmlns:a16="http://schemas.microsoft.com/office/drawing/2014/main" id="{8A6FC6F2-80B4-49A7-9448-33FE2DF0E967}"/>
+                <a16:creationId xmlns:a16="http://schemas.microsoft.com/office/drawing/2014/main" xmlns="" id="{8A6FC6F2-80B4-49A7-9448-33FE2DF0E967}"/>
               </a:ext>
             </a:extLst>
           </p:cNvPr>
@@ -8409,10 +8409,10 @@
           <p:cNvPr id="6" name="Freeform 14">
             <a:extLst>
               <a:ext uri="{FF2B5EF4-FFF2-40B4-BE49-F238E27FC236}">
-                <a16:creationId xmlns="" xmlns:a16="http://schemas.microsoft.com/office/drawing/2014/main" id="{439C7FB7-7536-309C-3DB4-92ECAE60965B}"/>
+                <a16:creationId xmlns:a16="http://schemas.microsoft.com/office/drawing/2014/main" xmlns="" id="{439C7FB7-7536-309C-3DB4-92ECAE60965B}"/>
               </a:ext>
               <a:ext uri="{C183D7F6-B498-43B3-948B-1728B52AA6E4}">
-                <adec:decorative xmlns="" xmlns:adec="http://schemas.microsoft.com/office/drawing/2017/decorative" val="1"/>
+                <adec:decorative xmlns:adec="http://schemas.microsoft.com/office/drawing/2017/decorative" xmlns="" val="1"/>
               </a:ext>
             </a:extLst>
           </p:cNvPr>
@@ -8572,10 +8572,10 @@
           <p:cNvPr id="11" name="Rounded Rectangle 4">
             <a:extLst>
               <a:ext uri="{FF2B5EF4-FFF2-40B4-BE49-F238E27FC236}">
-                <a16:creationId xmlns="" xmlns:a16="http://schemas.microsoft.com/office/drawing/2014/main" id="{75CECFB8-0CE3-408B-9CC5-1A38ADFC8D17}"/>
+                <a16:creationId xmlns:a16="http://schemas.microsoft.com/office/drawing/2014/main" xmlns="" id="{75CECFB8-0CE3-408B-9CC5-1A38ADFC8D17}"/>
               </a:ext>
               <a:ext uri="{C183D7F6-B498-43B3-948B-1728B52AA6E4}">
-                <adec:decorative xmlns="" xmlns:adec="http://schemas.microsoft.com/office/drawing/2017/decorative" val="1"/>
+                <adec:decorative xmlns:adec="http://schemas.microsoft.com/office/drawing/2017/decorative" xmlns="" val="1"/>
               </a:ext>
             </a:extLst>
           </p:cNvPr>
@@ -8629,10 +8629,10 @@
           <p:cNvPr id="12" name="Graphic 11">
             <a:extLst>
               <a:ext uri="{FF2B5EF4-FFF2-40B4-BE49-F238E27FC236}">
-                <a16:creationId xmlns="" xmlns:a16="http://schemas.microsoft.com/office/drawing/2014/main" id="{2B44AE87-6B2D-BEFC-BB5E-B20A5A75A581}"/>
+                <a16:creationId xmlns:a16="http://schemas.microsoft.com/office/drawing/2014/main" xmlns="" id="{2B44AE87-6B2D-BEFC-BB5E-B20A5A75A581}"/>
               </a:ext>
               <a:ext uri="{C183D7F6-B498-43B3-948B-1728B52AA6E4}">
-                <adec:decorative xmlns="" xmlns:adec="http://schemas.microsoft.com/office/drawing/2017/decorative" val="1"/>
+                <adec:decorative xmlns:adec="http://schemas.microsoft.com/office/drawing/2017/decorative" xmlns="" val="1"/>
               </a:ext>
             </a:extLst>
           </p:cNvPr>
@@ -8648,7 +8648,7 @@
                 <a14:useLocalDpi xmlns:a14="http://schemas.microsoft.com/office/drawing/2010/main" val="0"/>
               </a:ext>
               <a:ext uri="{96DAC541-7B7A-43D3-8B79-37D633B846F1}">
-                <asvg:svgBlip xmlns="" xmlns:asvg="http://schemas.microsoft.com/office/drawing/2016/SVG/main" r:embed="rId3"/>
+                <asvg:svgBlip xmlns:asvg="http://schemas.microsoft.com/office/drawing/2016/SVG/main" xmlns="" r:embed="rId3"/>
               </a:ext>
             </a:extLst>
           </a:blip>
@@ -8670,7 +8670,7 @@
           <p:cNvPr id="2" name="Title 1">
             <a:extLst>
               <a:ext uri="{FF2B5EF4-FFF2-40B4-BE49-F238E27FC236}">
-                <a16:creationId xmlns="" xmlns:a16="http://schemas.microsoft.com/office/drawing/2014/main" id="{3CD97974-B93C-4C96-B3F6-F69E3D6DE6CA}"/>
+                <a16:creationId xmlns:a16="http://schemas.microsoft.com/office/drawing/2014/main" xmlns="" id="{3CD97974-B93C-4C96-B3F6-F69E3D6DE6CA}"/>
               </a:ext>
             </a:extLst>
           </p:cNvPr>
@@ -8709,7 +8709,7 @@
           <p:cNvPr id="3" name="Content Placeholder 2">
             <a:extLst>
               <a:ext uri="{FF2B5EF4-FFF2-40B4-BE49-F238E27FC236}">
-                <a16:creationId xmlns="" xmlns:a16="http://schemas.microsoft.com/office/drawing/2014/main" id="{8A6FC6F2-80B4-49A7-9448-33FE2DF0E967}"/>
+                <a16:creationId xmlns:a16="http://schemas.microsoft.com/office/drawing/2014/main" xmlns="" id="{8A6FC6F2-80B4-49A7-9448-33FE2DF0E967}"/>
               </a:ext>
             </a:extLst>
           </p:cNvPr>
@@ -8843,7 +8843,7 @@
           <p:cNvPr id="15" name="Content Placeholder 2">
             <a:extLst>
               <a:ext uri="{FF2B5EF4-FFF2-40B4-BE49-F238E27FC236}">
-                <a16:creationId xmlns="" xmlns:a16="http://schemas.microsoft.com/office/drawing/2014/main" id="{F92E9A95-2BF4-99BE-F73A-A74D783CE446}"/>
+                <a16:creationId xmlns:a16="http://schemas.microsoft.com/office/drawing/2014/main" xmlns="" id="{F92E9A95-2BF4-99BE-F73A-A74D783CE446}"/>
               </a:ext>
             </a:extLst>
           </p:cNvPr>
@@ -8977,7 +8977,7 @@
           <p:cNvPr id="4" name="Footer Placeholder 3">
             <a:extLst>
               <a:ext uri="{FF2B5EF4-FFF2-40B4-BE49-F238E27FC236}">
-                <a16:creationId xmlns="" xmlns:a16="http://schemas.microsoft.com/office/drawing/2014/main" id="{CAAC286E-C3C5-BAF8-4E8F-9FEA0BB0195D}"/>
+                <a16:creationId xmlns:a16="http://schemas.microsoft.com/office/drawing/2014/main" xmlns="" id="{CAAC286E-C3C5-BAF8-4E8F-9FEA0BB0195D}"/>
               </a:ext>
             </a:extLst>
           </p:cNvPr>
@@ -9006,7 +9006,7 @@
           <p:cNvPr id="5" name="Slide Number Placeholder 4">
             <a:extLst>
               <a:ext uri="{FF2B5EF4-FFF2-40B4-BE49-F238E27FC236}">
-                <a16:creationId xmlns="" xmlns:a16="http://schemas.microsoft.com/office/drawing/2014/main" id="{4C561ED0-675C-92F8-9C64-A3276393E5F2}"/>
+                <a16:creationId xmlns:a16="http://schemas.microsoft.com/office/drawing/2014/main" xmlns="" id="{4C561ED0-675C-92F8-9C64-A3276393E5F2}"/>
               </a:ext>
             </a:extLst>
           </p:cNvPr>
@@ -9066,7 +9066,7 @@
           <p:cNvPr id="2" name="Title 1">
             <a:extLst>
               <a:ext uri="{FF2B5EF4-FFF2-40B4-BE49-F238E27FC236}">
-                <a16:creationId xmlns="" xmlns:a16="http://schemas.microsoft.com/office/drawing/2014/main" id="{3CD97974-B93C-4C96-B3F6-F69E3D6DE6CA}"/>
+                <a16:creationId xmlns:a16="http://schemas.microsoft.com/office/drawing/2014/main" xmlns="" id="{3CD97974-B93C-4C96-B3F6-F69E3D6DE6CA}"/>
               </a:ext>
             </a:extLst>
           </p:cNvPr>
@@ -9105,7 +9105,7 @@
           <p:cNvPr id="3" name="Content Placeholder 2">
             <a:extLst>
               <a:ext uri="{FF2B5EF4-FFF2-40B4-BE49-F238E27FC236}">
-                <a16:creationId xmlns="" xmlns:a16="http://schemas.microsoft.com/office/drawing/2014/main" id="{8A6FC6F2-80B4-49A7-9448-33FE2DF0E967}"/>
+                <a16:creationId xmlns:a16="http://schemas.microsoft.com/office/drawing/2014/main" xmlns="" id="{8A6FC6F2-80B4-49A7-9448-33FE2DF0E967}"/>
               </a:ext>
             </a:extLst>
           </p:cNvPr>
@@ -9240,7 +9240,7 @@
           <p:cNvPr id="7" name="Table Placeholder 6">
             <a:extLst>
               <a:ext uri="{FF2B5EF4-FFF2-40B4-BE49-F238E27FC236}">
-                <a16:creationId xmlns="" xmlns:a16="http://schemas.microsoft.com/office/drawing/2014/main" id="{5F1C082A-519B-82D4-8400-4B8B18A60894}"/>
+                <a16:creationId xmlns:a16="http://schemas.microsoft.com/office/drawing/2014/main" xmlns="" id="{5F1C082A-519B-82D4-8400-4B8B18A60894}"/>
               </a:ext>
             </a:extLst>
           </p:cNvPr>
@@ -9277,7 +9277,7 @@
           <p:cNvPr id="4" name="Footer Placeholder 3">
             <a:extLst>
               <a:ext uri="{FF2B5EF4-FFF2-40B4-BE49-F238E27FC236}">
-                <a16:creationId xmlns="" xmlns:a16="http://schemas.microsoft.com/office/drawing/2014/main" id="{1527E877-BE1A-AA4C-671E-9D8452925BFD}"/>
+                <a16:creationId xmlns:a16="http://schemas.microsoft.com/office/drawing/2014/main" xmlns="" id="{1527E877-BE1A-AA4C-671E-9D8452925BFD}"/>
               </a:ext>
             </a:extLst>
           </p:cNvPr>
@@ -9306,7 +9306,7 @@
           <p:cNvPr id="5" name="Slide Number Placeholder 4">
             <a:extLst>
               <a:ext uri="{FF2B5EF4-FFF2-40B4-BE49-F238E27FC236}">
-                <a16:creationId xmlns="" xmlns:a16="http://schemas.microsoft.com/office/drawing/2014/main" id="{C717DD65-3907-1BC6-7EB8-E6248DFAA8DA}"/>
+                <a16:creationId xmlns:a16="http://schemas.microsoft.com/office/drawing/2014/main" xmlns="" id="{C717DD65-3907-1BC6-7EB8-E6248DFAA8DA}"/>
               </a:ext>
             </a:extLst>
           </p:cNvPr>
@@ -9371,7 +9371,7 @@
           <p:cNvPr id="7" name="Rectangle 6">
             <a:extLst>
               <a:ext uri="{FF2B5EF4-FFF2-40B4-BE49-F238E27FC236}">
-                <a16:creationId xmlns="" xmlns:a16="http://schemas.microsoft.com/office/drawing/2014/main" id="{2AA97309-2E1F-F812-D384-402EC7900D26}"/>
+                <a16:creationId xmlns:a16="http://schemas.microsoft.com/office/drawing/2014/main" xmlns="" id="{2AA97309-2E1F-F812-D384-402EC7900D26}"/>
               </a:ext>
             </a:extLst>
           </p:cNvPr>
@@ -9427,7 +9427,7 @@
           <p:cNvPr id="2" name="Title Placeholder 1">
             <a:extLst>
               <a:ext uri="{FF2B5EF4-FFF2-40B4-BE49-F238E27FC236}">
-                <a16:creationId xmlns="" xmlns:a16="http://schemas.microsoft.com/office/drawing/2014/main" id="{9198F9AA-2C87-421D-97C1-B4248DFDC2C2}"/>
+                <a16:creationId xmlns:a16="http://schemas.microsoft.com/office/drawing/2014/main" xmlns="" id="{9198F9AA-2C87-421D-97C1-B4248DFDC2C2}"/>
               </a:ext>
             </a:extLst>
           </p:cNvPr>
@@ -9465,7 +9465,7 @@
           <p:cNvPr id="3" name="Text Placeholder 2">
             <a:extLst>
               <a:ext uri="{FF2B5EF4-FFF2-40B4-BE49-F238E27FC236}">
-                <a16:creationId xmlns="" xmlns:a16="http://schemas.microsoft.com/office/drawing/2014/main" id="{AE98FC63-C8D2-4CE6-A3F1-EE8ED24590C4}"/>
+                <a16:creationId xmlns:a16="http://schemas.microsoft.com/office/drawing/2014/main" xmlns="" id="{AE98FC63-C8D2-4CE6-A3F1-EE8ED24590C4}"/>
               </a:ext>
             </a:extLst>
           </p:cNvPr>
@@ -9532,7 +9532,7 @@
           <p:cNvPr id="5" name="Footer Placeholder 4">
             <a:extLst>
               <a:ext uri="{FF2B5EF4-FFF2-40B4-BE49-F238E27FC236}">
-                <a16:creationId xmlns="" xmlns:a16="http://schemas.microsoft.com/office/drawing/2014/main" id="{60567522-C3B6-46EB-A361-BEC2510B00CA}"/>
+                <a16:creationId xmlns:a16="http://schemas.microsoft.com/office/drawing/2014/main" xmlns="" id="{60567522-C3B6-46EB-A361-BEC2510B00CA}"/>
               </a:ext>
             </a:extLst>
           </p:cNvPr>
@@ -9580,7 +9580,7 @@
           <p:cNvPr id="6" name="Slide Number Placeholder 5">
             <a:extLst>
               <a:ext uri="{FF2B5EF4-FFF2-40B4-BE49-F238E27FC236}">
-                <a16:creationId xmlns="" xmlns:a16="http://schemas.microsoft.com/office/drawing/2014/main" id="{CDC57CF0-034F-450D-937C-718D5AF1A059}"/>
+                <a16:creationId xmlns:a16="http://schemas.microsoft.com/office/drawing/2014/main" xmlns="" id="{CDC57CF0-034F-450D-937C-718D5AF1A059}"/>
               </a:ext>
             </a:extLst>
           </p:cNvPr>
@@ -9950,7 +9950,7 @@
   </p:txStyles>
   <p:extLst>
     <p:ext uri="{27BBF7A9-308A-43DC-89C8-2F10F3537804}">
-      <p15:sldGuideLst xmlns="" xmlns:p15="http://schemas.microsoft.com/office/powerpoint/2012/main">
+      <p15:sldGuideLst xmlns:p15="http://schemas.microsoft.com/office/powerpoint/2012/main" xmlns="">
         <p15:guide id="1" orient="horz" pos="2160" userDrawn="1">
           <p15:clr>
             <a:srgbClr val="A4A3A4"/>
@@ -10071,7 +10071,7 @@
           <p:cNvPr id="2" name="Title 1">
             <a:extLst>
               <a:ext uri="{FF2B5EF4-FFF2-40B4-BE49-F238E27FC236}">
-                <a16:creationId xmlns="" xmlns:a16="http://schemas.microsoft.com/office/drawing/2014/main" id="{51DF3D98-3C30-4CFC-8643-C81E829C8C25}"/>
+                <a16:creationId xmlns:a16="http://schemas.microsoft.com/office/drawing/2014/main" xmlns="" id="{51DF3D98-3C30-4CFC-8643-C81E829C8C25}"/>
               </a:ext>
             </a:extLst>
           </p:cNvPr>
@@ -10125,7 +10125,7 @@
           <p:cNvPr id="4" name="Title 1">
             <a:extLst>
               <a:ext uri="{FF2B5EF4-FFF2-40B4-BE49-F238E27FC236}">
-                <a16:creationId xmlns="" xmlns:a16="http://schemas.microsoft.com/office/drawing/2014/main" id="{51DF3D98-3C30-4CFC-8643-C81E829C8C25}"/>
+                <a16:creationId xmlns:a16="http://schemas.microsoft.com/office/drawing/2014/main" xmlns="" id="{51DF3D98-3C30-4CFC-8643-C81E829C8C25}"/>
               </a:ext>
             </a:extLst>
           </p:cNvPr>
@@ -10255,7 +10255,7 @@
           <p:cNvPr id="2" name="Title 1">
             <a:extLst>
               <a:ext uri="{FF2B5EF4-FFF2-40B4-BE49-F238E27FC236}">
-                <a16:creationId xmlns="" xmlns:a16="http://schemas.microsoft.com/office/drawing/2014/main" id="{9968B8C1-5051-6D93-D1A7-8C93D190644B}"/>
+                <a16:creationId xmlns:a16="http://schemas.microsoft.com/office/drawing/2014/main" xmlns="" id="{9968B8C1-5051-6D93-D1A7-8C93D190644B}"/>
               </a:ext>
             </a:extLst>
           </p:cNvPr>
@@ -10289,7 +10289,7 @@
           <p:cNvPr id="3" name="Content Placeholder 2">
             <a:extLst>
               <a:ext uri="{FF2B5EF4-FFF2-40B4-BE49-F238E27FC236}">
-                <a16:creationId xmlns="" xmlns:a16="http://schemas.microsoft.com/office/drawing/2014/main" id="{F568205F-9380-69F5-4FD3-18A8E791D1EF}"/>
+                <a16:creationId xmlns:a16="http://schemas.microsoft.com/office/drawing/2014/main" xmlns="" id="{F568205F-9380-69F5-4FD3-18A8E791D1EF}"/>
               </a:ext>
             </a:extLst>
           </p:cNvPr>
@@ -10333,7 +10333,7 @@
           <p:cNvPr id="4" name="Slide Number Placeholder 3">
             <a:extLst>
               <a:ext uri="{FF2B5EF4-FFF2-40B4-BE49-F238E27FC236}">
-                <a16:creationId xmlns="" xmlns:a16="http://schemas.microsoft.com/office/drawing/2014/main" id="{08B49117-1289-49FF-B8DF-0CA38A436F79}"/>
+                <a16:creationId xmlns:a16="http://schemas.microsoft.com/office/drawing/2014/main" xmlns="" id="{08B49117-1289-49FF-B8DF-0CA38A436F79}"/>
               </a:ext>
             </a:extLst>
           </p:cNvPr>
@@ -10368,7 +10368,7 @@
           <p:cNvPr id="5" name="Title 1">
             <a:extLst>
               <a:ext uri="{FF2B5EF4-FFF2-40B4-BE49-F238E27FC236}">
-                <a16:creationId xmlns="" xmlns:a16="http://schemas.microsoft.com/office/drawing/2014/main" id="{6C3E8B7A-E552-34ED-FADF-0CCD01F8FA29}"/>
+                <a16:creationId xmlns:a16="http://schemas.microsoft.com/office/drawing/2014/main" xmlns="" id="{6C3E8B7A-E552-34ED-FADF-0CCD01F8FA29}"/>
               </a:ext>
             </a:extLst>
           </p:cNvPr>
@@ -10426,7 +10426,7 @@
           <p:cNvPr id="6" name="Content Placeholder 4">
             <a:extLst>
               <a:ext uri="{FF2B5EF4-FFF2-40B4-BE49-F238E27FC236}">
-                <a16:creationId xmlns="" xmlns:a16="http://schemas.microsoft.com/office/drawing/2014/main" id="{AEBFE9FE-79C1-AC5A-B40D-6C6A67749E02}"/>
+                <a16:creationId xmlns:a16="http://schemas.microsoft.com/office/drawing/2014/main" xmlns="" id="{AEBFE9FE-79C1-AC5A-B40D-6C6A67749E02}"/>
               </a:ext>
             </a:extLst>
           </p:cNvPr>
@@ -10708,7 +10708,7 @@
           <p:cNvPr id="3" name="Title 2">
             <a:extLst>
               <a:ext uri="{FF2B5EF4-FFF2-40B4-BE49-F238E27FC236}">
-                <a16:creationId xmlns="" xmlns:a16="http://schemas.microsoft.com/office/drawing/2014/main" id="{B247D5AC-B956-C28E-70B3-4272C8158516}"/>
+                <a16:creationId xmlns:a16="http://schemas.microsoft.com/office/drawing/2014/main" xmlns="" id="{B247D5AC-B956-C28E-70B3-4272C8158516}"/>
               </a:ext>
             </a:extLst>
           </p:cNvPr>
@@ -10809,7 +10809,7 @@
           <p:cNvPr id="11" name="Title 10">
             <a:extLst>
               <a:ext uri="{FF2B5EF4-FFF2-40B4-BE49-F238E27FC236}">
-                <a16:creationId xmlns="" xmlns:a16="http://schemas.microsoft.com/office/drawing/2014/main" id="{033CEA6B-4142-ECF5-60D8-01B3C818CBF9}"/>
+                <a16:creationId xmlns:a16="http://schemas.microsoft.com/office/drawing/2014/main" xmlns="" id="{033CEA6B-4142-ECF5-60D8-01B3C818CBF9}"/>
               </a:ext>
             </a:extLst>
           </p:cNvPr>
@@ -10843,7 +10843,7 @@
           <p:cNvPr id="12" name="Content Placeholder 11">
             <a:extLst>
               <a:ext uri="{FF2B5EF4-FFF2-40B4-BE49-F238E27FC236}">
-                <a16:creationId xmlns="" xmlns:a16="http://schemas.microsoft.com/office/drawing/2014/main" id="{7E49ECDA-6D4E-B9D0-3B4E-BF0F9B64CF75}"/>
+                <a16:creationId xmlns:a16="http://schemas.microsoft.com/office/drawing/2014/main" xmlns="" id="{7E49ECDA-6D4E-B9D0-3B4E-BF0F9B64CF75}"/>
               </a:ext>
             </a:extLst>
           </p:cNvPr>
@@ -10939,7 +10939,7 @@
           <p:cNvPr id="7" name="Title 6">
             <a:extLst>
               <a:ext uri="{FF2B5EF4-FFF2-40B4-BE49-F238E27FC236}">
-                <a16:creationId xmlns="" xmlns:a16="http://schemas.microsoft.com/office/drawing/2014/main" id="{A0C46EA4-FA3A-3B93-0312-90D2A0E382A6}"/>
+                <a16:creationId xmlns:a16="http://schemas.microsoft.com/office/drawing/2014/main" xmlns="" id="{A0C46EA4-FA3A-3B93-0312-90D2A0E382A6}"/>
               </a:ext>
             </a:extLst>
           </p:cNvPr>
@@ -10975,7 +10975,7 @@
           <p:cNvPr id="8" name="Content Placeholder 11">
             <a:extLst>
               <a:ext uri="{FF2B5EF4-FFF2-40B4-BE49-F238E27FC236}">
-                <a16:creationId xmlns="" xmlns:a16="http://schemas.microsoft.com/office/drawing/2014/main" id="{7E49ECDA-6D4E-B9D0-3B4E-BF0F9B64CF75}"/>
+                <a16:creationId xmlns:a16="http://schemas.microsoft.com/office/drawing/2014/main" xmlns="" id="{7E49ECDA-6D4E-B9D0-3B4E-BF0F9B64CF75}"/>
               </a:ext>
             </a:extLst>
           </p:cNvPr>
@@ -11246,7 +11246,7 @@
           <p:cNvPr id="6" name="Title 5">
             <a:extLst>
               <a:ext uri="{FF2B5EF4-FFF2-40B4-BE49-F238E27FC236}">
-                <a16:creationId xmlns="" xmlns:a16="http://schemas.microsoft.com/office/drawing/2014/main" id="{4A4D17A1-8087-CD47-DE70-1ACD7DC0594B}"/>
+                <a16:creationId xmlns:a16="http://schemas.microsoft.com/office/drawing/2014/main" xmlns="" id="{4A4D17A1-8087-CD47-DE70-1ACD7DC0594B}"/>
               </a:ext>
             </a:extLst>
           </p:cNvPr>
@@ -11280,7 +11280,7 @@
           <p:cNvPr id="7" name="Content Placeholder 6">
             <a:extLst>
               <a:ext uri="{FF2B5EF4-FFF2-40B4-BE49-F238E27FC236}">
-                <a16:creationId xmlns="" xmlns:a16="http://schemas.microsoft.com/office/drawing/2014/main" id="{8077B2EF-B06B-3A20-C707-01959780BB4D}"/>
+                <a16:creationId xmlns:a16="http://schemas.microsoft.com/office/drawing/2014/main" xmlns="" id="{8077B2EF-B06B-3A20-C707-01959780BB4D}"/>
               </a:ext>
             </a:extLst>
           </p:cNvPr>
@@ -11332,10 +11332,10 @@
           <p:cNvPr id="5" name="Slide Number Placeholder 5">
             <a:extLst>
               <a:ext uri="{FF2B5EF4-FFF2-40B4-BE49-F238E27FC236}">
-                <a16:creationId xmlns="" xmlns:a16="http://schemas.microsoft.com/office/drawing/2014/main" id="{B835CE9C-DAB0-52EA-F980-2A54B5651685}"/>
+                <a16:creationId xmlns:a16="http://schemas.microsoft.com/office/drawing/2014/main" xmlns="" id="{B835CE9C-DAB0-52EA-F980-2A54B5651685}"/>
               </a:ext>
               <a:ext uri="{C183D7F6-B498-43B3-948B-1728B52AA6E4}">
-                <adec:decorative xmlns="" xmlns:adec="http://schemas.microsoft.com/office/drawing/2017/decorative" val="1"/>
+                <adec:decorative xmlns:adec="http://schemas.microsoft.com/office/drawing/2017/decorative" xmlns="" val="1"/>
               </a:ext>
             </a:extLst>
           </p:cNvPr>
@@ -11538,7 +11538,7 @@
           <p:cNvPr id="2" name="Title 1">
             <a:extLst>
               <a:ext uri="{FF2B5EF4-FFF2-40B4-BE49-F238E27FC236}">
-                <a16:creationId xmlns="" xmlns:a16="http://schemas.microsoft.com/office/drawing/2014/main" id="{6C3E8B7A-E552-34ED-FADF-0CCD01F8FA29}"/>
+                <a16:creationId xmlns:a16="http://schemas.microsoft.com/office/drawing/2014/main" xmlns="" id="{6C3E8B7A-E552-34ED-FADF-0CCD01F8FA29}"/>
               </a:ext>
             </a:extLst>
           </p:cNvPr>
@@ -11571,7 +11571,7 @@
           <p:cNvPr id="5" name="Content Placeholder 4">
             <a:extLst>
               <a:ext uri="{FF2B5EF4-FFF2-40B4-BE49-F238E27FC236}">
-                <a16:creationId xmlns="" xmlns:a16="http://schemas.microsoft.com/office/drawing/2014/main" id="{AEBFE9FE-79C1-AC5A-B40D-6C6A67749E02}"/>
+                <a16:creationId xmlns:a16="http://schemas.microsoft.com/office/drawing/2014/main" xmlns="" id="{AEBFE9FE-79C1-AC5A-B40D-6C6A67749E02}"/>
               </a:ext>
             </a:extLst>
           </p:cNvPr>
@@ -11824,7 +11824,7 @@
           <p:cNvPr id="3" name="Slide Number Placeholder 2">
             <a:extLst>
               <a:ext uri="{FF2B5EF4-FFF2-40B4-BE49-F238E27FC236}">
-                <a16:creationId xmlns="" xmlns:a16="http://schemas.microsoft.com/office/drawing/2014/main" id="{83DBDDDA-99A1-41E2-FC16-37E042566824}"/>
+                <a16:creationId xmlns:a16="http://schemas.microsoft.com/office/drawing/2014/main" xmlns="" id="{83DBDDDA-99A1-41E2-FC16-37E042566824}"/>
               </a:ext>
             </a:extLst>
           </p:cNvPr>
@@ -11889,7 +11889,7 @@
           <p:cNvPr id="4" name="Title 3">
             <a:extLst>
               <a:ext uri="{FF2B5EF4-FFF2-40B4-BE49-F238E27FC236}">
-                <a16:creationId xmlns="" xmlns:a16="http://schemas.microsoft.com/office/drawing/2014/main" id="{4ACACC79-C1CA-C770-77EE-C9533849C64F}"/>
+                <a16:creationId xmlns:a16="http://schemas.microsoft.com/office/drawing/2014/main" xmlns="" id="{4ACACC79-C1CA-C770-77EE-C9533849C64F}"/>
               </a:ext>
             </a:extLst>
           </p:cNvPr>
@@ -11929,7 +11929,7 @@
           <p:cNvPr id="2" name="Slide Number Placeholder 1">
             <a:extLst>
               <a:ext uri="{FF2B5EF4-FFF2-40B4-BE49-F238E27FC236}">
-                <a16:creationId xmlns="" xmlns:a16="http://schemas.microsoft.com/office/drawing/2014/main" id="{AF192F5C-AA21-323C-9221-52EE38375481}"/>
+                <a16:creationId xmlns:a16="http://schemas.microsoft.com/office/drawing/2014/main" xmlns="" id="{AF192F5C-AA21-323C-9221-52EE38375481}"/>
               </a:ext>
             </a:extLst>
           </p:cNvPr>
@@ -12059,14 +12059,14 @@
       </p:sp>
       <p:pic>
         <p:nvPicPr>
-          <p:cNvPr id="1030" name="Picture 6" descr="C:\Users\lenak\Downloads\Screenshot_20240426_152627_org.telegram.messenger_edit_424107221780076 (1).jpg"/>
+          <p:cNvPr id="1026" name="Picture 2" descr="C:\Users\lenak\Downloads\Screenshot_20240426_161720.jpg"/>
           <p:cNvPicPr>
             <a:picLocks noChangeAspect="1" noChangeArrowheads="1"/>
           </p:cNvPicPr>
           <p:nvPr/>
         </p:nvPicPr>
         <p:blipFill>
-          <a:blip r:embed="rId4" cstate="print">
+          <a:blip r:embed="rId4">
             <a:extLst>
               <a:ext uri="{28A0092B-C50C-407E-A947-70E740481C1C}">
                 <a14:useLocalDpi xmlns:a14="http://schemas.microsoft.com/office/drawing/2010/main" val="0"/>
@@ -12080,8 +12080,8 @@
         </p:blipFill>
         <p:spPr bwMode="auto">
           <a:xfrm>
-            <a:off x="9062721" y="452755"/>
-            <a:ext cx="2704142" cy="3185130"/>
+            <a:off x="9004300" y="312738"/>
+            <a:ext cx="2974340" cy="3501912"/>
           </a:xfrm>
           <a:prstGeom prst="rect">
             <a:avLst/>
@@ -12306,7 +12306,7 @@
   <a:extraClrSchemeLst/>
   <a:extLst>
     <a:ext uri="{05A4C25C-085E-4340-85A3-A5531E510DB2}">
-      <thm15:themeFamily xmlns="" xmlns:thm15="http://schemas.microsoft.com/office/thememl/2012/main" name="TM11161285_win32_SL_V10" id="{EDA0DED9-7866-43C7-AAE0-FF2BF7894006}" vid="{392D8875-CB51-4401-81BF-DCAE09DF2896}"/>
+      <thm15:themeFamily xmlns:thm15="http://schemas.microsoft.com/office/thememl/2012/main" xmlns="" name="TM11161285_win32_SL_V10" id="{EDA0DED9-7866-43C7-AAE0-FF2BF7894006}" vid="{392D8875-CB51-4401-81BF-DCAE09DF2896}"/>
     </a:ext>
   </a:extLst>
 </a:theme>
@@ -12601,7 +12601,7 @@
   <a:extraClrSchemeLst/>
   <a:extLst>
     <a:ext uri="{05A4C25C-085E-4340-85A3-A5531E510DB2}">
-      <thm15:themeFamily xmlns="" xmlns:thm15="http://schemas.microsoft.com/office/thememl/2012/main" name="Office Theme" id="{62F939B6-93AF-4DB8-9C6B-D6C7DFDC589F}" vid="{4A3C46E8-61CC-4603-A589-7422A47A8E4A}"/>
+      <thm15:themeFamily xmlns:thm15="http://schemas.microsoft.com/office/thememl/2012/main" xmlns="" name="Office Theme" id="{62F939B6-93AF-4DB8-9C6B-D6C7DFDC589F}" vid="{4A3C46E8-61CC-4603-A589-7422A47A8E4A}"/>
     </a:ext>
   </a:extLst>
 </a:theme>
@@ -12916,42 +12916,13 @@
   <a:extraClrSchemeLst/>
   <a:extLst>
     <a:ext uri="{05A4C25C-085E-4340-85A3-A5531E510DB2}">
-      <thm15:themeFamily xmlns="" xmlns:thm15="http://schemas.microsoft.com/office/thememl/2012/main" name="Office Theme" id="{2E142A2C-CD16-42D6-873A-C26D2A0506FA}" vid="{1BDDFF52-6CD6-40A5-AB3C-68EB2F1E4D0A}"/>
+      <thm15:themeFamily xmlns:thm15="http://schemas.microsoft.com/office/thememl/2012/main" xmlns="" name="Office Theme" id="{2E142A2C-CD16-42D6-873A-C26D2A0506FA}" vid="{1BDDFF52-6CD6-40A5-AB3C-68EB2F1E4D0A}"/>
     </a:ext>
   </a:extLst>
 </a:theme>
 </file>
 
 <file path=customXml/item1.xml><?xml version="1.0" encoding="utf-8"?>
-<?mso-contentType ?>
-<FormTemplates xmlns="http://schemas.microsoft.com/sharepoint/v3/contenttype/forms">
-  <Display>DocumentLibraryForm</Display>
-  <Edit>DocumentLibraryForm</Edit>
-  <New>DocumentLibraryForm</New>
-</FormTemplates>
-</file>
-
-<file path=customXml/item2.xml><?xml version="1.0" encoding="utf-8"?>
-<p:properties xmlns:p="http://schemas.microsoft.com/office/2006/metadata/properties" xmlns:xsi="http://www.w3.org/2001/XMLSchema-instance" xmlns:pc="http://schemas.microsoft.com/office/infopath/2007/PartnerControls">
-  <documentManagement>
-    <_ip_UnifiedCompliancePolicyUIAction xmlns="http://schemas.microsoft.com/sharepoint/v3" xsi:nil="true"/>
-    <Image xmlns="71af3243-3dd4-4a8d-8c0d-dd76da1f02a5">
-      <Url xsi:nil="true"/>
-      <Description xsi:nil="true"/>
-    </Image>
-    <Status xmlns="71af3243-3dd4-4a8d-8c0d-dd76da1f02a5">Not started</Status>
-    <Background xmlns="71af3243-3dd4-4a8d-8c0d-dd76da1f02a5">false</Background>
-    <_ip_UnifiedCompliancePolicyProperties xmlns="http://schemas.microsoft.com/sharepoint/v3" xsi:nil="true"/>
-    <ImageTagsTaxHTField xmlns="71af3243-3dd4-4a8d-8c0d-dd76da1f02a5">
-      <Terms xmlns="http://schemas.microsoft.com/office/infopath/2007/PartnerControls"/>
-    </ImageTagsTaxHTField>
-    <TaxCatchAll xmlns="230e9df3-be65-4c73-a93b-d1236ebd677e" xsi:nil="true"/>
-    <MediaServiceKeyPoints xmlns="71af3243-3dd4-4a8d-8c0d-dd76da1f02a5" xsi:nil="true"/>
-  </documentManagement>
-</p:properties>
-</file>
-
-<file path=customXml/item3.xml><?xml version="1.0" encoding="utf-8"?>
 <ct:contentTypeSchema xmlns:ct="http://schemas.microsoft.com/office/2006/metadata/contentType" xmlns:ma="http://schemas.microsoft.com/office/2006/metadata/properties/metaAttributes" ct:_="" ma:_="" ma:contentTypeName="Document" ma:contentTypeID="0x01010079F111ED35F8CC479449609E8A0923A6" ma:contentTypeVersion="28" ma:contentTypeDescription="Create a new document." ma:contentTypeScope="" ma:versionID="60f5a4f2d2b0abadcf532d48ebf9cb71">
   <xsd:schema xmlns:xsd="http://www.w3.org/2001/XMLSchema" xmlns:xs="http://www.w3.org/2001/XMLSchema" xmlns:p="http://schemas.microsoft.com/office/2006/metadata/properties" xmlns:ns1="http://schemas.microsoft.com/sharepoint/v3" xmlns:ns2="71af3243-3dd4-4a8d-8c0d-dd76da1f02a5" xmlns:ns3="16c05727-aa75-4e4a-9b5f-8a80a1165891" xmlns:ns4="230e9df3-be65-4c73-a93b-d1236ebd677e" targetNamespace="http://schemas.microsoft.com/office/2006/metadata/properties" ma:root="true" ma:fieldsID="7dd78129e6a1811f84807ad11c651531" ns1:_="" ns2:_="" ns3:_="" ns4:_="">
     <xsd:import namespace="http://schemas.microsoft.com/sharepoint/v3"/>
@@ -13263,34 +13234,36 @@
 </ct:contentTypeSchema>
 </file>
 
-<file path=customXml/itemProps1.xml><?xml version="1.0" encoding="utf-8"?>
-<ds:datastoreItem xmlns:ds="http://schemas.openxmlformats.org/officeDocument/2006/customXml" ds:itemID="{3D120E86-8EBF-4A45-BB42-6385F45559D7}">
-  <ds:schemaRefs>
-    <ds:schemaRef ds:uri="http://schemas.microsoft.com/sharepoint/v3/contenttype/forms"/>
-  </ds:schemaRefs>
-</ds:datastoreItem>
+<file path=customXml/item2.xml><?xml version="1.0" encoding="utf-8"?>
+<p:properties xmlns:p="http://schemas.microsoft.com/office/2006/metadata/properties" xmlns:xsi="http://www.w3.org/2001/XMLSchema-instance" xmlns:pc="http://schemas.microsoft.com/office/infopath/2007/PartnerControls">
+  <documentManagement>
+    <_ip_UnifiedCompliancePolicyUIAction xmlns="http://schemas.microsoft.com/sharepoint/v3" xsi:nil="true"/>
+    <Image xmlns="71af3243-3dd4-4a8d-8c0d-dd76da1f02a5">
+      <Url xsi:nil="true"/>
+      <Description xsi:nil="true"/>
+    </Image>
+    <Status xmlns="71af3243-3dd4-4a8d-8c0d-dd76da1f02a5">Not started</Status>
+    <Background xmlns="71af3243-3dd4-4a8d-8c0d-dd76da1f02a5">false</Background>
+    <_ip_UnifiedCompliancePolicyProperties xmlns="http://schemas.microsoft.com/sharepoint/v3" xsi:nil="true"/>
+    <ImageTagsTaxHTField xmlns="71af3243-3dd4-4a8d-8c0d-dd76da1f02a5">
+      <Terms xmlns="http://schemas.microsoft.com/office/infopath/2007/PartnerControls"/>
+    </ImageTagsTaxHTField>
+    <TaxCatchAll xmlns="230e9df3-be65-4c73-a93b-d1236ebd677e" xsi:nil="true"/>
+    <MediaServiceKeyPoints xmlns="71af3243-3dd4-4a8d-8c0d-dd76da1f02a5" xsi:nil="true"/>
+  </documentManagement>
+</p:properties>
 </file>
 
-<file path=customXml/itemProps2.xml><?xml version="1.0" encoding="utf-8"?>
-<ds:datastoreItem xmlns:ds="http://schemas.openxmlformats.org/officeDocument/2006/customXml" ds:itemID="{1398E2AA-96EA-44F8-9A2C-8D407107E619}">
-  <ds:schemaRefs>
-    <ds:schemaRef ds:uri="http://schemas.microsoft.com/office/2006/metadata/properties"/>
-    <ds:schemaRef ds:uri="http://schemas.microsoft.com/sharepoint/v3"/>
-    <ds:schemaRef ds:uri="230e9df3-be65-4c73-a93b-d1236ebd677e"/>
-    <ds:schemaRef ds:uri="http://purl.org/dc/terms/"/>
-    <ds:schemaRef ds:uri="http://schemas.openxmlformats.org/package/2006/metadata/core-properties"/>
-    <ds:schemaRef ds:uri="16c05727-aa75-4e4a-9b5f-8a80a1165891"/>
-    <ds:schemaRef ds:uri="http://purl.org/dc/dcmitype/"/>
-    <ds:schemaRef ds:uri="http://schemas.microsoft.com/office/infopath/2007/PartnerControls"/>
-    <ds:schemaRef ds:uri="http://schemas.microsoft.com/office/2006/documentManagement/types"/>
-    <ds:schemaRef ds:uri="71af3243-3dd4-4a8d-8c0d-dd76da1f02a5"/>
-    <ds:schemaRef ds:uri="http://www.w3.org/XML/1998/namespace"/>
-    <ds:schemaRef ds:uri="http://purl.org/dc/elements/1.1/"/>
-  </ds:schemaRefs>
-</ds:datastoreItem>
+<file path=customXml/item3.xml><?xml version="1.0" encoding="utf-8"?>
+<?mso-contentType ?>
+<FormTemplates xmlns="http://schemas.microsoft.com/sharepoint/v3/contenttype/forms">
+  <Display>DocumentLibraryForm</Display>
+  <Edit>DocumentLibraryForm</Edit>
+  <New>DocumentLibraryForm</New>
+</FormTemplates>
 </file>
 
-<file path=customXml/itemProps3.xml><?xml version="1.0" encoding="utf-8"?>
+<file path=customXml/itemProps1.xml><?xml version="1.0" encoding="utf-8"?>
 <ds:datastoreItem xmlns:ds="http://schemas.openxmlformats.org/officeDocument/2006/customXml" ds:itemID="{B31796BC-EFB4-4758-9E84-D19E82556C05}">
   <ds:schemaRefs>
     <ds:schemaRef ds:uri="http://schemas.microsoft.com/office/2006/metadata/contentType"/>
@@ -13311,6 +13284,33 @@
 </ds:datastoreItem>
 </file>
 
+<file path=customXml/itemProps2.xml><?xml version="1.0" encoding="utf-8"?>
+<ds:datastoreItem xmlns:ds="http://schemas.openxmlformats.org/officeDocument/2006/customXml" ds:itemID="{1398E2AA-96EA-44F8-9A2C-8D407107E619}">
+  <ds:schemaRefs>
+    <ds:schemaRef ds:uri="http://schemas.microsoft.com/sharepoint/v3"/>
+    <ds:schemaRef ds:uri="http://purl.org/dc/terms/"/>
+    <ds:schemaRef ds:uri="230e9df3-be65-4c73-a93b-d1236ebd677e"/>
+    <ds:schemaRef ds:uri="http://schemas.microsoft.com/office/2006/documentManagement/types"/>
+    <ds:schemaRef ds:uri="16c05727-aa75-4e4a-9b5f-8a80a1165891"/>
+    <ds:schemaRef ds:uri="http://schemas.microsoft.com/office/infopath/2007/PartnerControls"/>
+    <ds:schemaRef ds:uri="http://purl.org/dc/elements/1.1/"/>
+    <ds:schemaRef ds:uri="http://schemas.microsoft.com/office/2006/metadata/properties"/>
+    <ds:schemaRef ds:uri="http://schemas.openxmlformats.org/package/2006/metadata/core-properties"/>
+    <ds:schemaRef ds:uri="71af3243-3dd4-4a8d-8c0d-dd76da1f02a5"/>
+    <ds:schemaRef ds:uri="http://www.w3.org/XML/1998/namespace"/>
+    <ds:schemaRef ds:uri="http://purl.org/dc/dcmitype/"/>
+  </ds:schemaRefs>
+</ds:datastoreItem>
+</file>
+
+<file path=customXml/itemProps3.xml><?xml version="1.0" encoding="utf-8"?>
+<ds:datastoreItem xmlns:ds="http://schemas.openxmlformats.org/officeDocument/2006/customXml" ds:itemID="{3D120E86-8EBF-4A45-BB42-6385F45559D7}">
+  <ds:schemaRefs>
+    <ds:schemaRef ds:uri="http://schemas.microsoft.com/sharepoint/v3/contenttype/forms"/>
+  </ds:schemaRefs>
+</ds:datastoreItem>
+</file>
+
 <file path=docMetadata/LabelInfo.xml><?xml version="1.0" encoding="utf-8"?>
 <clbl:labelList xmlns:clbl="http://schemas.microsoft.com/office/2020/mipLabelMetadata"/>
 </file>